--- a/slides/2_Linux-File-System.pptx
+++ b/slides/2_Linux-File-System.pptx
@@ -5,7 +5,7 @@
     <p:sldMasterId id="2147483648" r:id="rId1"/>
   </p:sldMasterIdLst>
   <p:notesMasterIdLst>
-    <p:notesMasterId r:id="rId17"/>
+    <p:notesMasterId r:id="rId22"/>
   </p:notesMasterIdLst>
   <p:sldIdLst>
     <p:sldId id="256" r:id="rId2"/>
@@ -18,11 +18,16 @@
     <p:sldId id="329" r:id="rId9"/>
     <p:sldId id="328" r:id="rId10"/>
     <p:sldId id="330" r:id="rId11"/>
-    <p:sldId id="324" r:id="rId12"/>
-    <p:sldId id="325" r:id="rId13"/>
-    <p:sldId id="326" r:id="rId14"/>
-    <p:sldId id="332" r:id="rId15"/>
-    <p:sldId id="314" r:id="rId16"/>
+    <p:sldId id="338" r:id="rId12"/>
+    <p:sldId id="334" r:id="rId13"/>
+    <p:sldId id="335" r:id="rId14"/>
+    <p:sldId id="336" r:id="rId15"/>
+    <p:sldId id="337" r:id="rId16"/>
+    <p:sldId id="324" r:id="rId17"/>
+    <p:sldId id="325" r:id="rId18"/>
+    <p:sldId id="326" r:id="rId19"/>
+    <p:sldId id="332" r:id="rId20"/>
+    <p:sldId id="314" r:id="rId21"/>
   </p:sldIdLst>
   <p:sldSz cx="12192000" cy="6858000"/>
   <p:notesSz cx="6858000" cy="9144000"/>
@@ -1830,7 +1835,7 @@
         <a:p>
           <a:r>
             <a:rPr lang="en-US" b="0"/>
-            <a:t>Đọc ghi File bất đồng bộ.</a:t>
+            <a:t>File Locking</a:t>
           </a:r>
         </a:p>
       </dgm:t>
@@ -1857,6 +1862,42 @@
         </a:p>
       </dgm:t>
     </dgm:pt>
+    <dgm:pt modelId="{F3E9AF7F-0316-4384-94E3-1686FBDA4E2D}">
+      <dgm:prSet/>
+      <dgm:spPr/>
+      <dgm:t>
+        <a:bodyPr/>
+        <a:lstStyle/>
+        <a:p>
+          <a:r>
+            <a:rPr lang="en-US" b="0"/>
+            <a:t>Đọc ghi File bất đồng bộ.</a:t>
+          </a:r>
+        </a:p>
+      </dgm:t>
+    </dgm:pt>
+    <dgm:pt modelId="{48252C22-A9EA-4799-938A-408721492BF0}" type="parTrans" cxnId="{F6F4BA79-80CE-4772-879B-5661FAED606F}">
+      <dgm:prSet/>
+      <dgm:spPr/>
+      <dgm:t>
+        <a:bodyPr/>
+        <a:lstStyle/>
+        <a:p>
+          <a:endParaRPr lang="en-US"/>
+        </a:p>
+      </dgm:t>
+    </dgm:pt>
+    <dgm:pt modelId="{25B540F6-8337-4760-8190-B9461B56F43E}" type="sibTrans" cxnId="{F6F4BA79-80CE-4772-879B-5661FAED606F}">
+      <dgm:prSet/>
+      <dgm:spPr/>
+      <dgm:t>
+        <a:bodyPr/>
+        <a:lstStyle/>
+        <a:p>
+          <a:endParaRPr lang="en-US"/>
+        </a:p>
+      </dgm:t>
+    </dgm:pt>
     <dgm:pt modelId="{639F4090-9AE3-429F-9D98-1055173C895C}" type="pres">
       <dgm:prSet presAssocID="{FBDD58BD-8349-47ED-AE60-ED48355B863E}" presName="linear" presStyleCnt="0">
         <dgm:presLayoutVars>
@@ -1872,11 +1913,11 @@
       <dgm:spPr/>
     </dgm:pt>
     <dgm:pt modelId="{5AC8F0DF-DF24-4516-AB6C-0900AAF65C8B}" type="pres">
-      <dgm:prSet presAssocID="{8E9DC0CE-F9DB-496C-A642-FAB5599E687C}" presName="parentLeftMargin" presStyleLbl="node1" presStyleIdx="0" presStyleCnt="4"/>
+      <dgm:prSet presAssocID="{8E9DC0CE-F9DB-496C-A642-FAB5599E687C}" presName="parentLeftMargin" presStyleLbl="node1" presStyleIdx="0" presStyleCnt="5"/>
       <dgm:spPr/>
     </dgm:pt>
     <dgm:pt modelId="{2798E2A6-957C-4EA6-A2BB-93B84F563E64}" type="pres">
-      <dgm:prSet presAssocID="{8E9DC0CE-F9DB-496C-A642-FAB5599E687C}" presName="parentText" presStyleLbl="node1" presStyleIdx="0" presStyleCnt="4">
+      <dgm:prSet presAssocID="{8E9DC0CE-F9DB-496C-A642-FAB5599E687C}" presName="parentText" presStyleLbl="node1" presStyleIdx="0" presStyleCnt="5">
         <dgm:presLayoutVars>
           <dgm:chMax val="0"/>
           <dgm:bulletEnabled val="1"/>
@@ -1889,7 +1930,7 @@
       <dgm:spPr/>
     </dgm:pt>
     <dgm:pt modelId="{85843D4C-B974-4C7A-BAFF-435BE106DAF3}" type="pres">
-      <dgm:prSet presAssocID="{8E9DC0CE-F9DB-496C-A642-FAB5599E687C}" presName="childText" presStyleLbl="conFgAcc1" presStyleIdx="0" presStyleCnt="4">
+      <dgm:prSet presAssocID="{8E9DC0CE-F9DB-496C-A642-FAB5599E687C}" presName="childText" presStyleLbl="conFgAcc1" presStyleIdx="0" presStyleCnt="5">
         <dgm:presLayoutVars>
           <dgm:bulletEnabled val="1"/>
         </dgm:presLayoutVars>
@@ -1905,11 +1946,11 @@
       <dgm:spPr/>
     </dgm:pt>
     <dgm:pt modelId="{D0518C4D-79E7-4261-8AC8-BAB5F59D3082}" type="pres">
-      <dgm:prSet presAssocID="{B354BF78-3646-4596-A3E4-1CF737FA01EC}" presName="parentLeftMargin" presStyleLbl="node1" presStyleIdx="0" presStyleCnt="4"/>
+      <dgm:prSet presAssocID="{B354BF78-3646-4596-A3E4-1CF737FA01EC}" presName="parentLeftMargin" presStyleLbl="node1" presStyleIdx="0" presStyleCnt="5"/>
       <dgm:spPr/>
     </dgm:pt>
     <dgm:pt modelId="{F7A0D427-A27B-4D6D-8B11-40715E2BB7E4}" type="pres">
-      <dgm:prSet presAssocID="{B354BF78-3646-4596-A3E4-1CF737FA01EC}" presName="parentText" presStyleLbl="node1" presStyleIdx="1" presStyleCnt="4">
+      <dgm:prSet presAssocID="{B354BF78-3646-4596-A3E4-1CF737FA01EC}" presName="parentText" presStyleLbl="node1" presStyleIdx="1" presStyleCnt="5">
         <dgm:presLayoutVars>
           <dgm:chMax val="0"/>
           <dgm:bulletEnabled val="1"/>
@@ -1922,7 +1963,7 @@
       <dgm:spPr/>
     </dgm:pt>
     <dgm:pt modelId="{3DE4A7C3-0719-416D-87FC-6D61BCD93860}" type="pres">
-      <dgm:prSet presAssocID="{B354BF78-3646-4596-A3E4-1CF737FA01EC}" presName="childText" presStyleLbl="conFgAcc1" presStyleIdx="1" presStyleCnt="4">
+      <dgm:prSet presAssocID="{B354BF78-3646-4596-A3E4-1CF737FA01EC}" presName="childText" presStyleLbl="conFgAcc1" presStyleIdx="1" presStyleCnt="5">
         <dgm:presLayoutVars>
           <dgm:bulletEnabled val="1"/>
         </dgm:presLayoutVars>
@@ -1938,11 +1979,11 @@
       <dgm:spPr/>
     </dgm:pt>
     <dgm:pt modelId="{5F8967CF-6246-4EB0-B4EE-160DECDB79E8}" type="pres">
-      <dgm:prSet presAssocID="{9DD2FBBB-4BBB-4751-A781-FA47050AA5C9}" presName="parentLeftMargin" presStyleLbl="node1" presStyleIdx="1" presStyleCnt="4"/>
+      <dgm:prSet presAssocID="{9DD2FBBB-4BBB-4751-A781-FA47050AA5C9}" presName="parentLeftMargin" presStyleLbl="node1" presStyleIdx="1" presStyleCnt="5"/>
       <dgm:spPr/>
     </dgm:pt>
     <dgm:pt modelId="{AC0743EE-5FE9-49B7-B5FD-CE7DF33B6331}" type="pres">
-      <dgm:prSet presAssocID="{9DD2FBBB-4BBB-4751-A781-FA47050AA5C9}" presName="parentText" presStyleLbl="node1" presStyleIdx="2" presStyleCnt="4">
+      <dgm:prSet presAssocID="{9DD2FBBB-4BBB-4751-A781-FA47050AA5C9}" presName="parentText" presStyleLbl="node1" presStyleIdx="2" presStyleCnt="5">
         <dgm:presLayoutVars>
           <dgm:chMax val="0"/>
           <dgm:bulletEnabled val="1"/>
@@ -1955,7 +1996,7 @@
       <dgm:spPr/>
     </dgm:pt>
     <dgm:pt modelId="{F86E42AA-B44D-4FB3-8EB8-D26BDB237C33}" type="pres">
-      <dgm:prSet presAssocID="{9DD2FBBB-4BBB-4751-A781-FA47050AA5C9}" presName="childText" presStyleLbl="conFgAcc1" presStyleIdx="2" presStyleCnt="4">
+      <dgm:prSet presAssocID="{9DD2FBBB-4BBB-4751-A781-FA47050AA5C9}" presName="childText" presStyleLbl="conFgAcc1" presStyleIdx="2" presStyleCnt="5">
         <dgm:presLayoutVars>
           <dgm:bulletEnabled val="1"/>
         </dgm:presLayoutVars>
@@ -1971,11 +2012,11 @@
       <dgm:spPr/>
     </dgm:pt>
     <dgm:pt modelId="{60B42665-F0A6-4901-A597-CB46FEE2B289}" type="pres">
-      <dgm:prSet presAssocID="{7FBC60B6-5069-45EE-88B0-918A302D1DEC}" presName="parentLeftMargin" presStyleLbl="node1" presStyleIdx="2" presStyleCnt="4"/>
+      <dgm:prSet presAssocID="{7FBC60B6-5069-45EE-88B0-918A302D1DEC}" presName="parentLeftMargin" presStyleLbl="node1" presStyleIdx="2" presStyleCnt="5"/>
       <dgm:spPr/>
     </dgm:pt>
     <dgm:pt modelId="{4F3C5F5E-C88E-48BC-9DB1-8052BB7563CC}" type="pres">
-      <dgm:prSet presAssocID="{7FBC60B6-5069-45EE-88B0-918A302D1DEC}" presName="parentText" presStyleLbl="node1" presStyleIdx="3" presStyleCnt="4">
+      <dgm:prSet presAssocID="{7FBC60B6-5069-45EE-88B0-918A302D1DEC}" presName="parentText" presStyleLbl="node1" presStyleIdx="3" presStyleCnt="5">
         <dgm:presLayoutVars>
           <dgm:chMax val="0"/>
           <dgm:bulletEnabled val="1"/>
@@ -1988,7 +2029,40 @@
       <dgm:spPr/>
     </dgm:pt>
     <dgm:pt modelId="{D1474A62-C056-4CA6-90B4-7B9321173736}" type="pres">
-      <dgm:prSet presAssocID="{7FBC60B6-5069-45EE-88B0-918A302D1DEC}" presName="childText" presStyleLbl="conFgAcc1" presStyleIdx="3" presStyleCnt="4">
+      <dgm:prSet presAssocID="{7FBC60B6-5069-45EE-88B0-918A302D1DEC}" presName="childText" presStyleLbl="conFgAcc1" presStyleIdx="3" presStyleCnt="5">
+        <dgm:presLayoutVars>
+          <dgm:bulletEnabled val="1"/>
+        </dgm:presLayoutVars>
+      </dgm:prSet>
+      <dgm:spPr/>
+    </dgm:pt>
+    <dgm:pt modelId="{4ECA3378-E0CE-4D9B-95CD-534AA68C3ADF}" type="pres">
+      <dgm:prSet presAssocID="{F7EFC735-C818-49D4-BC98-4C9417F18343}" presName="spaceBetweenRectangles" presStyleCnt="0"/>
+      <dgm:spPr/>
+    </dgm:pt>
+    <dgm:pt modelId="{1A3C0F79-B738-470B-A07C-CBD2445ACF29}" type="pres">
+      <dgm:prSet presAssocID="{F3E9AF7F-0316-4384-94E3-1686FBDA4E2D}" presName="parentLin" presStyleCnt="0"/>
+      <dgm:spPr/>
+    </dgm:pt>
+    <dgm:pt modelId="{A14D10A7-2965-4540-ABDB-1B1F1EB91A15}" type="pres">
+      <dgm:prSet presAssocID="{F3E9AF7F-0316-4384-94E3-1686FBDA4E2D}" presName="parentLeftMargin" presStyleLbl="node1" presStyleIdx="3" presStyleCnt="5"/>
+      <dgm:spPr/>
+    </dgm:pt>
+    <dgm:pt modelId="{FBC41B9E-3A8D-4563-A20C-D4ACEAF11B9C}" type="pres">
+      <dgm:prSet presAssocID="{F3E9AF7F-0316-4384-94E3-1686FBDA4E2D}" presName="parentText" presStyleLbl="node1" presStyleIdx="4" presStyleCnt="5">
+        <dgm:presLayoutVars>
+          <dgm:chMax val="0"/>
+          <dgm:bulletEnabled val="1"/>
+        </dgm:presLayoutVars>
+      </dgm:prSet>
+      <dgm:spPr/>
+    </dgm:pt>
+    <dgm:pt modelId="{517CFBC6-E1F0-410B-A748-F33C0D6AD463}" type="pres">
+      <dgm:prSet presAssocID="{F3E9AF7F-0316-4384-94E3-1686FBDA4E2D}" presName="negativeSpace" presStyleCnt="0"/>
+      <dgm:spPr/>
+    </dgm:pt>
+    <dgm:pt modelId="{C5EFFA73-4E6B-41E1-B0ED-EB01195038A4}" type="pres">
+      <dgm:prSet presAssocID="{F3E9AF7F-0316-4384-94E3-1686FBDA4E2D}" presName="childText" presStyleLbl="conFgAcc1" presStyleIdx="4" presStyleCnt="5">
         <dgm:presLayoutVars>
           <dgm:bulletEnabled val="1"/>
         </dgm:presLayoutVars>
@@ -1998,9 +2072,11 @@
   </dgm:ptLst>
   <dgm:cxnLst>
     <dgm:cxn modelId="{28CAAF00-68E6-423A-94F5-E6F35159DFB4}" type="presOf" srcId="{7FBC60B6-5069-45EE-88B0-918A302D1DEC}" destId="{4F3C5F5E-C88E-48BC-9DB1-8052BB7563CC}" srcOrd="1" destOrd="0" presId="urn:microsoft.com/office/officeart/2005/8/layout/list1"/>
+    <dgm:cxn modelId="{C96DD62B-1A15-4ED2-8705-E1B259375FFC}" type="presOf" srcId="{F3E9AF7F-0316-4384-94E3-1686FBDA4E2D}" destId="{FBC41B9E-3A8D-4563-A20C-D4ACEAF11B9C}" srcOrd="1" destOrd="0" presId="urn:microsoft.com/office/officeart/2005/8/layout/list1"/>
     <dgm:cxn modelId="{104F7D5F-D640-4743-A3B3-F29CA536F1AB}" srcId="{FBDD58BD-8349-47ED-AE60-ED48355B863E}" destId="{B354BF78-3646-4596-A3E4-1CF737FA01EC}" srcOrd="1" destOrd="0" parTransId="{7A97B773-CB29-4ECA-A249-99BA44D6A67A}" sibTransId="{E2DAB633-1807-4F0D-8F5A-6A6DF051124B}"/>
     <dgm:cxn modelId="{0EC7B55F-995B-42F3-8EB7-05A192C6B9FB}" type="presOf" srcId="{B354BF78-3646-4596-A3E4-1CF737FA01EC}" destId="{F7A0D427-A27B-4D6D-8B11-40715E2BB7E4}" srcOrd="1" destOrd="0" presId="urn:microsoft.com/office/officeart/2005/8/layout/list1"/>
     <dgm:cxn modelId="{07EC3063-9D46-4196-9FE0-5B7448AEDA35}" srcId="{FBDD58BD-8349-47ED-AE60-ED48355B863E}" destId="{8E9DC0CE-F9DB-496C-A642-FAB5599E687C}" srcOrd="0" destOrd="0" parTransId="{344570C1-6DC8-4F4B-81A2-EAB31C2DCF60}" sibTransId="{AF075EFD-3227-4411-BE94-EF7A4AD81A93}"/>
+    <dgm:cxn modelId="{F6F4BA79-80CE-4772-879B-5661FAED606F}" srcId="{FBDD58BD-8349-47ED-AE60-ED48355B863E}" destId="{F3E9AF7F-0316-4384-94E3-1686FBDA4E2D}" srcOrd="4" destOrd="0" parTransId="{48252C22-A9EA-4799-938A-408721492BF0}" sibTransId="{25B540F6-8337-4760-8190-B9461B56F43E}"/>
     <dgm:cxn modelId="{B2BCC87B-CB6A-4570-99CF-577851E56040}" type="presOf" srcId="{B354BF78-3646-4596-A3E4-1CF737FA01EC}" destId="{D0518C4D-79E7-4261-8AC8-BAB5F59D3082}" srcOrd="0" destOrd="0" presId="urn:microsoft.com/office/officeart/2005/8/layout/list1"/>
     <dgm:cxn modelId="{EC128891-BDBF-4FD3-A121-F3EA52CB28E7}" type="presOf" srcId="{8E9DC0CE-F9DB-496C-A642-FAB5599E687C}" destId="{2798E2A6-957C-4EA6-A2BB-93B84F563E64}" srcOrd="1" destOrd="0" presId="urn:microsoft.com/office/officeart/2005/8/layout/list1"/>
     <dgm:cxn modelId="{03D82C95-DDB1-4E19-A264-E94099ED6599}" srcId="{FBDD58BD-8349-47ED-AE60-ED48355B863E}" destId="{9DD2FBBB-4BBB-4751-A781-FA47050AA5C9}" srcOrd="2" destOrd="0" parTransId="{E39110C3-C9D5-4CBA-AE5E-898116A074B1}" sibTransId="{93B14983-DE37-4F06-A897-B623737628F4}"/>
@@ -2009,6 +2085,7 @@
     <dgm:cxn modelId="{EAEB4FD1-7D04-419F-B435-F298433BF30D}" type="presOf" srcId="{7FBC60B6-5069-45EE-88B0-918A302D1DEC}" destId="{60B42665-F0A6-4901-A597-CB46FEE2B289}" srcOrd="0" destOrd="0" presId="urn:microsoft.com/office/officeart/2005/8/layout/list1"/>
     <dgm:cxn modelId="{E56B7FE6-897F-4795-80D8-CE7700B4A2C4}" type="presOf" srcId="{FBDD58BD-8349-47ED-AE60-ED48355B863E}" destId="{639F4090-9AE3-429F-9D98-1055173C895C}" srcOrd="0" destOrd="0" presId="urn:microsoft.com/office/officeart/2005/8/layout/list1"/>
     <dgm:cxn modelId="{B639AFF6-DA99-4843-B1D0-674710671CC4}" type="presOf" srcId="{8E9DC0CE-F9DB-496C-A642-FAB5599E687C}" destId="{5AC8F0DF-DF24-4516-AB6C-0900AAF65C8B}" srcOrd="0" destOrd="0" presId="urn:microsoft.com/office/officeart/2005/8/layout/list1"/>
+    <dgm:cxn modelId="{4FA0D1F6-7518-42B2-86A6-4579C3FB8612}" type="presOf" srcId="{F3E9AF7F-0316-4384-94E3-1686FBDA4E2D}" destId="{A14D10A7-2965-4540-ABDB-1B1F1EB91A15}" srcOrd="0" destOrd="0" presId="urn:microsoft.com/office/officeart/2005/8/layout/list1"/>
     <dgm:cxn modelId="{AF5EA4F9-A0EB-4F37-AD2D-4E743E0EF88C}" type="presOf" srcId="{9DD2FBBB-4BBB-4751-A781-FA47050AA5C9}" destId="{5F8967CF-6246-4EB0-B4EE-160DECDB79E8}" srcOrd="0" destOrd="0" presId="urn:microsoft.com/office/officeart/2005/8/layout/list1"/>
     <dgm:cxn modelId="{1277FE36-AB47-4CA2-8A43-5291F047D64B}" type="presParOf" srcId="{639F4090-9AE3-429F-9D98-1055173C895C}" destId="{2FC334D1-B6DF-4076-AB77-D763DACB2FF8}" srcOrd="0" destOrd="0" presId="urn:microsoft.com/office/officeart/2005/8/layout/list1"/>
     <dgm:cxn modelId="{AC427929-627B-4E56-952F-36BCD084DC0B}" type="presParOf" srcId="{2FC334D1-B6DF-4076-AB77-D763DACB2FF8}" destId="{5AC8F0DF-DF24-4516-AB6C-0900AAF65C8B}" srcOrd="0" destOrd="0" presId="urn:microsoft.com/office/officeart/2005/8/layout/list1"/>
@@ -2033,6 +2110,12 @@
     <dgm:cxn modelId="{F1EE72CF-6A86-431A-AF3B-4841309A5A40}" type="presParOf" srcId="{76ECB5F8-576E-4FBA-A451-5B18EA9A262F}" destId="{4F3C5F5E-C88E-48BC-9DB1-8052BB7563CC}" srcOrd="1" destOrd="0" presId="urn:microsoft.com/office/officeart/2005/8/layout/list1"/>
     <dgm:cxn modelId="{19E5A81A-5877-4C69-8BCD-8B66A1C9B0E1}" type="presParOf" srcId="{639F4090-9AE3-429F-9D98-1055173C895C}" destId="{3F0F4B07-47F5-49A7-9D12-F6D910632AEA}" srcOrd="13" destOrd="0" presId="urn:microsoft.com/office/officeart/2005/8/layout/list1"/>
     <dgm:cxn modelId="{25278310-558B-4061-B4AD-74C6E8D72642}" type="presParOf" srcId="{639F4090-9AE3-429F-9D98-1055173C895C}" destId="{D1474A62-C056-4CA6-90B4-7B9321173736}" srcOrd="14" destOrd="0" presId="urn:microsoft.com/office/officeart/2005/8/layout/list1"/>
+    <dgm:cxn modelId="{8AA01E64-7FC1-43C6-8156-F09619ACC3A9}" type="presParOf" srcId="{639F4090-9AE3-429F-9D98-1055173C895C}" destId="{4ECA3378-E0CE-4D9B-95CD-534AA68C3ADF}" srcOrd="15" destOrd="0" presId="urn:microsoft.com/office/officeart/2005/8/layout/list1"/>
+    <dgm:cxn modelId="{E68589EC-ECF3-408B-A061-4A3F0FE27402}" type="presParOf" srcId="{639F4090-9AE3-429F-9D98-1055173C895C}" destId="{1A3C0F79-B738-470B-A07C-CBD2445ACF29}" srcOrd="16" destOrd="0" presId="urn:microsoft.com/office/officeart/2005/8/layout/list1"/>
+    <dgm:cxn modelId="{808E9658-BD38-4AC1-8FD3-D47879008029}" type="presParOf" srcId="{1A3C0F79-B738-470B-A07C-CBD2445ACF29}" destId="{A14D10A7-2965-4540-ABDB-1B1F1EB91A15}" srcOrd="0" destOrd="0" presId="urn:microsoft.com/office/officeart/2005/8/layout/list1"/>
+    <dgm:cxn modelId="{71E9B502-9BE4-493D-80AF-6F47799F7FC2}" type="presParOf" srcId="{1A3C0F79-B738-470B-A07C-CBD2445ACF29}" destId="{FBC41B9E-3A8D-4563-A20C-D4ACEAF11B9C}" srcOrd="1" destOrd="0" presId="urn:microsoft.com/office/officeart/2005/8/layout/list1"/>
+    <dgm:cxn modelId="{C8929694-272A-4A7B-99E5-7EECA8A71266}" type="presParOf" srcId="{639F4090-9AE3-429F-9D98-1055173C895C}" destId="{517CFBC6-E1F0-410B-A748-F33C0D6AD463}" srcOrd="17" destOrd="0" presId="urn:microsoft.com/office/officeart/2005/8/layout/list1"/>
+    <dgm:cxn modelId="{7D5FB28E-55F7-4133-A50B-2D977C032946}" type="presParOf" srcId="{639F4090-9AE3-429F-9D98-1055173C895C}" destId="{C5EFFA73-4E6B-41E1-B0ED-EB01195038A4}" srcOrd="18" destOrd="0" presId="urn:microsoft.com/office/officeart/2005/8/layout/list1"/>
   </dgm:cxnLst>
   <dgm:bg/>
   <dgm:whole/>
@@ -2145,7 +2228,7 @@
         <a:p>
           <a:r>
             <a:rPr lang="en-US"/>
-            <a:t>Đọc ghi file bất đồng bộ</a:t>
+            <a:t>Locking File</a:t>
           </a:r>
         </a:p>
       </dgm:t>
@@ -2334,8 +2417,8 @@
       </dsp:nvSpPr>
       <dsp:spPr>
         <a:xfrm>
-          <a:off x="0" y="778895"/>
-          <a:ext cx="6364224" cy="680400"/>
+          <a:off x="0" y="454356"/>
+          <a:ext cx="6364224" cy="604800"/>
         </a:xfrm>
         <a:prstGeom prst="rect">
           <a:avLst/>
@@ -2383,8 +2466,8 @@
       </dsp:nvSpPr>
       <dsp:spPr>
         <a:xfrm>
-          <a:off x="318211" y="380375"/>
-          <a:ext cx="4454956" cy="797040"/>
+          <a:off x="318211" y="100116"/>
+          <a:ext cx="4454956" cy="708480"/>
         </a:xfrm>
         <a:prstGeom prst="roundRect">
           <a:avLst/>
@@ -2431,7 +2514,7 @@
         </a:bodyPr>
         <a:lstStyle/>
         <a:p>
-          <a:pPr marL="0" lvl="0" indent="0" algn="l" defTabSz="1200150">
+          <a:pPr marL="0" lvl="0" indent="0" algn="l" defTabSz="1066800">
             <a:lnSpc>
               <a:spcPct val="90000"/>
             </a:lnSpc>
@@ -2444,14 +2527,14 @@
             <a:buNone/>
           </a:pPr>
           <a:r>
-            <a:rPr lang="en-US" sz="2700" b="0" kern="1200"/>
+            <a:rPr lang="en-US" sz="2400" b="0" kern="1200"/>
             <a:t>Tổng quan về File trên Linux.</a:t>
           </a:r>
         </a:p>
       </dsp:txBody>
       <dsp:txXfrm>
-        <a:off x="357119" y="419283"/>
-        <a:ext cx="4377140" cy="719224"/>
+        <a:off x="352796" y="134701"/>
+        <a:ext cx="4385786" cy="639310"/>
       </dsp:txXfrm>
     </dsp:sp>
     <dsp:sp modelId="{3DE4A7C3-0719-416D-87FC-6D61BCD93860}">
@@ -2461,8 +2544,8 @@
       </dsp:nvSpPr>
       <dsp:spPr>
         <a:xfrm>
-          <a:off x="0" y="2003615"/>
-          <a:ext cx="6364224" cy="680400"/>
+          <a:off x="0" y="1542996"/>
+          <a:ext cx="6364224" cy="604800"/>
         </a:xfrm>
         <a:prstGeom prst="rect">
           <a:avLst/>
@@ -2479,9 +2562,9 @@
         <a:ln w="12700" cap="flat" cmpd="sng" algn="ctr">
           <a:solidFill>
             <a:schemeClr val="accent2">
-              <a:hueOff val="-485121"/>
-              <a:satOff val="-27976"/>
-              <a:lumOff val="2876"/>
+              <a:hueOff val="-363841"/>
+              <a:satOff val="-20982"/>
+              <a:lumOff val="2157"/>
               <a:alphaOff val="0"/>
             </a:schemeClr>
           </a:solidFill>
@@ -2510,17 +2593,17 @@
       </dsp:nvSpPr>
       <dsp:spPr>
         <a:xfrm>
-          <a:off x="318211" y="1605095"/>
-          <a:ext cx="4454956" cy="797040"/>
+          <a:off x="318211" y="1188756"/>
+          <a:ext cx="4454956" cy="708480"/>
         </a:xfrm>
         <a:prstGeom prst="roundRect">
           <a:avLst/>
         </a:prstGeom>
         <a:solidFill>
           <a:schemeClr val="accent2">
-            <a:hueOff val="-485121"/>
-            <a:satOff val="-27976"/>
-            <a:lumOff val="2876"/>
+            <a:hueOff val="-363841"/>
+            <a:satOff val="-20982"/>
+            <a:lumOff val="2157"/>
             <a:alphaOff val="0"/>
           </a:schemeClr>
         </a:solidFill>
@@ -2558,7 +2641,7 @@
         </a:bodyPr>
         <a:lstStyle/>
         <a:p>
-          <a:pPr marL="0" lvl="0" indent="0" algn="l" defTabSz="1200150">
+          <a:pPr marL="0" lvl="0" indent="0" algn="l" defTabSz="1066800">
             <a:lnSpc>
               <a:spcPct val="90000"/>
             </a:lnSpc>
@@ -2571,14 +2654,14 @@
             <a:buNone/>
           </a:pPr>
           <a:r>
-            <a:rPr lang="en-US" sz="2700" b="0" kern="1200"/>
+            <a:rPr lang="en-US" sz="2400" b="0" kern="1200"/>
             <a:t>Đọc ghi File trong Linux</a:t>
           </a:r>
         </a:p>
       </dsp:txBody>
       <dsp:txXfrm>
-        <a:off x="357119" y="1644003"/>
-        <a:ext cx="4377140" cy="719224"/>
+        <a:off x="352796" y="1223341"/>
+        <a:ext cx="4385786" cy="639310"/>
       </dsp:txXfrm>
     </dsp:sp>
     <dsp:sp modelId="{F86E42AA-B44D-4FB3-8EB8-D26BDB237C33}">
@@ -2588,8 +2671,8 @@
       </dsp:nvSpPr>
       <dsp:spPr>
         <a:xfrm>
-          <a:off x="0" y="3228336"/>
-          <a:ext cx="6364224" cy="680400"/>
+          <a:off x="0" y="2631636"/>
+          <a:ext cx="6364224" cy="604800"/>
         </a:xfrm>
         <a:prstGeom prst="rect">
           <a:avLst/>
@@ -2606,9 +2689,9 @@
         <a:ln w="12700" cap="flat" cmpd="sng" algn="ctr">
           <a:solidFill>
             <a:schemeClr val="accent2">
-              <a:hueOff val="-970242"/>
-              <a:satOff val="-55952"/>
-              <a:lumOff val="5752"/>
+              <a:hueOff val="-727682"/>
+              <a:satOff val="-41964"/>
+              <a:lumOff val="4314"/>
               <a:alphaOff val="0"/>
             </a:schemeClr>
           </a:solidFill>
@@ -2637,17 +2720,17 @@
       </dsp:nvSpPr>
       <dsp:spPr>
         <a:xfrm>
-          <a:off x="318211" y="2829815"/>
-          <a:ext cx="4454956" cy="797040"/>
+          <a:off x="318211" y="2277396"/>
+          <a:ext cx="4454956" cy="708480"/>
         </a:xfrm>
         <a:prstGeom prst="roundRect">
           <a:avLst/>
         </a:prstGeom>
         <a:solidFill>
           <a:schemeClr val="accent2">
-            <a:hueOff val="-970242"/>
-            <a:satOff val="-55952"/>
-            <a:lumOff val="5752"/>
+            <a:hueOff val="-727682"/>
+            <a:satOff val="-41964"/>
+            <a:lumOff val="4314"/>
             <a:alphaOff val="0"/>
           </a:schemeClr>
         </a:solidFill>
@@ -2685,7 +2768,7 @@
         </a:bodyPr>
         <a:lstStyle/>
         <a:p>
-          <a:pPr marL="0" lvl="0" indent="0" algn="l" defTabSz="1200150">
+          <a:pPr marL="0" lvl="0" indent="0" algn="l" defTabSz="1066800">
             <a:lnSpc>
               <a:spcPct val="90000"/>
             </a:lnSpc>
@@ -2698,14 +2781,14 @@
             <a:buNone/>
           </a:pPr>
           <a:r>
-            <a:rPr lang="en-US" sz="2700" b="0" kern="1200"/>
+            <a:rPr lang="en-US" sz="2400" b="0" kern="1200"/>
             <a:t>Quản lý File trên Linux.</a:t>
           </a:r>
         </a:p>
       </dsp:txBody>
       <dsp:txXfrm>
-        <a:off x="357119" y="2868723"/>
-        <a:ext cx="4377140" cy="719224"/>
+        <a:off x="352796" y="2311981"/>
+        <a:ext cx="4385786" cy="639310"/>
       </dsp:txXfrm>
     </dsp:sp>
     <dsp:sp modelId="{D1474A62-C056-4CA6-90B4-7B9321173736}">
@@ -2715,8 +2798,135 @@
       </dsp:nvSpPr>
       <dsp:spPr>
         <a:xfrm>
-          <a:off x="0" y="4453056"/>
-          <a:ext cx="6364224" cy="680400"/>
+          <a:off x="0" y="3720276"/>
+          <a:ext cx="6364224" cy="604800"/>
+        </a:xfrm>
+        <a:prstGeom prst="rect">
+          <a:avLst/>
+        </a:prstGeom>
+        <a:solidFill>
+          <a:schemeClr val="lt1">
+            <a:alpha val="90000"/>
+            <a:hueOff val="0"/>
+            <a:satOff val="0"/>
+            <a:lumOff val="0"/>
+            <a:alphaOff val="0"/>
+          </a:schemeClr>
+        </a:solidFill>
+        <a:ln w="12700" cap="flat" cmpd="sng" algn="ctr">
+          <a:solidFill>
+            <a:schemeClr val="accent2">
+              <a:hueOff val="-1091522"/>
+              <a:satOff val="-62946"/>
+              <a:lumOff val="6471"/>
+              <a:alphaOff val="0"/>
+            </a:schemeClr>
+          </a:solidFill>
+          <a:prstDash val="solid"/>
+          <a:miter lim="800000"/>
+        </a:ln>
+        <a:effectLst/>
+      </dsp:spPr>
+      <dsp:style>
+        <a:lnRef idx="2">
+          <a:scrgbClr r="0" g="0" b="0"/>
+        </a:lnRef>
+        <a:fillRef idx="1">
+          <a:scrgbClr r="0" g="0" b="0"/>
+        </a:fillRef>
+        <a:effectRef idx="0">
+          <a:scrgbClr r="0" g="0" b="0"/>
+        </a:effectRef>
+        <a:fontRef idx="minor"/>
+      </dsp:style>
+    </dsp:sp>
+    <dsp:sp modelId="{4F3C5F5E-C88E-48BC-9DB1-8052BB7563CC}">
+      <dsp:nvSpPr>
+        <dsp:cNvPr id="0" name=""/>
+        <dsp:cNvSpPr/>
+      </dsp:nvSpPr>
+      <dsp:spPr>
+        <a:xfrm>
+          <a:off x="318211" y="3366036"/>
+          <a:ext cx="4454956" cy="708480"/>
+        </a:xfrm>
+        <a:prstGeom prst="roundRect">
+          <a:avLst/>
+        </a:prstGeom>
+        <a:solidFill>
+          <a:schemeClr val="accent2">
+            <a:hueOff val="-1091522"/>
+            <a:satOff val="-62946"/>
+            <a:lumOff val="6471"/>
+            <a:alphaOff val="0"/>
+          </a:schemeClr>
+        </a:solidFill>
+        <a:ln w="12700" cap="flat" cmpd="sng" algn="ctr">
+          <a:solidFill>
+            <a:schemeClr val="lt1">
+              <a:hueOff val="0"/>
+              <a:satOff val="0"/>
+              <a:lumOff val="0"/>
+              <a:alphaOff val="0"/>
+            </a:schemeClr>
+          </a:solidFill>
+          <a:prstDash val="solid"/>
+          <a:miter lim="800000"/>
+        </a:ln>
+        <a:effectLst/>
+      </dsp:spPr>
+      <dsp:style>
+        <a:lnRef idx="2">
+          <a:scrgbClr r="0" g="0" b="0"/>
+        </a:lnRef>
+        <a:fillRef idx="1">
+          <a:scrgbClr r="0" g="0" b="0"/>
+        </a:fillRef>
+        <a:effectRef idx="0">
+          <a:scrgbClr r="0" g="0" b="0"/>
+        </a:effectRef>
+        <a:fontRef idx="minor">
+          <a:schemeClr val="lt1"/>
+        </a:fontRef>
+      </dsp:style>
+      <dsp:txBody>
+        <a:bodyPr spcFirstLastPara="0" vert="horz" wrap="square" lIns="168387" tIns="0" rIns="168387" bIns="0" numCol="1" spcCol="1270" anchor="ctr" anchorCtr="0">
+          <a:noAutofit/>
+        </a:bodyPr>
+        <a:lstStyle/>
+        <a:p>
+          <a:pPr marL="0" lvl="0" indent="0" algn="l" defTabSz="1066800">
+            <a:lnSpc>
+              <a:spcPct val="90000"/>
+            </a:lnSpc>
+            <a:spcBef>
+              <a:spcPct val="0"/>
+            </a:spcBef>
+            <a:spcAft>
+              <a:spcPct val="35000"/>
+            </a:spcAft>
+            <a:buNone/>
+          </a:pPr>
+          <a:r>
+            <a:rPr lang="en-US" sz="2400" b="0" kern="1200"/>
+            <a:t>File Locking</a:t>
+          </a:r>
+        </a:p>
+      </dsp:txBody>
+      <dsp:txXfrm>
+        <a:off x="352796" y="3400621"/>
+        <a:ext cx="4385786" cy="639310"/>
+      </dsp:txXfrm>
+    </dsp:sp>
+    <dsp:sp modelId="{C5EFFA73-4E6B-41E1-B0ED-EB01195038A4}">
+      <dsp:nvSpPr>
+        <dsp:cNvPr id="0" name=""/>
+        <dsp:cNvSpPr/>
+      </dsp:nvSpPr>
+      <dsp:spPr>
+        <a:xfrm>
+          <a:off x="0" y="4808915"/>
+          <a:ext cx="6364224" cy="604800"/>
         </a:xfrm>
         <a:prstGeom prst="rect">
           <a:avLst/>
@@ -2757,15 +2967,15 @@
         <a:fontRef idx="minor"/>
       </dsp:style>
     </dsp:sp>
-    <dsp:sp modelId="{4F3C5F5E-C88E-48BC-9DB1-8052BB7563CC}">
+    <dsp:sp modelId="{FBC41B9E-3A8D-4563-A20C-D4ACEAF11B9C}">
       <dsp:nvSpPr>
         <dsp:cNvPr id="0" name=""/>
         <dsp:cNvSpPr/>
       </dsp:nvSpPr>
       <dsp:spPr>
         <a:xfrm>
-          <a:off x="318211" y="4054536"/>
-          <a:ext cx="4454956" cy="797040"/>
+          <a:off x="318211" y="4454675"/>
+          <a:ext cx="4454956" cy="708480"/>
         </a:xfrm>
         <a:prstGeom prst="roundRect">
           <a:avLst/>
@@ -2812,7 +3022,7 @@
         </a:bodyPr>
         <a:lstStyle/>
         <a:p>
-          <a:pPr marL="0" lvl="0" indent="0" algn="l" defTabSz="1200150">
+          <a:pPr marL="0" lvl="0" indent="0" algn="l" defTabSz="1066800">
             <a:lnSpc>
               <a:spcPct val="90000"/>
             </a:lnSpc>
@@ -2825,14 +3035,14 @@
             <a:buNone/>
           </a:pPr>
           <a:r>
-            <a:rPr lang="en-US" sz="2700" b="0" kern="1200"/>
+            <a:rPr lang="en-US" sz="2400" b="0" kern="1200"/>
             <a:t>Đọc ghi File bất đồng bộ.</a:t>
           </a:r>
         </a:p>
       </dsp:txBody>
       <dsp:txXfrm>
-        <a:off x="357119" y="4093444"/>
-        <a:ext cx="4377140" cy="719224"/>
+        <a:off x="352796" y="4489260"/>
+        <a:ext cx="4385786" cy="639310"/>
       </dsp:txXfrm>
     </dsp:sp>
   </dsp:spTree>
@@ -3202,7 +3412,7 @@
           </a:pPr>
           <a:r>
             <a:rPr lang="en-US" sz="2600" kern="1200"/>
-            <a:t>Đọc ghi file bất đồng bộ</a:t>
+            <a:t>Locking File</a:t>
           </a:r>
         </a:p>
       </dsp:txBody>
@@ -5921,7 +6131,7 @@
           <a:p>
             <a:fld id="{F80EA517-E501-4CA8-AB90-E9279BB9084E}" type="datetimeFigureOut">
               <a:rPr lang="en-US" smtClean="0"/>
-              <a:t>11/20/2021</a:t>
+              <a:t>2/11/2022</a:t>
             </a:fld>
             <a:endParaRPr lang="en-US"/>
           </a:p>
@@ -6525,34 +6735,142 @@
           <a:bodyPr/>
           <a:lstStyle/>
           <a:p>
-            <a:pPr marL="0" marR="0" lvl="0" indent="0" algn="l" defTabSz="914400" rtl="0" eaLnBrk="1" fontAlgn="auto" latinLnBrk="0" hangingPunct="1">
+            <a:pPr marL="171450" marR="0" lvl="0" indent="-171450" algn="just" fontAlgn="auto" hangingPunct="1">
               <a:lnSpc>
-                <a:spcPct val="100000"/>
+                <a:spcPct val="150000"/>
               </a:lnSpc>
               <a:spcBef>
                 <a:spcPts val="0"/>
               </a:spcBef>
               <a:spcAft>
-                <a:spcPts val="0"/>
+                <a:spcPts val="800"/>
               </a:spcAft>
-              <a:buClrTx/>
-              <a:buSzTx/>
-              <a:buFontTx/>
-              <a:buNone/>
-              <a:tabLst/>
-              <a:defRPr/>
+              <a:buFont typeface="Arial" panose="020B0604020202020204" pitchFamily="34" charset="0"/>
+              <a:buChar char="•"/>
             </a:pPr>
             <a:r>
-              <a:rPr lang="en-US" sz="1800">
+              <a:rPr lang="en-US" sz="1200">
                 <a:effectLst/>
                 <a:latin typeface="Times New Roman" panose="02020603050405020304" pitchFamily="18" charset="0"/>
                 <a:ea typeface="Times New Roman" panose="02020603050405020304" pitchFamily="18" charset="0"/>
               </a:rPr>
-              <a:t>Quá trình đọc ghi file dùng các system call read(), write() là quá trình đồng bộ. Tiến trình sẽ tạm dừng cho đến khi quá trình đọc ghi file kết thúc. Việc này sẽ gây ra vấn đề nếu quá trình đọc ghi tốn thời gian quá lâu.</a:t>
-            </a:r>
-          </a:p>
-          <a:p>
-            <a:endParaRPr lang="en-US"/>
+              <a:t>Two different FDs referring to same OFD share file offset </a:t>
+            </a:r>
+          </a:p>
+          <a:p>
+            <a:pPr marL="628650" marR="0" lvl="1" indent="-171450" algn="just" fontAlgn="auto" hangingPunct="1">
+              <a:lnSpc>
+                <a:spcPct val="150000"/>
+              </a:lnSpc>
+              <a:spcBef>
+                <a:spcPts val="0"/>
+              </a:spcBef>
+              <a:spcAft>
+                <a:spcPts val="800"/>
+              </a:spcAft>
+              <a:buFont typeface="Courier New" panose="02070309020205020404" pitchFamily="49" charset="0"/>
+              <a:buChar char="o"/>
+            </a:pPr>
+            <a:r>
+              <a:rPr lang="en-US" sz="1200">
+                <a:effectLst/>
+                <a:latin typeface="Times New Roman" panose="02020603050405020304" pitchFamily="18" charset="0"/>
+                <a:ea typeface="Times New Roman" panose="02020603050405020304" pitchFamily="18" charset="0"/>
+              </a:rPr>
+              <a:t>(File offset == location for next read()/write()) </a:t>
+            </a:r>
+          </a:p>
+          <a:p>
+            <a:pPr marL="628650" marR="0" lvl="1" indent="-171450" algn="just" fontAlgn="auto" hangingPunct="1">
+              <a:lnSpc>
+                <a:spcPct val="150000"/>
+              </a:lnSpc>
+              <a:spcBef>
+                <a:spcPts val="0"/>
+              </a:spcBef>
+              <a:spcAft>
+                <a:spcPts val="800"/>
+              </a:spcAft>
+              <a:buFont typeface="Courier New" panose="02070309020205020404" pitchFamily="49" charset="0"/>
+              <a:buChar char="o"/>
+            </a:pPr>
+            <a:r>
+              <a:rPr lang="en-US" sz="1200">
+                <a:effectLst/>
+                <a:latin typeface="Times New Roman" panose="02020603050405020304" pitchFamily="18" charset="0"/>
+                <a:ea typeface="Times New Roman" panose="02020603050405020304" pitchFamily="18" charset="0"/>
+              </a:rPr>
+              <a:t>Changes (read(), write(), lseek()) via one FD visible via other FD </a:t>
+            </a:r>
+          </a:p>
+          <a:p>
+            <a:pPr marL="171450" marR="0" lvl="0" indent="-171450" algn="just" fontAlgn="auto" hangingPunct="1">
+              <a:lnSpc>
+                <a:spcPct val="150000"/>
+              </a:lnSpc>
+              <a:spcBef>
+                <a:spcPts val="0"/>
+              </a:spcBef>
+              <a:spcAft>
+                <a:spcPts val="800"/>
+              </a:spcAft>
+              <a:buFont typeface="Arial" panose="020B0604020202020204" pitchFamily="34" charset="0"/>
+              <a:buChar char="•"/>
+            </a:pPr>
+            <a:r>
+              <a:rPr lang="en-US" sz="1200">
+                <a:effectLst/>
+                <a:latin typeface="Times New Roman" panose="02020603050405020304" pitchFamily="18" charset="0"/>
+                <a:ea typeface="Times New Roman" panose="02020603050405020304" pitchFamily="18" charset="0"/>
+              </a:rPr>
+              <a:t>Applies to both intraprocess &amp; interprocess sharing of OFD Similar scope rules for status flags (O_APPEND, O_SYNC, . . . ) </a:t>
+            </a:r>
+          </a:p>
+          <a:p>
+            <a:pPr marL="628650" marR="0" lvl="1" indent="-171450" algn="just" fontAlgn="auto" hangingPunct="1">
+              <a:lnSpc>
+                <a:spcPct val="150000"/>
+              </a:lnSpc>
+              <a:spcBef>
+                <a:spcPts val="0"/>
+              </a:spcBef>
+              <a:spcAft>
+                <a:spcPts val="800"/>
+              </a:spcAft>
+              <a:buFont typeface="Courier New" panose="02070309020205020404" pitchFamily="49" charset="0"/>
+              <a:buChar char="o"/>
+            </a:pPr>
+            <a:r>
+              <a:rPr lang="en-US" sz="1200">
+                <a:effectLst/>
+                <a:latin typeface="Times New Roman" panose="02020603050405020304" pitchFamily="18" charset="0"/>
+                <a:ea typeface="Times New Roman" panose="02020603050405020304" pitchFamily="18" charset="0"/>
+              </a:rPr>
+              <a:t>Changes via one FD are visible via other FD (fcntl(F_SETFL) and fcntl(F_GETFL)) </a:t>
+            </a:r>
+          </a:p>
+          <a:p>
+            <a:pPr marL="171450" marR="0" lvl="0" indent="-171450" algn="just" fontAlgn="auto" hangingPunct="1">
+              <a:lnSpc>
+                <a:spcPct val="150000"/>
+              </a:lnSpc>
+              <a:spcBef>
+                <a:spcPts val="0"/>
+              </a:spcBef>
+              <a:spcAft>
+                <a:spcPts val="800"/>
+              </a:spcAft>
+              <a:buFont typeface="Arial" panose="020B0604020202020204" pitchFamily="34" charset="0"/>
+              <a:buChar char="•"/>
+            </a:pPr>
+            <a:r>
+              <a:rPr lang="en-US" sz="1200">
+                <a:effectLst/>
+                <a:latin typeface="Times New Roman" panose="02020603050405020304" pitchFamily="18" charset="0"/>
+                <a:ea typeface="Times New Roman" panose="02020603050405020304" pitchFamily="18" charset="0"/>
+              </a:rPr>
+              <a:t>Conversely, changes to FD flags (held in FD table) are private to each process and FD</a:t>
+            </a:r>
           </a:p>
         </p:txBody>
       </p:sp>
@@ -6582,7 +6900,7 @@
     </p:spTree>
     <p:extLst>
       <p:ext uri="{BB962C8B-B14F-4D97-AF65-F5344CB8AC3E}">
-        <p14:creationId xmlns:p14="http://schemas.microsoft.com/office/powerpoint/2010/main" val="149114826"/>
+        <p14:creationId xmlns:p14="http://schemas.microsoft.com/office/powerpoint/2010/main" val="2012010561"/>
       </p:ext>
     </p:extLst>
   </p:cSld>
@@ -6636,34 +6954,142 @@
           <a:bodyPr/>
           <a:lstStyle/>
           <a:p>
-            <a:pPr marL="0" marR="0" lvl="0" indent="0" algn="l" defTabSz="914400" rtl="0" eaLnBrk="1" fontAlgn="auto" latinLnBrk="0" hangingPunct="1">
+            <a:pPr marL="171450" marR="0" lvl="0" indent="-171450" algn="just" fontAlgn="auto" hangingPunct="1">
               <a:lnSpc>
-                <a:spcPct val="100000"/>
+                <a:spcPct val="150000"/>
               </a:lnSpc>
               <a:spcBef>
                 <a:spcPts val="0"/>
               </a:spcBef>
               <a:spcAft>
-                <a:spcPts val="0"/>
+                <a:spcPts val="800"/>
               </a:spcAft>
-              <a:buClrTx/>
-              <a:buSzTx/>
-              <a:buFontTx/>
-              <a:buNone/>
-              <a:tabLst/>
-              <a:defRPr/>
+              <a:buFont typeface="Arial" panose="020B0604020202020204" pitchFamily="34" charset="0"/>
+              <a:buChar char="•"/>
             </a:pPr>
             <a:r>
-              <a:rPr lang="en-US" sz="1800">
+              <a:rPr lang="en-US" sz="1200">
                 <a:effectLst/>
                 <a:latin typeface="Times New Roman" panose="02020603050405020304" pitchFamily="18" charset="0"/>
                 <a:ea typeface="Times New Roman" panose="02020603050405020304" pitchFamily="18" charset="0"/>
               </a:rPr>
-              <a:t>Linux cung cấp các API cho phép thực hiện việc đọc ghi bất đồng bộ. Trong quá trình đọc ghi file tiến trình vẫn tiếp tục thực hiện, khi quá trình đọc ghi kết thúc tiến trình sẽ nhận được một signal báo hiệu.</a:t>
-            </a:r>
-          </a:p>
-          <a:p>
-            <a:endParaRPr lang="en-US"/>
+              <a:t>Two different FDs referring to same OFD share file offset </a:t>
+            </a:r>
+          </a:p>
+          <a:p>
+            <a:pPr marL="628650" marR="0" lvl="1" indent="-171450" algn="just" fontAlgn="auto" hangingPunct="1">
+              <a:lnSpc>
+                <a:spcPct val="150000"/>
+              </a:lnSpc>
+              <a:spcBef>
+                <a:spcPts val="0"/>
+              </a:spcBef>
+              <a:spcAft>
+                <a:spcPts val="800"/>
+              </a:spcAft>
+              <a:buFont typeface="Courier New" panose="02070309020205020404" pitchFamily="49" charset="0"/>
+              <a:buChar char="o"/>
+            </a:pPr>
+            <a:r>
+              <a:rPr lang="en-US" sz="1200">
+                <a:effectLst/>
+                <a:latin typeface="Times New Roman" panose="02020603050405020304" pitchFamily="18" charset="0"/>
+                <a:ea typeface="Times New Roman" panose="02020603050405020304" pitchFamily="18" charset="0"/>
+              </a:rPr>
+              <a:t>(File offset == location for next read()/write()) </a:t>
+            </a:r>
+          </a:p>
+          <a:p>
+            <a:pPr marL="628650" marR="0" lvl="1" indent="-171450" algn="just" fontAlgn="auto" hangingPunct="1">
+              <a:lnSpc>
+                <a:spcPct val="150000"/>
+              </a:lnSpc>
+              <a:spcBef>
+                <a:spcPts val="0"/>
+              </a:spcBef>
+              <a:spcAft>
+                <a:spcPts val="800"/>
+              </a:spcAft>
+              <a:buFont typeface="Courier New" panose="02070309020205020404" pitchFamily="49" charset="0"/>
+              <a:buChar char="o"/>
+            </a:pPr>
+            <a:r>
+              <a:rPr lang="en-US" sz="1200">
+                <a:effectLst/>
+                <a:latin typeface="Times New Roman" panose="02020603050405020304" pitchFamily="18" charset="0"/>
+                <a:ea typeface="Times New Roman" panose="02020603050405020304" pitchFamily="18" charset="0"/>
+              </a:rPr>
+              <a:t>Changes (read(), write(), lseek()) via one FD visible via other FD </a:t>
+            </a:r>
+          </a:p>
+          <a:p>
+            <a:pPr marL="171450" marR="0" lvl="0" indent="-171450" algn="just" fontAlgn="auto" hangingPunct="1">
+              <a:lnSpc>
+                <a:spcPct val="150000"/>
+              </a:lnSpc>
+              <a:spcBef>
+                <a:spcPts val="0"/>
+              </a:spcBef>
+              <a:spcAft>
+                <a:spcPts val="800"/>
+              </a:spcAft>
+              <a:buFont typeface="Arial" panose="020B0604020202020204" pitchFamily="34" charset="0"/>
+              <a:buChar char="•"/>
+            </a:pPr>
+            <a:r>
+              <a:rPr lang="en-US" sz="1200">
+                <a:effectLst/>
+                <a:latin typeface="Times New Roman" panose="02020603050405020304" pitchFamily="18" charset="0"/>
+                <a:ea typeface="Times New Roman" panose="02020603050405020304" pitchFamily="18" charset="0"/>
+              </a:rPr>
+              <a:t>Applies to both intraprocess &amp; interprocess sharing of OFD Similar scope rules for status flags (O_APPEND, O_SYNC, . . . ) </a:t>
+            </a:r>
+          </a:p>
+          <a:p>
+            <a:pPr marL="628650" marR="0" lvl="1" indent="-171450" algn="just" fontAlgn="auto" hangingPunct="1">
+              <a:lnSpc>
+                <a:spcPct val="150000"/>
+              </a:lnSpc>
+              <a:spcBef>
+                <a:spcPts val="0"/>
+              </a:spcBef>
+              <a:spcAft>
+                <a:spcPts val="800"/>
+              </a:spcAft>
+              <a:buFont typeface="Courier New" panose="02070309020205020404" pitchFamily="49" charset="0"/>
+              <a:buChar char="o"/>
+            </a:pPr>
+            <a:r>
+              <a:rPr lang="en-US" sz="1200">
+                <a:effectLst/>
+                <a:latin typeface="Times New Roman" panose="02020603050405020304" pitchFamily="18" charset="0"/>
+                <a:ea typeface="Times New Roman" panose="02020603050405020304" pitchFamily="18" charset="0"/>
+              </a:rPr>
+              <a:t>Changes via one FD are visible via other FD (fcntl(F_SETFL) and fcntl(F_GETFL)) </a:t>
+            </a:r>
+          </a:p>
+          <a:p>
+            <a:pPr marL="171450" marR="0" lvl="0" indent="-171450" algn="just" fontAlgn="auto" hangingPunct="1">
+              <a:lnSpc>
+                <a:spcPct val="150000"/>
+              </a:lnSpc>
+              <a:spcBef>
+                <a:spcPts val="0"/>
+              </a:spcBef>
+              <a:spcAft>
+                <a:spcPts val="800"/>
+              </a:spcAft>
+              <a:buFont typeface="Arial" panose="020B0604020202020204" pitchFamily="34" charset="0"/>
+              <a:buChar char="•"/>
+            </a:pPr>
+            <a:r>
+              <a:rPr lang="en-US" sz="1200">
+                <a:effectLst/>
+                <a:latin typeface="Times New Roman" panose="02020603050405020304" pitchFamily="18" charset="0"/>
+                <a:ea typeface="Times New Roman" panose="02020603050405020304" pitchFamily="18" charset="0"/>
+              </a:rPr>
+              <a:t>Conversely, changes to FD flags (held in FD table) are private to each process and FD</a:t>
+            </a:r>
           </a:p>
         </p:txBody>
       </p:sp>
@@ -6693,7 +7119,7 @@
     </p:spTree>
     <p:extLst>
       <p:ext uri="{BB962C8B-B14F-4D97-AF65-F5344CB8AC3E}">
-        <p14:creationId xmlns:p14="http://schemas.microsoft.com/office/powerpoint/2010/main" val="3046422193"/>
+        <p14:creationId xmlns:p14="http://schemas.microsoft.com/office/powerpoint/2010/main" val="2089941498"/>
       </p:ext>
     </p:extLst>
   </p:cSld>
@@ -6747,7 +7173,7 @@
           <a:bodyPr/>
           <a:lstStyle/>
           <a:p>
-            <a:pPr marL="228600" marR="0" algn="just" hangingPunct="0">
+            <a:pPr marL="171450" marR="0" lvl="0" indent="-171450" algn="just" fontAlgn="auto" hangingPunct="1">
               <a:lnSpc>
                 <a:spcPct val="150000"/>
               </a:lnSpc>
@@ -6755,20 +7181,134 @@
                 <a:spcPts val="0"/>
               </a:spcBef>
               <a:spcAft>
-                <a:spcPts val="0"/>
+                <a:spcPts val="800"/>
               </a:spcAft>
+              <a:buFont typeface="Arial" panose="020B0604020202020204" pitchFamily="34" charset="0"/>
+              <a:buChar char="•"/>
             </a:pPr>
             <a:r>
-              <a:rPr lang="en-US" sz="1800">
+              <a:rPr lang="en-US" sz="1200">
                 <a:effectLst/>
                 <a:latin typeface="Times New Roman" panose="02020603050405020304" pitchFamily="18" charset="0"/>
                 <a:ea typeface="Times New Roman" panose="02020603050405020304" pitchFamily="18" charset="0"/>
               </a:rPr>
-              <a:t>aiocbp: struct chứa tất cả thông tin về việc đọc file như file descriptor, con trỏ chứa nội dung, số byte đọc, loại signal dùng để thông báo quá trình đọc kết thúc.</a:t>
-            </a:r>
-          </a:p>
-          <a:p>
-            <a:endParaRPr lang="en-US"/>
+              <a:t>Two different FDs referring to same OFD share file offset </a:t>
+            </a:r>
+          </a:p>
+          <a:p>
+            <a:pPr marL="628650" marR="0" lvl="1" indent="-171450" algn="just" fontAlgn="auto" hangingPunct="1">
+              <a:lnSpc>
+                <a:spcPct val="150000"/>
+              </a:lnSpc>
+              <a:spcBef>
+                <a:spcPts val="0"/>
+              </a:spcBef>
+              <a:spcAft>
+                <a:spcPts val="800"/>
+              </a:spcAft>
+              <a:buFont typeface="Courier New" panose="02070309020205020404" pitchFamily="49" charset="0"/>
+              <a:buChar char="o"/>
+            </a:pPr>
+            <a:r>
+              <a:rPr lang="en-US" sz="1200">
+                <a:effectLst/>
+                <a:latin typeface="Times New Roman" panose="02020603050405020304" pitchFamily="18" charset="0"/>
+                <a:ea typeface="Times New Roman" panose="02020603050405020304" pitchFamily="18" charset="0"/>
+              </a:rPr>
+              <a:t>(File offset == location for next read()/write()) </a:t>
+            </a:r>
+          </a:p>
+          <a:p>
+            <a:pPr marL="628650" marR="0" lvl="1" indent="-171450" algn="just" fontAlgn="auto" hangingPunct="1">
+              <a:lnSpc>
+                <a:spcPct val="150000"/>
+              </a:lnSpc>
+              <a:spcBef>
+                <a:spcPts val="0"/>
+              </a:spcBef>
+              <a:spcAft>
+                <a:spcPts val="800"/>
+              </a:spcAft>
+              <a:buFont typeface="Courier New" panose="02070309020205020404" pitchFamily="49" charset="0"/>
+              <a:buChar char="o"/>
+            </a:pPr>
+            <a:r>
+              <a:rPr lang="en-US" sz="1200">
+                <a:effectLst/>
+                <a:latin typeface="Times New Roman" panose="02020603050405020304" pitchFamily="18" charset="0"/>
+                <a:ea typeface="Times New Roman" panose="02020603050405020304" pitchFamily="18" charset="0"/>
+              </a:rPr>
+              <a:t>Changes (read(), write(), lseek()) via one FD visible via other FD </a:t>
+            </a:r>
+          </a:p>
+          <a:p>
+            <a:pPr marL="171450" marR="0" lvl="0" indent="-171450" algn="just" fontAlgn="auto" hangingPunct="1">
+              <a:lnSpc>
+                <a:spcPct val="150000"/>
+              </a:lnSpc>
+              <a:spcBef>
+                <a:spcPts val="0"/>
+              </a:spcBef>
+              <a:spcAft>
+                <a:spcPts val="800"/>
+              </a:spcAft>
+              <a:buFont typeface="Arial" panose="020B0604020202020204" pitchFamily="34" charset="0"/>
+              <a:buChar char="•"/>
+            </a:pPr>
+            <a:r>
+              <a:rPr lang="en-US" sz="1200">
+                <a:effectLst/>
+                <a:latin typeface="Times New Roman" panose="02020603050405020304" pitchFamily="18" charset="0"/>
+                <a:ea typeface="Times New Roman" panose="02020603050405020304" pitchFamily="18" charset="0"/>
+              </a:rPr>
+              <a:t>Applies to both intraprocess &amp; interprocess sharing of OFD Similar scope rules for status flags (O_APPEND, O_SYNC, . . . ) </a:t>
+            </a:r>
+          </a:p>
+          <a:p>
+            <a:pPr marL="628650" marR="0" lvl="1" indent="-171450" algn="just" fontAlgn="auto" hangingPunct="1">
+              <a:lnSpc>
+                <a:spcPct val="150000"/>
+              </a:lnSpc>
+              <a:spcBef>
+                <a:spcPts val="0"/>
+              </a:spcBef>
+              <a:spcAft>
+                <a:spcPts val="800"/>
+              </a:spcAft>
+              <a:buFont typeface="Courier New" panose="02070309020205020404" pitchFamily="49" charset="0"/>
+              <a:buChar char="o"/>
+            </a:pPr>
+            <a:r>
+              <a:rPr lang="en-US" sz="1200">
+                <a:effectLst/>
+                <a:latin typeface="Times New Roman" panose="02020603050405020304" pitchFamily="18" charset="0"/>
+                <a:ea typeface="Times New Roman" panose="02020603050405020304" pitchFamily="18" charset="0"/>
+              </a:rPr>
+              <a:t>Changes via one FD are visible via other FD (fcntl(F_SETFL) and fcntl(F_GETFL)) </a:t>
+            </a:r>
+          </a:p>
+          <a:p>
+            <a:pPr marL="171450" marR="0" lvl="0" indent="-171450" algn="just" fontAlgn="auto" hangingPunct="1">
+              <a:lnSpc>
+                <a:spcPct val="150000"/>
+              </a:lnSpc>
+              <a:spcBef>
+                <a:spcPts val="0"/>
+              </a:spcBef>
+              <a:spcAft>
+                <a:spcPts val="800"/>
+              </a:spcAft>
+              <a:buFont typeface="Arial" panose="020B0604020202020204" pitchFamily="34" charset="0"/>
+              <a:buChar char="•"/>
+            </a:pPr>
+            <a:r>
+              <a:rPr lang="en-US" sz="1200">
+                <a:effectLst/>
+                <a:latin typeface="Times New Roman" panose="02020603050405020304" pitchFamily="18" charset="0"/>
+                <a:ea typeface="Times New Roman" panose="02020603050405020304" pitchFamily="18" charset="0"/>
+              </a:rPr>
+              <a:t>Conversely, changes to FD flags (held in FD table) are private to each process and FD</a:t>
+            </a:r>
           </a:p>
         </p:txBody>
       </p:sp>
@@ -6798,7 +7338,7 @@
     </p:spTree>
     <p:extLst>
       <p:ext uri="{BB962C8B-B14F-4D97-AF65-F5344CB8AC3E}">
-        <p14:creationId xmlns:p14="http://schemas.microsoft.com/office/powerpoint/2010/main" val="2506880210"/>
+        <p14:creationId xmlns:p14="http://schemas.microsoft.com/office/powerpoint/2010/main" val="569201986"/>
       </p:ext>
     </p:extLst>
   </p:cSld>
@@ -6852,6 +7392,771 @@
           <a:bodyPr/>
           <a:lstStyle/>
           <a:p>
+            <a:pPr marL="171450" marR="0" lvl="0" indent="-171450" algn="just" fontAlgn="auto" hangingPunct="1">
+              <a:lnSpc>
+                <a:spcPct val="150000"/>
+              </a:lnSpc>
+              <a:spcBef>
+                <a:spcPts val="0"/>
+              </a:spcBef>
+              <a:spcAft>
+                <a:spcPts val="800"/>
+              </a:spcAft>
+              <a:buFont typeface="Arial" panose="020B0604020202020204" pitchFamily="34" charset="0"/>
+              <a:buChar char="•"/>
+            </a:pPr>
+            <a:r>
+              <a:rPr lang="en-US" sz="1200">
+                <a:effectLst/>
+                <a:latin typeface="Times New Roman" panose="02020603050405020304" pitchFamily="18" charset="0"/>
+                <a:ea typeface="Times New Roman" panose="02020603050405020304" pitchFamily="18" charset="0"/>
+              </a:rPr>
+              <a:t>Two different FDs referring to same OFD share file offset </a:t>
+            </a:r>
+          </a:p>
+          <a:p>
+            <a:pPr marL="628650" marR="0" lvl="1" indent="-171450" algn="just" fontAlgn="auto" hangingPunct="1">
+              <a:lnSpc>
+                <a:spcPct val="150000"/>
+              </a:lnSpc>
+              <a:spcBef>
+                <a:spcPts val="0"/>
+              </a:spcBef>
+              <a:spcAft>
+                <a:spcPts val="800"/>
+              </a:spcAft>
+              <a:buFont typeface="Courier New" panose="02070309020205020404" pitchFamily="49" charset="0"/>
+              <a:buChar char="o"/>
+            </a:pPr>
+            <a:r>
+              <a:rPr lang="en-US" sz="1200">
+                <a:effectLst/>
+                <a:latin typeface="Times New Roman" panose="02020603050405020304" pitchFamily="18" charset="0"/>
+                <a:ea typeface="Times New Roman" panose="02020603050405020304" pitchFamily="18" charset="0"/>
+              </a:rPr>
+              <a:t>(File offset == location for next read()/write()) </a:t>
+            </a:r>
+          </a:p>
+          <a:p>
+            <a:pPr marL="628650" marR="0" lvl="1" indent="-171450" algn="just" fontAlgn="auto" hangingPunct="1">
+              <a:lnSpc>
+                <a:spcPct val="150000"/>
+              </a:lnSpc>
+              <a:spcBef>
+                <a:spcPts val="0"/>
+              </a:spcBef>
+              <a:spcAft>
+                <a:spcPts val="800"/>
+              </a:spcAft>
+              <a:buFont typeface="Courier New" panose="02070309020205020404" pitchFamily="49" charset="0"/>
+              <a:buChar char="o"/>
+            </a:pPr>
+            <a:r>
+              <a:rPr lang="en-US" sz="1200">
+                <a:effectLst/>
+                <a:latin typeface="Times New Roman" panose="02020603050405020304" pitchFamily="18" charset="0"/>
+                <a:ea typeface="Times New Roman" panose="02020603050405020304" pitchFamily="18" charset="0"/>
+              </a:rPr>
+              <a:t>Changes (read(), write(), lseek()) via one FD visible via other FD </a:t>
+            </a:r>
+          </a:p>
+          <a:p>
+            <a:pPr marL="171450" marR="0" lvl="0" indent="-171450" algn="just" fontAlgn="auto" hangingPunct="1">
+              <a:lnSpc>
+                <a:spcPct val="150000"/>
+              </a:lnSpc>
+              <a:spcBef>
+                <a:spcPts val="0"/>
+              </a:spcBef>
+              <a:spcAft>
+                <a:spcPts val="800"/>
+              </a:spcAft>
+              <a:buFont typeface="Arial" panose="020B0604020202020204" pitchFamily="34" charset="0"/>
+              <a:buChar char="•"/>
+            </a:pPr>
+            <a:r>
+              <a:rPr lang="en-US" sz="1200">
+                <a:effectLst/>
+                <a:latin typeface="Times New Roman" panose="02020603050405020304" pitchFamily="18" charset="0"/>
+                <a:ea typeface="Times New Roman" panose="02020603050405020304" pitchFamily="18" charset="0"/>
+              </a:rPr>
+              <a:t>Applies to both intraprocess &amp; interprocess sharing of OFD Similar scope rules for status flags (O_APPEND, O_SYNC, . . . ) </a:t>
+            </a:r>
+          </a:p>
+          <a:p>
+            <a:pPr marL="628650" marR="0" lvl="1" indent="-171450" algn="just" fontAlgn="auto" hangingPunct="1">
+              <a:lnSpc>
+                <a:spcPct val="150000"/>
+              </a:lnSpc>
+              <a:spcBef>
+                <a:spcPts val="0"/>
+              </a:spcBef>
+              <a:spcAft>
+                <a:spcPts val="800"/>
+              </a:spcAft>
+              <a:buFont typeface="Courier New" panose="02070309020205020404" pitchFamily="49" charset="0"/>
+              <a:buChar char="o"/>
+            </a:pPr>
+            <a:r>
+              <a:rPr lang="en-US" sz="1200">
+                <a:effectLst/>
+                <a:latin typeface="Times New Roman" panose="02020603050405020304" pitchFamily="18" charset="0"/>
+                <a:ea typeface="Times New Roman" panose="02020603050405020304" pitchFamily="18" charset="0"/>
+              </a:rPr>
+              <a:t>Changes via one FD are visible via other FD (fcntl(F_SETFL) and fcntl(F_GETFL)) </a:t>
+            </a:r>
+          </a:p>
+          <a:p>
+            <a:pPr marL="171450" marR="0" lvl="0" indent="-171450" algn="just" fontAlgn="auto" hangingPunct="1">
+              <a:lnSpc>
+                <a:spcPct val="150000"/>
+              </a:lnSpc>
+              <a:spcBef>
+                <a:spcPts val="0"/>
+              </a:spcBef>
+              <a:spcAft>
+                <a:spcPts val="800"/>
+              </a:spcAft>
+              <a:buFont typeface="Arial" panose="020B0604020202020204" pitchFamily="34" charset="0"/>
+              <a:buChar char="•"/>
+            </a:pPr>
+            <a:r>
+              <a:rPr lang="en-US" sz="1200">
+                <a:effectLst/>
+                <a:latin typeface="Times New Roman" panose="02020603050405020304" pitchFamily="18" charset="0"/>
+                <a:ea typeface="Times New Roman" panose="02020603050405020304" pitchFamily="18" charset="0"/>
+              </a:rPr>
+              <a:t>Conversely, changes to FD flags (held in FD table) are private to each process and FD</a:t>
+            </a:r>
+          </a:p>
+        </p:txBody>
+      </p:sp>
+      <p:sp>
+        <p:nvSpPr>
+          <p:cNvPr id="4" name="Slide Number Placeholder 3"/>
+          <p:cNvSpPr>
+            <a:spLocks noGrp="1"/>
+          </p:cNvSpPr>
+          <p:nvPr>
+            <p:ph type="sldNum" sz="quarter" idx="5"/>
+          </p:nvPr>
+        </p:nvSpPr>
+        <p:spPr/>
+        <p:txBody>
+          <a:bodyPr/>
+          <a:lstStyle/>
+          <a:p>
+            <a:fld id="{8D2F58D5-BC38-4BCB-8360-1EF771A3CE08}" type="slidenum">
+              <a:rPr lang="en-US" smtClean="0"/>
+              <a:t>14</a:t>
+            </a:fld>
+            <a:endParaRPr lang="en-US"/>
+          </a:p>
+        </p:txBody>
+      </p:sp>
+    </p:spTree>
+    <p:extLst>
+      <p:ext uri="{BB962C8B-B14F-4D97-AF65-F5344CB8AC3E}">
+        <p14:creationId xmlns:p14="http://schemas.microsoft.com/office/powerpoint/2010/main" val="1217235450"/>
+      </p:ext>
+    </p:extLst>
+  </p:cSld>
+  <p:clrMapOvr>
+    <a:masterClrMapping/>
+  </p:clrMapOvr>
+</p:notes>
+</file>
+
+<file path=ppt/notesSlides/notesSlide15.xml><?xml version="1.0" encoding="utf-8"?>
+<p:notes xmlns:a="http://schemas.openxmlformats.org/drawingml/2006/main" xmlns:r="http://schemas.openxmlformats.org/officeDocument/2006/relationships" xmlns:p="http://schemas.openxmlformats.org/presentationml/2006/main">
+  <p:cSld>
+    <p:spTree>
+      <p:nvGrpSpPr>
+        <p:cNvPr id="1" name=""/>
+        <p:cNvGrpSpPr/>
+        <p:nvPr/>
+      </p:nvGrpSpPr>
+      <p:grpSpPr>
+        <a:xfrm>
+          <a:off x="0" y="0"/>
+          <a:ext cx="0" cy="0"/>
+          <a:chOff x="0" y="0"/>
+          <a:chExt cx="0" cy="0"/>
+        </a:xfrm>
+      </p:grpSpPr>
+      <p:sp>
+        <p:nvSpPr>
+          <p:cNvPr id="2" name="Slide Image Placeholder 1"/>
+          <p:cNvSpPr>
+            <a:spLocks noGrp="1" noRot="1" noChangeAspect="1"/>
+          </p:cNvSpPr>
+          <p:nvPr>
+            <p:ph type="sldImg"/>
+          </p:nvPr>
+        </p:nvSpPr>
+        <p:spPr/>
+      </p:sp>
+      <p:sp>
+        <p:nvSpPr>
+          <p:cNvPr id="3" name="Notes Placeholder 2"/>
+          <p:cNvSpPr>
+            <a:spLocks noGrp="1"/>
+          </p:cNvSpPr>
+          <p:nvPr>
+            <p:ph type="body" idx="1"/>
+          </p:nvPr>
+        </p:nvSpPr>
+        <p:spPr/>
+        <p:txBody>
+          <a:bodyPr/>
+          <a:lstStyle/>
+          <a:p>
+            <a:pPr marL="171450" marR="0" lvl="0" indent="-171450" algn="just" fontAlgn="auto" hangingPunct="1">
+              <a:lnSpc>
+                <a:spcPct val="150000"/>
+              </a:lnSpc>
+              <a:spcBef>
+                <a:spcPts val="0"/>
+              </a:spcBef>
+              <a:spcAft>
+                <a:spcPts val="800"/>
+              </a:spcAft>
+              <a:buFont typeface="Arial" panose="020B0604020202020204" pitchFamily="34" charset="0"/>
+              <a:buChar char="•"/>
+            </a:pPr>
+            <a:r>
+              <a:rPr lang="en-US" sz="1200">
+                <a:effectLst/>
+                <a:latin typeface="Times New Roman" panose="02020603050405020304" pitchFamily="18" charset="0"/>
+                <a:ea typeface="Times New Roman" panose="02020603050405020304" pitchFamily="18" charset="0"/>
+              </a:rPr>
+              <a:t>Two different FDs referring to same OFD share file offset </a:t>
+            </a:r>
+          </a:p>
+          <a:p>
+            <a:pPr marL="628650" marR="0" lvl="1" indent="-171450" algn="just" fontAlgn="auto" hangingPunct="1">
+              <a:lnSpc>
+                <a:spcPct val="150000"/>
+              </a:lnSpc>
+              <a:spcBef>
+                <a:spcPts val="0"/>
+              </a:spcBef>
+              <a:spcAft>
+                <a:spcPts val="800"/>
+              </a:spcAft>
+              <a:buFont typeface="Courier New" panose="02070309020205020404" pitchFamily="49" charset="0"/>
+              <a:buChar char="o"/>
+            </a:pPr>
+            <a:r>
+              <a:rPr lang="en-US" sz="1200">
+                <a:effectLst/>
+                <a:latin typeface="Times New Roman" panose="02020603050405020304" pitchFamily="18" charset="0"/>
+                <a:ea typeface="Times New Roman" panose="02020603050405020304" pitchFamily="18" charset="0"/>
+              </a:rPr>
+              <a:t>(File offset == location for next read()/write()) </a:t>
+            </a:r>
+          </a:p>
+          <a:p>
+            <a:pPr marL="628650" marR="0" lvl="1" indent="-171450" algn="just" fontAlgn="auto" hangingPunct="1">
+              <a:lnSpc>
+                <a:spcPct val="150000"/>
+              </a:lnSpc>
+              <a:spcBef>
+                <a:spcPts val="0"/>
+              </a:spcBef>
+              <a:spcAft>
+                <a:spcPts val="800"/>
+              </a:spcAft>
+              <a:buFont typeface="Courier New" panose="02070309020205020404" pitchFamily="49" charset="0"/>
+              <a:buChar char="o"/>
+            </a:pPr>
+            <a:r>
+              <a:rPr lang="en-US" sz="1200">
+                <a:effectLst/>
+                <a:latin typeface="Times New Roman" panose="02020603050405020304" pitchFamily="18" charset="0"/>
+                <a:ea typeface="Times New Roman" panose="02020603050405020304" pitchFamily="18" charset="0"/>
+              </a:rPr>
+              <a:t>Changes (read(), write(), lseek()) via one FD visible via other FD </a:t>
+            </a:r>
+          </a:p>
+          <a:p>
+            <a:pPr marL="171450" marR="0" lvl="0" indent="-171450" algn="just" fontAlgn="auto" hangingPunct="1">
+              <a:lnSpc>
+                <a:spcPct val="150000"/>
+              </a:lnSpc>
+              <a:spcBef>
+                <a:spcPts val="0"/>
+              </a:spcBef>
+              <a:spcAft>
+                <a:spcPts val="800"/>
+              </a:spcAft>
+              <a:buFont typeface="Arial" panose="020B0604020202020204" pitchFamily="34" charset="0"/>
+              <a:buChar char="•"/>
+            </a:pPr>
+            <a:r>
+              <a:rPr lang="en-US" sz="1200">
+                <a:effectLst/>
+                <a:latin typeface="Times New Roman" panose="02020603050405020304" pitchFamily="18" charset="0"/>
+                <a:ea typeface="Times New Roman" panose="02020603050405020304" pitchFamily="18" charset="0"/>
+              </a:rPr>
+              <a:t>Applies to both intraprocess &amp; interprocess sharing of OFD Similar scope rules for status flags (O_APPEND, O_SYNC, . . . ) </a:t>
+            </a:r>
+          </a:p>
+          <a:p>
+            <a:pPr marL="628650" marR="0" lvl="1" indent="-171450" algn="just" fontAlgn="auto" hangingPunct="1">
+              <a:lnSpc>
+                <a:spcPct val="150000"/>
+              </a:lnSpc>
+              <a:spcBef>
+                <a:spcPts val="0"/>
+              </a:spcBef>
+              <a:spcAft>
+                <a:spcPts val="800"/>
+              </a:spcAft>
+              <a:buFont typeface="Courier New" panose="02070309020205020404" pitchFamily="49" charset="0"/>
+              <a:buChar char="o"/>
+            </a:pPr>
+            <a:r>
+              <a:rPr lang="en-US" sz="1200">
+                <a:effectLst/>
+                <a:latin typeface="Times New Roman" panose="02020603050405020304" pitchFamily="18" charset="0"/>
+                <a:ea typeface="Times New Roman" panose="02020603050405020304" pitchFamily="18" charset="0"/>
+              </a:rPr>
+              <a:t>Changes via one FD are visible via other FD (fcntl(F_SETFL) and fcntl(F_GETFL)) </a:t>
+            </a:r>
+          </a:p>
+          <a:p>
+            <a:pPr marL="171450" marR="0" lvl="0" indent="-171450" algn="just" fontAlgn="auto" hangingPunct="1">
+              <a:lnSpc>
+                <a:spcPct val="150000"/>
+              </a:lnSpc>
+              <a:spcBef>
+                <a:spcPts val="0"/>
+              </a:spcBef>
+              <a:spcAft>
+                <a:spcPts val="800"/>
+              </a:spcAft>
+              <a:buFont typeface="Arial" panose="020B0604020202020204" pitchFamily="34" charset="0"/>
+              <a:buChar char="•"/>
+            </a:pPr>
+            <a:r>
+              <a:rPr lang="en-US" sz="1200">
+                <a:effectLst/>
+                <a:latin typeface="Times New Roman" panose="02020603050405020304" pitchFamily="18" charset="0"/>
+                <a:ea typeface="Times New Roman" panose="02020603050405020304" pitchFamily="18" charset="0"/>
+              </a:rPr>
+              <a:t>Conversely, changes to FD flags (held in FD table) are private to each process and FD</a:t>
+            </a:r>
+          </a:p>
+        </p:txBody>
+      </p:sp>
+      <p:sp>
+        <p:nvSpPr>
+          <p:cNvPr id="4" name="Slide Number Placeholder 3"/>
+          <p:cNvSpPr>
+            <a:spLocks noGrp="1"/>
+          </p:cNvSpPr>
+          <p:nvPr>
+            <p:ph type="sldNum" sz="quarter" idx="5"/>
+          </p:nvPr>
+        </p:nvSpPr>
+        <p:spPr/>
+        <p:txBody>
+          <a:bodyPr/>
+          <a:lstStyle/>
+          <a:p>
+            <a:fld id="{8D2F58D5-BC38-4BCB-8360-1EF771A3CE08}" type="slidenum">
+              <a:rPr lang="en-US" smtClean="0"/>
+              <a:t>15</a:t>
+            </a:fld>
+            <a:endParaRPr lang="en-US"/>
+          </a:p>
+        </p:txBody>
+      </p:sp>
+    </p:spTree>
+    <p:extLst>
+      <p:ext uri="{BB962C8B-B14F-4D97-AF65-F5344CB8AC3E}">
+        <p14:creationId xmlns:p14="http://schemas.microsoft.com/office/powerpoint/2010/main" val="4289117242"/>
+      </p:ext>
+    </p:extLst>
+  </p:cSld>
+  <p:clrMapOvr>
+    <a:masterClrMapping/>
+  </p:clrMapOvr>
+</p:notes>
+</file>
+
+<file path=ppt/notesSlides/notesSlide16.xml><?xml version="1.0" encoding="utf-8"?>
+<p:notes xmlns:a="http://schemas.openxmlformats.org/drawingml/2006/main" xmlns:r="http://schemas.openxmlformats.org/officeDocument/2006/relationships" xmlns:p="http://schemas.openxmlformats.org/presentationml/2006/main">
+  <p:cSld>
+    <p:spTree>
+      <p:nvGrpSpPr>
+        <p:cNvPr id="1" name=""/>
+        <p:cNvGrpSpPr/>
+        <p:nvPr/>
+      </p:nvGrpSpPr>
+      <p:grpSpPr>
+        <a:xfrm>
+          <a:off x="0" y="0"/>
+          <a:ext cx="0" cy="0"/>
+          <a:chOff x="0" y="0"/>
+          <a:chExt cx="0" cy="0"/>
+        </a:xfrm>
+      </p:grpSpPr>
+      <p:sp>
+        <p:nvSpPr>
+          <p:cNvPr id="2" name="Slide Image Placeholder 1"/>
+          <p:cNvSpPr>
+            <a:spLocks noGrp="1" noRot="1" noChangeAspect="1"/>
+          </p:cNvSpPr>
+          <p:nvPr>
+            <p:ph type="sldImg"/>
+          </p:nvPr>
+        </p:nvSpPr>
+        <p:spPr/>
+      </p:sp>
+      <p:sp>
+        <p:nvSpPr>
+          <p:cNvPr id="3" name="Notes Placeholder 2"/>
+          <p:cNvSpPr>
+            <a:spLocks noGrp="1"/>
+          </p:cNvSpPr>
+          <p:nvPr>
+            <p:ph type="body" idx="1"/>
+          </p:nvPr>
+        </p:nvSpPr>
+        <p:spPr/>
+        <p:txBody>
+          <a:bodyPr/>
+          <a:lstStyle/>
+          <a:p>
+            <a:pPr marL="0" marR="0" lvl="0" indent="0" algn="l" defTabSz="914400" rtl="0" eaLnBrk="1" fontAlgn="auto" latinLnBrk="0" hangingPunct="1">
+              <a:lnSpc>
+                <a:spcPct val="100000"/>
+              </a:lnSpc>
+              <a:spcBef>
+                <a:spcPts val="0"/>
+              </a:spcBef>
+              <a:spcAft>
+                <a:spcPts val="0"/>
+              </a:spcAft>
+              <a:buClrTx/>
+              <a:buSzTx/>
+              <a:buFontTx/>
+              <a:buNone/>
+              <a:tabLst/>
+              <a:defRPr/>
+            </a:pPr>
+            <a:r>
+              <a:rPr lang="en-US" sz="1800">
+                <a:effectLst/>
+                <a:latin typeface="Times New Roman" panose="02020603050405020304" pitchFamily="18" charset="0"/>
+                <a:ea typeface="Times New Roman" panose="02020603050405020304" pitchFamily="18" charset="0"/>
+              </a:rPr>
+              <a:t>Quá trình đọc ghi file dùng các system call read(), write() là quá trình đồng bộ. Tiến trình sẽ tạm dừng cho đến khi quá trình đọc ghi file kết thúc. Việc này sẽ gây ra vấn đề nếu quá trình đọc ghi tốn thời gian quá lâu.</a:t>
+            </a:r>
+          </a:p>
+          <a:p>
+            <a:endParaRPr lang="en-US"/>
+          </a:p>
+        </p:txBody>
+      </p:sp>
+      <p:sp>
+        <p:nvSpPr>
+          <p:cNvPr id="4" name="Slide Number Placeholder 3"/>
+          <p:cNvSpPr>
+            <a:spLocks noGrp="1"/>
+          </p:cNvSpPr>
+          <p:nvPr>
+            <p:ph type="sldNum" sz="quarter" idx="5"/>
+          </p:nvPr>
+        </p:nvSpPr>
+        <p:spPr/>
+        <p:txBody>
+          <a:bodyPr/>
+          <a:lstStyle/>
+          <a:p>
+            <a:fld id="{8D2F58D5-BC38-4BCB-8360-1EF771A3CE08}" type="slidenum">
+              <a:rPr lang="en-US" smtClean="0"/>
+              <a:t>16</a:t>
+            </a:fld>
+            <a:endParaRPr lang="en-US"/>
+          </a:p>
+        </p:txBody>
+      </p:sp>
+    </p:spTree>
+    <p:extLst>
+      <p:ext uri="{BB962C8B-B14F-4D97-AF65-F5344CB8AC3E}">
+        <p14:creationId xmlns:p14="http://schemas.microsoft.com/office/powerpoint/2010/main" val="149114826"/>
+      </p:ext>
+    </p:extLst>
+  </p:cSld>
+  <p:clrMapOvr>
+    <a:masterClrMapping/>
+  </p:clrMapOvr>
+</p:notes>
+</file>
+
+<file path=ppt/notesSlides/notesSlide17.xml><?xml version="1.0" encoding="utf-8"?>
+<p:notes xmlns:a="http://schemas.openxmlformats.org/drawingml/2006/main" xmlns:r="http://schemas.openxmlformats.org/officeDocument/2006/relationships" xmlns:p="http://schemas.openxmlformats.org/presentationml/2006/main">
+  <p:cSld>
+    <p:spTree>
+      <p:nvGrpSpPr>
+        <p:cNvPr id="1" name=""/>
+        <p:cNvGrpSpPr/>
+        <p:nvPr/>
+      </p:nvGrpSpPr>
+      <p:grpSpPr>
+        <a:xfrm>
+          <a:off x="0" y="0"/>
+          <a:ext cx="0" cy="0"/>
+          <a:chOff x="0" y="0"/>
+          <a:chExt cx="0" cy="0"/>
+        </a:xfrm>
+      </p:grpSpPr>
+      <p:sp>
+        <p:nvSpPr>
+          <p:cNvPr id="2" name="Slide Image Placeholder 1"/>
+          <p:cNvSpPr>
+            <a:spLocks noGrp="1" noRot="1" noChangeAspect="1"/>
+          </p:cNvSpPr>
+          <p:nvPr>
+            <p:ph type="sldImg"/>
+          </p:nvPr>
+        </p:nvSpPr>
+        <p:spPr/>
+      </p:sp>
+      <p:sp>
+        <p:nvSpPr>
+          <p:cNvPr id="3" name="Notes Placeholder 2"/>
+          <p:cNvSpPr>
+            <a:spLocks noGrp="1"/>
+          </p:cNvSpPr>
+          <p:nvPr>
+            <p:ph type="body" idx="1"/>
+          </p:nvPr>
+        </p:nvSpPr>
+        <p:spPr/>
+        <p:txBody>
+          <a:bodyPr/>
+          <a:lstStyle/>
+          <a:p>
+            <a:pPr marL="0" marR="0" lvl="0" indent="0" algn="l" defTabSz="914400" rtl="0" eaLnBrk="1" fontAlgn="auto" latinLnBrk="0" hangingPunct="1">
+              <a:lnSpc>
+                <a:spcPct val="100000"/>
+              </a:lnSpc>
+              <a:spcBef>
+                <a:spcPts val="0"/>
+              </a:spcBef>
+              <a:spcAft>
+                <a:spcPts val="0"/>
+              </a:spcAft>
+              <a:buClrTx/>
+              <a:buSzTx/>
+              <a:buFontTx/>
+              <a:buNone/>
+              <a:tabLst/>
+              <a:defRPr/>
+            </a:pPr>
+            <a:r>
+              <a:rPr lang="en-US" sz="1800">
+                <a:effectLst/>
+                <a:latin typeface="Times New Roman" panose="02020603050405020304" pitchFamily="18" charset="0"/>
+                <a:ea typeface="Times New Roman" panose="02020603050405020304" pitchFamily="18" charset="0"/>
+              </a:rPr>
+              <a:t>Linux cung cấp các API cho phép thực hiện việc đọc ghi bất đồng bộ. Trong quá trình đọc ghi file tiến trình vẫn tiếp tục thực hiện, khi quá trình đọc ghi kết thúc tiến trình sẽ nhận được một signal báo hiệu.</a:t>
+            </a:r>
+          </a:p>
+          <a:p>
+            <a:endParaRPr lang="en-US"/>
+          </a:p>
+        </p:txBody>
+      </p:sp>
+      <p:sp>
+        <p:nvSpPr>
+          <p:cNvPr id="4" name="Slide Number Placeholder 3"/>
+          <p:cNvSpPr>
+            <a:spLocks noGrp="1"/>
+          </p:cNvSpPr>
+          <p:nvPr>
+            <p:ph type="sldNum" sz="quarter" idx="5"/>
+          </p:nvPr>
+        </p:nvSpPr>
+        <p:spPr/>
+        <p:txBody>
+          <a:bodyPr/>
+          <a:lstStyle/>
+          <a:p>
+            <a:fld id="{8D2F58D5-BC38-4BCB-8360-1EF771A3CE08}" type="slidenum">
+              <a:rPr lang="en-US" smtClean="0"/>
+              <a:t>17</a:t>
+            </a:fld>
+            <a:endParaRPr lang="en-US"/>
+          </a:p>
+        </p:txBody>
+      </p:sp>
+    </p:spTree>
+    <p:extLst>
+      <p:ext uri="{BB962C8B-B14F-4D97-AF65-F5344CB8AC3E}">
+        <p14:creationId xmlns:p14="http://schemas.microsoft.com/office/powerpoint/2010/main" val="3046422193"/>
+      </p:ext>
+    </p:extLst>
+  </p:cSld>
+  <p:clrMapOvr>
+    <a:masterClrMapping/>
+  </p:clrMapOvr>
+</p:notes>
+</file>
+
+<file path=ppt/notesSlides/notesSlide18.xml><?xml version="1.0" encoding="utf-8"?>
+<p:notes xmlns:a="http://schemas.openxmlformats.org/drawingml/2006/main" xmlns:r="http://schemas.openxmlformats.org/officeDocument/2006/relationships" xmlns:p="http://schemas.openxmlformats.org/presentationml/2006/main">
+  <p:cSld>
+    <p:spTree>
+      <p:nvGrpSpPr>
+        <p:cNvPr id="1" name=""/>
+        <p:cNvGrpSpPr/>
+        <p:nvPr/>
+      </p:nvGrpSpPr>
+      <p:grpSpPr>
+        <a:xfrm>
+          <a:off x="0" y="0"/>
+          <a:ext cx="0" cy="0"/>
+          <a:chOff x="0" y="0"/>
+          <a:chExt cx="0" cy="0"/>
+        </a:xfrm>
+      </p:grpSpPr>
+      <p:sp>
+        <p:nvSpPr>
+          <p:cNvPr id="2" name="Slide Image Placeholder 1"/>
+          <p:cNvSpPr>
+            <a:spLocks noGrp="1" noRot="1" noChangeAspect="1"/>
+          </p:cNvSpPr>
+          <p:nvPr>
+            <p:ph type="sldImg"/>
+          </p:nvPr>
+        </p:nvSpPr>
+        <p:spPr/>
+      </p:sp>
+      <p:sp>
+        <p:nvSpPr>
+          <p:cNvPr id="3" name="Notes Placeholder 2"/>
+          <p:cNvSpPr>
+            <a:spLocks noGrp="1"/>
+          </p:cNvSpPr>
+          <p:nvPr>
+            <p:ph type="body" idx="1"/>
+          </p:nvPr>
+        </p:nvSpPr>
+        <p:spPr/>
+        <p:txBody>
+          <a:bodyPr/>
+          <a:lstStyle/>
+          <a:p>
+            <a:pPr marL="228600" marR="0" algn="just" hangingPunct="0">
+              <a:lnSpc>
+                <a:spcPct val="150000"/>
+              </a:lnSpc>
+              <a:spcBef>
+                <a:spcPts val="0"/>
+              </a:spcBef>
+              <a:spcAft>
+                <a:spcPts val="0"/>
+              </a:spcAft>
+            </a:pPr>
+            <a:r>
+              <a:rPr lang="en-US" sz="1800">
+                <a:effectLst/>
+                <a:latin typeface="Times New Roman" panose="02020603050405020304" pitchFamily="18" charset="0"/>
+                <a:ea typeface="Times New Roman" panose="02020603050405020304" pitchFamily="18" charset="0"/>
+              </a:rPr>
+              <a:t>aiocbp: struct chứa tất cả thông tin về việc đọc file như file descriptor, con trỏ chứa nội dung, số byte đọc, loại signal dùng để thông báo quá trình đọc kết thúc.</a:t>
+            </a:r>
+          </a:p>
+          <a:p>
+            <a:endParaRPr lang="en-US"/>
+          </a:p>
+        </p:txBody>
+      </p:sp>
+      <p:sp>
+        <p:nvSpPr>
+          <p:cNvPr id="4" name="Slide Number Placeholder 3"/>
+          <p:cNvSpPr>
+            <a:spLocks noGrp="1"/>
+          </p:cNvSpPr>
+          <p:nvPr>
+            <p:ph type="sldNum" sz="quarter" idx="5"/>
+          </p:nvPr>
+        </p:nvSpPr>
+        <p:spPr/>
+        <p:txBody>
+          <a:bodyPr/>
+          <a:lstStyle/>
+          <a:p>
+            <a:fld id="{8D2F58D5-BC38-4BCB-8360-1EF771A3CE08}" type="slidenum">
+              <a:rPr lang="en-US" smtClean="0"/>
+              <a:t>18</a:t>
+            </a:fld>
+            <a:endParaRPr lang="en-US"/>
+          </a:p>
+        </p:txBody>
+      </p:sp>
+    </p:spTree>
+    <p:extLst>
+      <p:ext uri="{BB962C8B-B14F-4D97-AF65-F5344CB8AC3E}">
+        <p14:creationId xmlns:p14="http://schemas.microsoft.com/office/powerpoint/2010/main" val="2506880210"/>
+      </p:ext>
+    </p:extLst>
+  </p:cSld>
+  <p:clrMapOvr>
+    <a:masterClrMapping/>
+  </p:clrMapOvr>
+</p:notes>
+</file>
+
+<file path=ppt/notesSlides/notesSlide19.xml><?xml version="1.0" encoding="utf-8"?>
+<p:notes xmlns:a="http://schemas.openxmlformats.org/drawingml/2006/main" xmlns:r="http://schemas.openxmlformats.org/officeDocument/2006/relationships" xmlns:p="http://schemas.openxmlformats.org/presentationml/2006/main">
+  <p:cSld>
+    <p:spTree>
+      <p:nvGrpSpPr>
+        <p:cNvPr id="1" name=""/>
+        <p:cNvGrpSpPr/>
+        <p:nvPr/>
+      </p:nvGrpSpPr>
+      <p:grpSpPr>
+        <a:xfrm>
+          <a:off x="0" y="0"/>
+          <a:ext cx="0" cy="0"/>
+          <a:chOff x="0" y="0"/>
+          <a:chExt cx="0" cy="0"/>
+        </a:xfrm>
+      </p:grpSpPr>
+      <p:sp>
+        <p:nvSpPr>
+          <p:cNvPr id="2" name="Slide Image Placeholder 1"/>
+          <p:cNvSpPr>
+            <a:spLocks noGrp="1" noRot="1" noChangeAspect="1"/>
+          </p:cNvSpPr>
+          <p:nvPr>
+            <p:ph type="sldImg"/>
+          </p:nvPr>
+        </p:nvSpPr>
+        <p:spPr/>
+      </p:sp>
+      <p:sp>
+        <p:nvSpPr>
+          <p:cNvPr id="3" name="Notes Placeholder 2"/>
+          <p:cNvSpPr>
+            <a:spLocks noGrp="1"/>
+          </p:cNvSpPr>
+          <p:nvPr>
+            <p:ph type="body" idx="1"/>
+          </p:nvPr>
+        </p:nvSpPr>
+        <p:spPr/>
+        <p:txBody>
+          <a:bodyPr/>
+          <a:lstStyle/>
+          <a:p>
             <a:pPr marL="0" marR="0" lvl="0" indent="0" algn="l" defTabSz="914400" rtl="0" eaLnBrk="1" fontAlgn="auto" latinLnBrk="0" hangingPunct="1">
               <a:lnSpc>
                 <a:spcPct val="100000"/>
@@ -6894,7 +8199,7 @@
           <a:p>
             <a:fld id="{8D2F58D5-BC38-4BCB-8360-1EF771A3CE08}" type="slidenum">
               <a:rPr lang="en-US" smtClean="0"/>
-              <a:t>14</a:t>
+              <a:t>19</a:t>
             </a:fld>
             <a:endParaRPr lang="en-US"/>
           </a:p>
@@ -9192,7 +10497,7 @@
           <a:p>
             <a:fld id="{F378B660-CB7F-45AE-A6DF-7AAE94B33294}" type="datetimeFigureOut">
               <a:rPr lang="en-US" smtClean="0"/>
-              <a:t>11/20/2021</a:t>
+              <a:t>2/11/2022</a:t>
             </a:fld>
             <a:endParaRPr lang="en-US"/>
           </a:p>
@@ -9355,7 +10660,7 @@
           <a:p>
             <a:fld id="{F378B660-CB7F-45AE-A6DF-7AAE94B33294}" type="datetimeFigureOut">
               <a:rPr lang="en-US" smtClean="0"/>
-              <a:t>11/20/2021</a:t>
+              <a:t>2/11/2022</a:t>
             </a:fld>
             <a:endParaRPr lang="en-US"/>
           </a:p>
@@ -9528,7 +10833,7 @@
           <a:p>
             <a:fld id="{F378B660-CB7F-45AE-A6DF-7AAE94B33294}" type="datetimeFigureOut">
               <a:rPr lang="en-US" smtClean="0"/>
-              <a:t>11/20/2021</a:t>
+              <a:t>2/11/2022</a:t>
             </a:fld>
             <a:endParaRPr lang="en-US"/>
           </a:p>
@@ -9691,7 +10996,7 @@
           <a:p>
             <a:fld id="{F378B660-CB7F-45AE-A6DF-7AAE94B33294}" type="datetimeFigureOut">
               <a:rPr lang="en-US" smtClean="0"/>
-              <a:t>11/20/2021</a:t>
+              <a:t>2/11/2022</a:t>
             </a:fld>
             <a:endParaRPr lang="en-US"/>
           </a:p>
@@ -9931,7 +11236,7 @@
           <a:p>
             <a:fld id="{F378B660-CB7F-45AE-A6DF-7AAE94B33294}" type="datetimeFigureOut">
               <a:rPr lang="en-US" smtClean="0"/>
-              <a:t>11/20/2021</a:t>
+              <a:t>2/11/2022</a:t>
             </a:fld>
             <a:endParaRPr lang="en-US"/>
           </a:p>
@@ -10155,7 +11460,7 @@
           <a:p>
             <a:fld id="{F378B660-CB7F-45AE-A6DF-7AAE94B33294}" type="datetimeFigureOut">
               <a:rPr lang="en-US" smtClean="0"/>
-              <a:t>11/20/2021</a:t>
+              <a:t>2/11/2022</a:t>
             </a:fld>
             <a:endParaRPr lang="en-US"/>
           </a:p>
@@ -10514,7 +11819,7 @@
           <a:p>
             <a:fld id="{F378B660-CB7F-45AE-A6DF-7AAE94B33294}" type="datetimeFigureOut">
               <a:rPr lang="en-US" smtClean="0"/>
-              <a:t>11/20/2021</a:t>
+              <a:t>2/11/2022</a:t>
             </a:fld>
             <a:endParaRPr lang="en-US"/>
           </a:p>
@@ -10626,7 +11931,7 @@
           <a:p>
             <a:fld id="{F378B660-CB7F-45AE-A6DF-7AAE94B33294}" type="datetimeFigureOut">
               <a:rPr lang="en-US" smtClean="0"/>
-              <a:t>11/20/2021</a:t>
+              <a:t>2/11/2022</a:t>
             </a:fld>
             <a:endParaRPr lang="en-US"/>
           </a:p>
@@ -10716,7 +12021,7 @@
           <a:p>
             <a:fld id="{F378B660-CB7F-45AE-A6DF-7AAE94B33294}" type="datetimeFigureOut">
               <a:rPr lang="en-US" smtClean="0"/>
-              <a:t>11/20/2021</a:t>
+              <a:t>2/11/2022</a:t>
             </a:fld>
             <a:endParaRPr lang="en-US"/>
           </a:p>
@@ -10986,7 +12291,7 @@
           <a:p>
             <a:fld id="{F378B660-CB7F-45AE-A6DF-7AAE94B33294}" type="datetimeFigureOut">
               <a:rPr lang="en-US" smtClean="0"/>
-              <a:t>11/20/2021</a:t>
+              <a:t>2/11/2022</a:t>
             </a:fld>
             <a:endParaRPr lang="en-US"/>
           </a:p>
@@ -11233,7 +12538,7 @@
           <a:p>
             <a:fld id="{F378B660-CB7F-45AE-A6DF-7AAE94B33294}" type="datetimeFigureOut">
               <a:rPr lang="en-US" smtClean="0"/>
-              <a:t>11/20/2021</a:t>
+              <a:t>2/11/2022</a:t>
             </a:fld>
             <a:endParaRPr lang="en-US"/>
           </a:p>
@@ -11439,7 +12744,7 @@
           <a:p>
             <a:fld id="{F378B660-CB7F-45AE-A6DF-7AAE94B33294}" type="datetimeFigureOut">
               <a:rPr lang="en-US" smtClean="0"/>
-              <a:t>11/20/2021</a:t>
+              <a:t>2/11/2022</a:t>
             </a:fld>
             <a:endParaRPr lang="en-US"/>
           </a:p>
@@ -12664,7 +13969,7 @@
                 <a:ea typeface="+mj-ea"/>
                 <a:cs typeface="Times New Roman" panose="02020603050405020304" pitchFamily="18" charset="0"/>
               </a:rPr>
-              <a:t>Quản lý File trong Linux</a:t>
+              <a:t>3. Quản lý File trong Linux</a:t>
             </a:r>
           </a:p>
         </p:txBody>
@@ -13069,6 +14374,52 @@
       </p:sp>
       <p:sp>
         <p:nvSpPr>
+          <p:cNvPr id="8" name="TextBox 7"/>
+          <p:cNvSpPr txBox="1"/>
+          <p:nvPr/>
+        </p:nvSpPr>
+        <p:spPr>
+          <a:xfrm>
+            <a:off x="411480" y="938411"/>
+            <a:ext cx="4443154" cy="1087819"/>
+          </a:xfrm>
+          <a:prstGeom prst="rect">
+            <a:avLst/>
+          </a:prstGeom>
+        </p:spPr>
+        <p:txBody>
+          <a:bodyPr vert="horz" lIns="91440" tIns="45720" rIns="91440" bIns="45720" rtlCol="0" anchor="b">
+            <a:normAutofit/>
+          </a:bodyPr>
+          <a:lstStyle/>
+          <a:p>
+            <a:pPr>
+              <a:lnSpc>
+                <a:spcPct val="90000"/>
+              </a:lnSpc>
+              <a:spcBef>
+                <a:spcPct val="0"/>
+              </a:spcBef>
+              <a:spcAft>
+                <a:spcPts val="600"/>
+              </a:spcAft>
+            </a:pPr>
+            <a:r>
+              <a:rPr lang="en-US" sz="3400" b="1" kern="1200">
+                <a:solidFill>
+                  <a:schemeClr val="tx1"/>
+                </a:solidFill>
+                <a:latin typeface="Times New Roman" panose="02020603050405020304" pitchFamily="18" charset="0"/>
+                <a:ea typeface="+mj-ea"/>
+                <a:cs typeface="Times New Roman" panose="02020603050405020304" pitchFamily="18" charset="0"/>
+              </a:rPr>
+              <a:t>3. Quản lý File trong Linux</a:t>
+            </a:r>
+          </a:p>
+        </p:txBody>
+      </p:sp>
+      <p:sp>
+        <p:nvSpPr>
           <p:cNvPr id="29" name="Rectangle 28">
             <a:extLst>
               <a:ext uri="{FF2B5EF4-FFF2-40B4-BE49-F238E27FC236}">
@@ -13212,8 +14563,8 @@
         </p:nvSpPr>
         <p:spPr>
           <a:xfrm>
-            <a:off x="210513" y="2551617"/>
-            <a:ext cx="4971086" cy="3492868"/>
+            <a:off x="167317" y="2488614"/>
+            <a:ext cx="4443154" cy="3492868"/>
           </a:xfrm>
           <a:prstGeom prst="rect">
             <a:avLst/>
@@ -13235,10 +14586,7 @@
               <a:buFont typeface="Arial" panose="020B0604020202020204" pitchFamily="34" charset="0"/>
               <a:buChar char="•"/>
             </a:pPr>
-            <a:r>
-              <a:rPr lang="en-US" sz="2000"/>
-              <a:t>Việc đọc ghi file với system call read write là quá trình đồng bộ, làm cho chương trình bị block cho tới khi việc đọc ghi kết thúc.</a:t>
-            </a:r>
+            <a:endParaRPr lang="en-US"/>
           </a:p>
           <a:p>
             <a:pPr indent="-228600">
@@ -13251,37 +14599,7 @@
               <a:buFont typeface="Arial" panose="020B0604020202020204" pitchFamily="34" charset="0"/>
               <a:buChar char="•"/>
             </a:pPr>
-            <a:endParaRPr lang="en-US" sz="2000" b="1"/>
-          </a:p>
-        </p:txBody>
-      </p:sp>
-      <p:sp>
-        <p:nvSpPr>
-          <p:cNvPr id="14" name="TextBox 13"/>
-          <p:cNvSpPr txBox="1"/>
-          <p:nvPr/>
-        </p:nvSpPr>
-        <p:spPr>
-          <a:xfrm>
-            <a:off x="5727940" y="2527539"/>
-            <a:ext cx="473206" cy="369332"/>
-          </a:xfrm>
-          <a:prstGeom prst="rect">
-            <a:avLst/>
-          </a:prstGeom>
-          <a:noFill/>
-        </p:spPr>
-        <p:txBody>
-          <a:bodyPr wrap="none" rtlCol="0">
-            <a:spAutoFit/>
-          </a:bodyPr>
-          <a:lstStyle/>
-          <a:p>
-            <a:pPr marL="285750" indent="-285750">
-              <a:buFont typeface="Wingdings" panose="05000000000000000000" pitchFamily="2" charset="2"/>
-              <a:buChar char="Ø"/>
-            </a:pPr>
-            <a:endParaRPr lang="en-US"/>
+            <a:endParaRPr lang="en-US" b="1"/>
           </a:p>
         </p:txBody>
       </p:sp>
@@ -13326,16 +14644,61 @@
           </a:p>
         </p:txBody>
       </p:sp>
-      <p:pic>
-        <p:nvPicPr>
-          <p:cNvPr id="13" name="Picture 12">
+      <p:sp>
+        <p:nvSpPr>
+          <p:cNvPr id="19" name="TextBox 18">
             <a:extLst>
               <a:ext uri="{FF2B5EF4-FFF2-40B4-BE49-F238E27FC236}">
-                <a16:creationId xmlns:a16="http://schemas.microsoft.com/office/drawing/2014/main" id="{18306C3E-D4F2-4DFE-B77E-AA2344F94BD3}"/>
+                <a16:creationId xmlns:a16="http://schemas.microsoft.com/office/drawing/2014/main" id="{58DAD045-71D8-494A-860A-5AD3B8F06CE2}"/>
               </a:ext>
             </a:extLst>
           </p:cNvPr>
-          <p:cNvPicPr/>
+          <p:cNvSpPr txBox="1"/>
+          <p:nvPr/>
+        </p:nvSpPr>
+        <p:spPr>
+          <a:xfrm>
+            <a:off x="167317" y="2510858"/>
+            <a:ext cx="3868352" cy="3492868"/>
+          </a:xfrm>
+          <a:prstGeom prst="rect">
+            <a:avLst/>
+          </a:prstGeom>
+        </p:spPr>
+        <p:txBody>
+          <a:bodyPr vert="horz" lIns="91440" tIns="45720" rIns="91440" bIns="45720" rtlCol="0">
+            <a:normAutofit/>
+          </a:bodyPr>
+          <a:lstStyle/>
+          <a:p>
+            <a:pPr marL="342900" indent="-342900">
+              <a:buFont typeface="Arial" panose="020B0604020202020204" pitchFamily="34" charset="0"/>
+              <a:buChar char="•"/>
+            </a:pPr>
+            <a:r>
+              <a:rPr lang="en-US" sz="2000">
+                <a:cs typeface="Times New Roman" panose="02020603050405020304" pitchFamily="18" charset="0"/>
+              </a:rPr>
+              <a:t>Khi tiến trình dùng lệnh read()/write()</a:t>
+            </a:r>
+            <a:endParaRPr lang="en-US" sz="2000" dirty="0">
+              <a:cs typeface="Times New Roman" panose="02020603050405020304" pitchFamily="18" charset="0"/>
+            </a:endParaRPr>
+          </a:p>
+        </p:txBody>
+      </p:sp>
+      <p:pic>
+        <p:nvPicPr>
+          <p:cNvPr id="10" name="Picture 9">
+            <a:extLst>
+              <a:ext uri="{FF2B5EF4-FFF2-40B4-BE49-F238E27FC236}">
+                <a16:creationId xmlns:a16="http://schemas.microsoft.com/office/drawing/2014/main" id="{A3D6BE10-B0ED-4A10-9647-A3758CA49171}"/>
+              </a:ext>
+            </a:extLst>
+          </p:cNvPr>
+          <p:cNvPicPr>
+            <a:picLocks noChangeAspect="1"/>
+          </p:cNvPicPr>
           <p:nvPr/>
         </p:nvPicPr>
         <p:blipFill>
@@ -13346,8 +14709,8 @@
         </p:blipFill>
         <p:spPr>
           <a:xfrm>
-            <a:off x="5382830" y="1677035"/>
-            <a:ext cx="5769739" cy="3313430"/>
+            <a:off x="6526045" y="3015329"/>
+            <a:ext cx="2790163" cy="2483926"/>
           </a:xfrm>
           <a:prstGeom prst="rect">
             <a:avLst/>
@@ -13356,10 +14719,10 @@
       </p:pic>
       <p:sp>
         <p:nvSpPr>
-          <p:cNvPr id="18" name="TextBox 17">
+          <p:cNvPr id="11" name="TextBox 10">
             <a:extLst>
               <a:ext uri="{FF2B5EF4-FFF2-40B4-BE49-F238E27FC236}">
-                <a16:creationId xmlns:a16="http://schemas.microsoft.com/office/drawing/2014/main" id="{E9AC1C5B-A2CF-4550-B16E-26A87DEDA64D}"/>
+                <a16:creationId xmlns:a16="http://schemas.microsoft.com/office/drawing/2014/main" id="{BE7A3B02-D725-4F5A-A84F-4C35B1E89887}"/>
               </a:ext>
             </a:extLst>
           </p:cNvPr>
@@ -13368,37 +14731,484 @@
         </p:nvSpPr>
         <p:spPr>
           <a:xfrm>
-            <a:off x="411479" y="1064417"/>
-            <a:ext cx="4770120" cy="1087819"/>
+            <a:off x="9467744" y="2401404"/>
+            <a:ext cx="2708475" cy="1815882"/>
           </a:xfrm>
           <a:prstGeom prst="rect">
             <a:avLst/>
           </a:prstGeom>
+          <a:noFill/>
         </p:spPr>
         <p:txBody>
-          <a:bodyPr vert="horz" lIns="91440" tIns="45720" rIns="91440" bIns="45720" rtlCol="0" anchor="b">
-            <a:normAutofit/>
+          <a:bodyPr wrap="square" rtlCol="0">
+            <a:spAutoFit/>
           </a:bodyPr>
           <a:lstStyle/>
           <a:p>
-            <a:pPr>
-              <a:lnSpc>
-                <a:spcPct val="90000"/>
-              </a:lnSpc>
-              <a:spcBef>
-                <a:spcPct val="0"/>
-              </a:spcBef>
-              <a:spcAft>
-                <a:spcPts val="600"/>
-              </a:spcAft>
+            <a:pPr marL="342900" indent="-342900">
+              <a:buAutoNum type="arabicPeriod"/>
             </a:pPr>
             <a:r>
-              <a:rPr lang="en-US" sz="3400" b="1">
-                <a:latin typeface="Times New Roman" panose="02020603050405020304" pitchFamily="18" charset="0"/>
-                <a:ea typeface="+mj-ea"/>
-                <a:cs typeface="Times New Roman" panose="02020603050405020304" pitchFamily="18" charset="0"/>
-              </a:rPr>
-              <a:t>Đọc ghi File bất đồng bộ</a:t>
+              <a:rPr lang="en-US" sz="1600" dirty="0"/>
+              <a:t>Kernel </a:t>
+            </a:r>
+            <a:r>
+              <a:rPr lang="en-US" sz="1600" dirty="0" err="1"/>
+              <a:t>ghi</a:t>
+            </a:r>
+            <a:r>
+              <a:rPr lang="en-US" sz="1600" dirty="0"/>
+              <a:t> </a:t>
+            </a:r>
+            <a:r>
+              <a:rPr lang="en-US" sz="1600" dirty="0" err="1"/>
+              <a:t>nội</a:t>
+            </a:r>
+            <a:r>
+              <a:rPr lang="en-US" sz="1600" dirty="0"/>
+              <a:t> dung page </a:t>
+            </a:r>
+            <a:r>
+              <a:rPr lang="en-US" sz="1600" dirty="0" err="1"/>
+              <a:t>vào</a:t>
+            </a:r>
+            <a:r>
+              <a:rPr lang="en-US" sz="1600" dirty="0"/>
+              <a:t> page cache</a:t>
+            </a:r>
+          </a:p>
+          <a:p>
+            <a:pPr marL="342900" indent="-342900">
+              <a:buAutoNum type="arabicPeriod"/>
+            </a:pPr>
+            <a:r>
+              <a:rPr lang="en-US" sz="1600" dirty="0"/>
+              <a:t>Page Cache </a:t>
+            </a:r>
+            <a:r>
+              <a:rPr lang="en-US" sz="1600" err="1"/>
+              <a:t>sẽ</a:t>
+            </a:r>
+            <a:r>
+              <a:rPr lang="en-US" sz="1600"/>
+              <a:t> được </a:t>
+            </a:r>
+            <a:r>
+              <a:rPr lang="en-US" sz="1600" dirty="0" err="1"/>
+              <a:t>ghi</a:t>
+            </a:r>
+            <a:r>
+              <a:rPr lang="en-US" sz="1600" dirty="0"/>
+              <a:t> </a:t>
+            </a:r>
+            <a:r>
+              <a:rPr lang="en-US" sz="1600" dirty="0" err="1"/>
+              <a:t>vào</a:t>
+            </a:r>
+            <a:r>
+              <a:rPr lang="en-US" sz="1600" dirty="0"/>
+              <a:t> </a:t>
+            </a:r>
+            <a:r>
+              <a:rPr lang="en-US" sz="1600" dirty="0" err="1"/>
+              <a:t>vùng</a:t>
+            </a:r>
+            <a:r>
+              <a:rPr lang="en-US" sz="1600" dirty="0"/>
+              <a:t> </a:t>
+            </a:r>
+            <a:r>
+              <a:rPr lang="en-US" sz="1600" dirty="0" err="1"/>
+              <a:t>nhớ</a:t>
+            </a:r>
+            <a:r>
+              <a:rPr lang="en-US" sz="1600" dirty="0"/>
+              <a:t> </a:t>
+            </a:r>
+            <a:r>
+              <a:rPr lang="en-US" sz="1600" dirty="0" err="1"/>
+              <a:t>vật</a:t>
+            </a:r>
+            <a:r>
+              <a:rPr lang="en-US" sz="1600" dirty="0"/>
+              <a:t> </a:t>
+            </a:r>
+            <a:r>
+              <a:rPr lang="en-US" sz="1600" dirty="0" err="1"/>
+              <a:t>lý</a:t>
+            </a:r>
+            <a:r>
+              <a:rPr lang="en-US" sz="1600" dirty="0"/>
+              <a:t> </a:t>
+            </a:r>
+            <a:r>
+              <a:rPr lang="en-US" sz="1600" dirty="0" err="1"/>
+              <a:t>định</a:t>
+            </a:r>
+            <a:r>
+              <a:rPr lang="en-US" sz="1600" dirty="0"/>
+              <a:t> </a:t>
+            </a:r>
+            <a:r>
+              <a:rPr lang="en-US" sz="1600" dirty="0" err="1"/>
+              <a:t>kỳ</a:t>
+            </a:r>
+            <a:r>
+              <a:rPr lang="en-US" sz="1600" dirty="0"/>
+              <a:t> </a:t>
+            </a:r>
+            <a:r>
+              <a:rPr lang="en-US" sz="1600" dirty="0" err="1"/>
+              <a:t>hoặc</a:t>
+            </a:r>
+            <a:r>
+              <a:rPr lang="en-US" sz="1600" dirty="0"/>
+              <a:t> </a:t>
+            </a:r>
+            <a:r>
+              <a:rPr lang="en-US" sz="1600" dirty="0" err="1"/>
+              <a:t>khi</a:t>
+            </a:r>
+            <a:r>
+              <a:rPr lang="en-US" sz="1600" dirty="0"/>
+              <a:t> </a:t>
+            </a:r>
+            <a:r>
+              <a:rPr lang="en-US" sz="1600" dirty="0" err="1"/>
+              <a:t>dùng</a:t>
+            </a:r>
+            <a:r>
+              <a:rPr lang="en-US" sz="1600" dirty="0"/>
+              <a:t> </a:t>
+            </a:r>
+            <a:r>
+              <a:rPr lang="en-US" sz="1600" dirty="0" err="1"/>
+              <a:t>các</a:t>
+            </a:r>
+            <a:r>
+              <a:rPr lang="en-US" sz="1600" dirty="0"/>
+              <a:t> </a:t>
+            </a:r>
+            <a:r>
+              <a:rPr lang="en-US" sz="1600" dirty="0" err="1"/>
+              <a:t>lệnh</a:t>
+            </a:r>
+            <a:r>
+              <a:rPr lang="en-US" sz="1600" dirty="0"/>
+              <a:t> sync(), </a:t>
+            </a:r>
+            <a:r>
+              <a:rPr lang="en-US" sz="1600" dirty="0" err="1"/>
+              <a:t>fsync</a:t>
+            </a:r>
+            <a:r>
+              <a:rPr lang="en-US" sz="1600" dirty="0"/>
+              <a:t>()</a:t>
+            </a:r>
+          </a:p>
+          <a:p>
+            <a:pPr marL="342900" indent="-342900">
+              <a:buAutoNum type="arabicPeriod"/>
+            </a:pPr>
+            <a:endParaRPr lang="en-US" sz="1600" dirty="0"/>
+          </a:p>
+        </p:txBody>
+      </p:sp>
+      <p:sp>
+        <p:nvSpPr>
+          <p:cNvPr id="12" name="TextBox 11">
+            <a:extLst>
+              <a:ext uri="{FF2B5EF4-FFF2-40B4-BE49-F238E27FC236}">
+                <a16:creationId xmlns:a16="http://schemas.microsoft.com/office/drawing/2014/main" id="{7D66E31A-759F-4ED6-BA24-AA18F141048E}"/>
+              </a:ext>
+            </a:extLst>
+          </p:cNvPr>
+          <p:cNvSpPr txBox="1"/>
+          <p:nvPr/>
+        </p:nvSpPr>
+        <p:spPr>
+          <a:xfrm>
+            <a:off x="3666034" y="2401404"/>
+            <a:ext cx="2708475" cy="3416320"/>
+          </a:xfrm>
+          <a:prstGeom prst="rect">
+            <a:avLst/>
+          </a:prstGeom>
+          <a:noFill/>
+        </p:spPr>
+        <p:txBody>
+          <a:bodyPr wrap="square" rtlCol="0">
+            <a:spAutoFit/>
+          </a:bodyPr>
+          <a:lstStyle/>
+          <a:p>
+            <a:pPr marL="342900" indent="-342900">
+              <a:buAutoNum type="arabicPeriod"/>
+            </a:pPr>
+            <a:r>
+              <a:rPr lang="en-US" dirty="0"/>
+              <a:t>Kernel </a:t>
+            </a:r>
+            <a:r>
+              <a:rPr lang="en-US" dirty="0" err="1"/>
+              <a:t>xác</a:t>
+            </a:r>
+            <a:r>
+              <a:rPr lang="en-US" dirty="0"/>
+              <a:t> </a:t>
+            </a:r>
+            <a:r>
+              <a:rPr lang="en-US" dirty="0" err="1"/>
+              <a:t>định</a:t>
+            </a:r>
+            <a:r>
+              <a:rPr lang="en-US" dirty="0"/>
+              <a:t> page </a:t>
+            </a:r>
+            <a:r>
+              <a:rPr lang="en-US" dirty="0" err="1"/>
+              <a:t>cần</a:t>
+            </a:r>
+            <a:r>
+              <a:rPr lang="en-US" dirty="0"/>
+              <a:t> </a:t>
+            </a:r>
+            <a:r>
+              <a:rPr lang="en-US" dirty="0" err="1"/>
+              <a:t>đọc</a:t>
+            </a:r>
+            <a:endParaRPr lang="en-US" dirty="0"/>
+          </a:p>
+          <a:p>
+            <a:pPr marL="342900" indent="-342900">
+              <a:buAutoNum type="arabicPeriod"/>
+            </a:pPr>
+            <a:r>
+              <a:rPr lang="en-US" dirty="0"/>
+              <a:t>Kernel </a:t>
+            </a:r>
+            <a:r>
+              <a:rPr lang="en-US" dirty="0" err="1"/>
+              <a:t>đọc</a:t>
+            </a:r>
+            <a:r>
+              <a:rPr lang="en-US" dirty="0"/>
+              <a:t> </a:t>
+            </a:r>
+            <a:r>
+              <a:rPr lang="en-US" dirty="0" err="1"/>
+              <a:t>từ</a:t>
+            </a:r>
+            <a:r>
+              <a:rPr lang="en-US" dirty="0"/>
+              <a:t> page cache</a:t>
+            </a:r>
+          </a:p>
+          <a:p>
+            <a:pPr marL="342900" indent="-342900">
+              <a:buAutoNum type="arabicPeriod"/>
+            </a:pPr>
+            <a:r>
+              <a:rPr lang="en-US" dirty="0" err="1"/>
+              <a:t>Nếu</a:t>
+            </a:r>
+            <a:r>
+              <a:rPr lang="en-US" dirty="0"/>
+              <a:t> page </a:t>
+            </a:r>
+            <a:r>
+              <a:rPr lang="en-US" dirty="0" err="1"/>
+              <a:t>có</a:t>
+            </a:r>
+            <a:r>
+              <a:rPr lang="en-US" dirty="0"/>
+              <a:t> </a:t>
+            </a:r>
+            <a:r>
+              <a:rPr lang="en-US" dirty="0" err="1"/>
+              <a:t>trong</a:t>
+            </a:r>
+            <a:r>
+              <a:rPr lang="en-US" dirty="0"/>
+              <a:t> page cache </a:t>
+            </a:r>
+            <a:r>
+              <a:rPr lang="en-US" dirty="0" err="1"/>
+              <a:t>thông</a:t>
+            </a:r>
+            <a:r>
+              <a:rPr lang="en-US" dirty="0"/>
+              <a:t> tin </a:t>
+            </a:r>
+            <a:r>
+              <a:rPr lang="en-US" dirty="0" err="1"/>
+              <a:t>sẽ</a:t>
+            </a:r>
+            <a:r>
+              <a:rPr lang="en-US" dirty="0"/>
+              <a:t> </a:t>
+            </a:r>
+            <a:r>
+              <a:rPr lang="en-US" dirty="0" err="1"/>
+              <a:t>được</a:t>
+            </a:r>
+            <a:r>
+              <a:rPr lang="en-US" dirty="0"/>
+              <a:t> </a:t>
+            </a:r>
+            <a:r>
+              <a:rPr lang="en-US" dirty="0" err="1"/>
+              <a:t>đọc</a:t>
+            </a:r>
+            <a:r>
+              <a:rPr lang="en-US" dirty="0"/>
+              <a:t> </a:t>
+            </a:r>
+            <a:r>
+              <a:rPr lang="en-US" dirty="0" err="1"/>
+              <a:t>ra</a:t>
+            </a:r>
+            <a:endParaRPr lang="en-US" dirty="0"/>
+          </a:p>
+          <a:p>
+            <a:pPr marL="342900" indent="-342900">
+              <a:buAutoNum type="arabicPeriod"/>
+            </a:pPr>
+            <a:r>
+              <a:rPr lang="en-US" dirty="0" err="1"/>
+              <a:t>Nếu</a:t>
+            </a:r>
+            <a:r>
+              <a:rPr lang="en-US" dirty="0"/>
+              <a:t> page </a:t>
+            </a:r>
+            <a:r>
+              <a:rPr lang="en-US" dirty="0" err="1"/>
+              <a:t>không</a:t>
+            </a:r>
+            <a:r>
+              <a:rPr lang="en-US" dirty="0"/>
+              <a:t> </a:t>
+            </a:r>
+            <a:r>
+              <a:rPr lang="en-US" dirty="0" err="1"/>
+              <a:t>có</a:t>
+            </a:r>
+            <a:r>
+              <a:rPr lang="en-US" dirty="0"/>
+              <a:t> </a:t>
+            </a:r>
+            <a:r>
+              <a:rPr lang="en-US" dirty="0" err="1"/>
+              <a:t>trong</a:t>
+            </a:r>
+            <a:r>
+              <a:rPr lang="en-US" dirty="0"/>
+              <a:t> page cache. </a:t>
+            </a:r>
+            <a:r>
+              <a:rPr lang="en-US" dirty="0" err="1"/>
+              <a:t>Đọc</a:t>
+            </a:r>
+            <a:r>
+              <a:rPr lang="en-US" dirty="0"/>
+              <a:t> </a:t>
+            </a:r>
+            <a:r>
+              <a:rPr lang="en-US" dirty="0" err="1"/>
+              <a:t>từ</a:t>
+            </a:r>
+            <a:r>
+              <a:rPr lang="en-US" dirty="0"/>
+              <a:t> </a:t>
+            </a:r>
+            <a:r>
+              <a:rPr lang="en-US" dirty="0" err="1"/>
+              <a:t>vùng</a:t>
+            </a:r>
+            <a:r>
+              <a:rPr lang="en-US" dirty="0"/>
+              <a:t> </a:t>
+            </a:r>
+            <a:r>
+              <a:rPr lang="en-US" dirty="0" err="1"/>
+              <a:t>nhớ</a:t>
+            </a:r>
+            <a:r>
+              <a:rPr lang="en-US" dirty="0"/>
+              <a:t> </a:t>
+            </a:r>
+            <a:r>
+              <a:rPr lang="en-US" dirty="0" err="1"/>
+              <a:t>vật</a:t>
+            </a:r>
+            <a:r>
+              <a:rPr lang="en-US" dirty="0"/>
+              <a:t> </a:t>
+            </a:r>
+            <a:r>
+              <a:rPr lang="en-US" dirty="0" err="1"/>
+              <a:t>lý</a:t>
+            </a:r>
+            <a:r>
+              <a:rPr lang="en-US" dirty="0"/>
+              <a:t> </a:t>
+            </a:r>
+            <a:r>
+              <a:rPr lang="en-US" dirty="0" err="1"/>
+              <a:t>vào</a:t>
+            </a:r>
+            <a:r>
+              <a:rPr lang="en-US" dirty="0"/>
+              <a:t> page cache </a:t>
+            </a:r>
+            <a:r>
+              <a:rPr lang="en-US" dirty="0" err="1"/>
+              <a:t>sau</a:t>
+            </a:r>
+            <a:r>
+              <a:rPr lang="en-US" dirty="0"/>
+              <a:t> </a:t>
+            </a:r>
+            <a:r>
+              <a:rPr lang="en-US" dirty="0" err="1"/>
+              <a:t>đó</a:t>
+            </a:r>
+            <a:r>
+              <a:rPr lang="en-US" dirty="0"/>
+              <a:t> </a:t>
+            </a:r>
+            <a:r>
+              <a:rPr lang="en-US" dirty="0" err="1"/>
+              <a:t>đọc</a:t>
+            </a:r>
+            <a:r>
+              <a:rPr lang="en-US" dirty="0"/>
+              <a:t> </a:t>
+            </a:r>
+            <a:r>
+              <a:rPr lang="en-US" dirty="0" err="1"/>
+              <a:t>ra</a:t>
+            </a:r>
+            <a:r>
+              <a:rPr lang="en-US" dirty="0"/>
+              <a:t> </a:t>
+            </a:r>
+            <a:r>
+              <a:rPr lang="en-US" dirty="0" err="1"/>
+              <a:t>cho</a:t>
+            </a:r>
+            <a:r>
+              <a:rPr lang="en-US" dirty="0"/>
+              <a:t> </a:t>
+            </a:r>
+            <a:r>
+              <a:rPr lang="en-US" dirty="0" err="1"/>
+              <a:t>userspace</a:t>
+            </a:r>
+            <a:r>
+              <a:rPr lang="en-US" dirty="0"/>
+              <a:t>  </a:t>
             </a:r>
           </a:p>
         </p:txBody>
@@ -13406,7 +15216,7 @@
     </p:spTree>
     <p:extLst>
       <p:ext uri="{BB962C8B-B14F-4D97-AF65-F5344CB8AC3E}">
-        <p14:creationId xmlns:p14="http://schemas.microsoft.com/office/powerpoint/2010/main" val="3628161798"/>
+        <p14:creationId xmlns:p14="http://schemas.microsoft.com/office/powerpoint/2010/main" val="260186100"/>
       </p:ext>
     </p:extLst>
   </p:cSld>
@@ -13509,8 +15319,8 @@
         </p:nvSpPr>
         <p:spPr>
           <a:xfrm>
-            <a:off x="411479" y="991443"/>
-            <a:ext cx="4703445" cy="1087819"/>
+            <a:off x="411480" y="938411"/>
+            <a:ext cx="4443154" cy="1087819"/>
           </a:xfrm>
           <a:prstGeom prst="rect">
             <a:avLst/>
@@ -13539,7 +15349,18 @@
                 <a:ea typeface="+mj-ea"/>
                 <a:cs typeface="Times New Roman" panose="02020603050405020304" pitchFamily="18" charset="0"/>
               </a:rPr>
-              <a:t>Đọc ghi File bất đồng bộ</a:t>
+              <a:t>4</a:t>
+            </a:r>
+            <a:r>
+              <a:rPr lang="en-US" sz="3400" b="1" kern="1200">
+                <a:solidFill>
+                  <a:schemeClr val="tx1"/>
+                </a:solidFill>
+                <a:latin typeface="Times New Roman" panose="02020603050405020304" pitchFamily="18" charset="0"/>
+                <a:ea typeface="+mj-ea"/>
+                <a:cs typeface="Times New Roman" panose="02020603050405020304" pitchFamily="18" charset="0"/>
+              </a:rPr>
+              <a:t>. File Locking</a:t>
             </a:r>
           </a:p>
         </p:txBody>
@@ -13689,8 +15510,8 @@
         </p:nvSpPr>
         <p:spPr>
           <a:xfrm>
-            <a:off x="210512" y="2527539"/>
-            <a:ext cx="5195501" cy="3492868"/>
+            <a:off x="167317" y="2488614"/>
+            <a:ext cx="4443154" cy="3492868"/>
           </a:xfrm>
           <a:prstGeom prst="rect">
             <a:avLst/>
@@ -13712,58 +15533,7 @@
               <a:buFont typeface="Arial" panose="020B0604020202020204" pitchFamily="34" charset="0"/>
               <a:buChar char="•"/>
             </a:pPr>
-            <a:r>
-              <a:rPr lang="en-US" sz="2000"/>
-              <a:t>Linux cung cấp các API để thực hiện đọc ghi bất đồng bộ.</a:t>
-            </a:r>
-          </a:p>
-          <a:p>
-            <a:pPr marL="914400" lvl="1" indent="-342900">
-              <a:lnSpc>
-                <a:spcPct val="90000"/>
-              </a:lnSpc>
-              <a:spcAft>
-                <a:spcPts val="600"/>
-              </a:spcAft>
-              <a:buFont typeface="Courier New" panose="02070309020205020404" pitchFamily="49" charset="0"/>
-              <a:buChar char="o"/>
-            </a:pPr>
-            <a:r>
-              <a:rPr lang="en-US" sz="2000"/>
-              <a:t>aio_read()</a:t>
-            </a:r>
-          </a:p>
-          <a:p>
-            <a:pPr marL="914400" lvl="1" indent="-342900">
-              <a:lnSpc>
-                <a:spcPct val="90000"/>
-              </a:lnSpc>
-              <a:spcAft>
-                <a:spcPts val="600"/>
-              </a:spcAft>
-              <a:buFont typeface="Courier New" panose="02070309020205020404" pitchFamily="49" charset="0"/>
-              <a:buChar char="o"/>
-            </a:pPr>
-            <a:r>
-              <a:rPr lang="en-US" sz="2000"/>
-              <a:t>aio_write()</a:t>
-            </a:r>
-          </a:p>
-          <a:p>
-            <a:pPr marL="457200" indent="-342900">
-              <a:lnSpc>
-                <a:spcPct val="90000"/>
-              </a:lnSpc>
-              <a:spcAft>
-                <a:spcPts val="600"/>
-              </a:spcAft>
-              <a:buFont typeface="Arial" panose="020B0604020202020204" pitchFamily="34" charset="0"/>
-              <a:buChar char="•"/>
-            </a:pPr>
-            <a:r>
-              <a:rPr lang="en-US" sz="2000"/>
-              <a:t>Ngoài ra có thể tạo sử dụng multil-thread.</a:t>
-            </a:r>
+            <a:endParaRPr lang="en-US"/>
           </a:p>
           <a:p>
             <a:pPr indent="-228600">
@@ -13776,37 +15546,7 @@
               <a:buFont typeface="Arial" panose="020B0604020202020204" pitchFamily="34" charset="0"/>
               <a:buChar char="•"/>
             </a:pPr>
-            <a:endParaRPr lang="en-US" sz="2000" b="1"/>
-          </a:p>
-        </p:txBody>
-      </p:sp>
-      <p:sp>
-        <p:nvSpPr>
-          <p:cNvPr id="14" name="TextBox 13"/>
-          <p:cNvSpPr txBox="1"/>
-          <p:nvPr/>
-        </p:nvSpPr>
-        <p:spPr>
-          <a:xfrm>
-            <a:off x="5727940" y="2527539"/>
-            <a:ext cx="473206" cy="369332"/>
-          </a:xfrm>
-          <a:prstGeom prst="rect">
-            <a:avLst/>
-          </a:prstGeom>
-          <a:noFill/>
-        </p:spPr>
-        <p:txBody>
-          <a:bodyPr wrap="none" rtlCol="0">
-            <a:spAutoFit/>
-          </a:bodyPr>
-          <a:lstStyle/>
-          <a:p>
-            <a:pPr marL="285750" indent="-285750">
-              <a:buFont typeface="Wingdings" panose="05000000000000000000" pitchFamily="2" charset="2"/>
-              <a:buChar char="Ø"/>
-            </a:pPr>
-            <a:endParaRPr lang="en-US"/>
+            <a:endParaRPr lang="en-US" b="1"/>
           </a:p>
         </p:txBody>
       </p:sp>
@@ -13851,38 +15591,107 @@
           </a:p>
         </p:txBody>
       </p:sp>
-      <p:pic>
-        <p:nvPicPr>
-          <p:cNvPr id="10" name="Picture 9">
+      <p:sp>
+        <p:nvSpPr>
+          <p:cNvPr id="19" name="TextBox 18">
             <a:extLst>
               <a:ext uri="{FF2B5EF4-FFF2-40B4-BE49-F238E27FC236}">
-                <a16:creationId xmlns:a16="http://schemas.microsoft.com/office/drawing/2014/main" id="{27A9A7A9-3B29-4D40-B9C5-6ED425EEA9CF}"/>
+                <a16:creationId xmlns:a16="http://schemas.microsoft.com/office/drawing/2014/main" id="{58DAD045-71D8-494A-860A-5AD3B8F06CE2}"/>
               </a:ext>
             </a:extLst>
           </p:cNvPr>
-          <p:cNvPicPr/>
+          <p:cNvSpPr txBox="1"/>
           <p:nvPr/>
-        </p:nvPicPr>
-        <p:blipFill>
-          <a:blip r:embed="rId3"/>
-          <a:stretch>
-            <a:fillRect/>
-          </a:stretch>
-        </p:blipFill>
+        </p:nvSpPr>
         <p:spPr>
           <a:xfrm>
-            <a:off x="6096000" y="1751870"/>
-            <a:ext cx="4632333" cy="3415581"/>
+            <a:off x="1308294" y="2482793"/>
+            <a:ext cx="9057836" cy="3492868"/>
           </a:xfrm>
           <a:prstGeom prst="rect">
             <a:avLst/>
           </a:prstGeom>
         </p:spPr>
-      </p:pic>
+        <p:txBody>
+          <a:bodyPr vert="horz" lIns="91440" tIns="45720" rIns="91440" bIns="45720" rtlCol="0">
+            <a:normAutofit/>
+          </a:bodyPr>
+          <a:lstStyle/>
+          <a:p>
+            <a:pPr marL="342900" lvl="0" indent="-342900">
+              <a:buFont typeface="Arial" panose="020B0604020202020204" pitchFamily="34" charset="0"/>
+              <a:buChar char="•"/>
+            </a:pPr>
+            <a:r>
+              <a:rPr lang="en-US" sz="2000">
+                <a:cs typeface="Times New Roman" panose="02020603050405020304" pitchFamily="18" charset="0"/>
+              </a:rPr>
+              <a:t>File locking dùng để quản lý việc nhiều tiến trình cùng đọc/ghi vào 1 file</a:t>
+            </a:r>
+          </a:p>
+          <a:p>
+            <a:pPr lvl="0"/>
+            <a:endParaRPr lang="en-US" sz="2000">
+              <a:cs typeface="Times New Roman" panose="02020603050405020304" pitchFamily="18" charset="0"/>
+            </a:endParaRPr>
+          </a:p>
+          <a:p>
+            <a:pPr marL="342900" lvl="0" indent="-342900">
+              <a:buFont typeface="Arial" panose="020B0604020202020204" pitchFamily="34" charset="0"/>
+              <a:buChar char="•"/>
+            </a:pPr>
+            <a:r>
+              <a:rPr lang="en-US" sz="2000">
+                <a:cs typeface="Times New Roman" panose="02020603050405020304" pitchFamily="18" charset="0"/>
+              </a:rPr>
+              <a:t>Cách hoạt động </a:t>
+            </a:r>
+          </a:p>
+          <a:p>
+            <a:pPr marL="800100" lvl="1" indent="-342900">
+              <a:buFont typeface="Courier New" panose="02070309020205020404" pitchFamily="49" charset="0"/>
+              <a:buChar char="o"/>
+            </a:pPr>
+            <a:r>
+              <a:rPr lang="en-US" sz="2000">
+                <a:cs typeface="Times New Roman" panose="02020603050405020304" pitchFamily="18" charset="0"/>
+              </a:rPr>
+              <a:t>Bước 1: Ghi trạng thái lock vào I-node của file.</a:t>
+            </a:r>
+          </a:p>
+          <a:p>
+            <a:pPr marL="800100" lvl="1" indent="-342900">
+              <a:buFont typeface="Courier New" panose="02070309020205020404" pitchFamily="49" charset="0"/>
+              <a:buChar char="o"/>
+            </a:pPr>
+            <a:r>
+              <a:rPr lang="en-US" sz="2000">
+                <a:cs typeface="Times New Roman" panose="02020603050405020304" pitchFamily="18" charset="0"/>
+              </a:rPr>
+              <a:t>Bước 2: Nếu thành công thì thực hiện đọc ghi file, nếu không thành công nghĩa là file đang được tiến trình khác sử dụng.</a:t>
+            </a:r>
+          </a:p>
+          <a:p>
+            <a:pPr marL="800100" lvl="1" indent="-342900">
+              <a:buFont typeface="Courier New" panose="02070309020205020404" pitchFamily="49" charset="0"/>
+              <a:buChar char="o"/>
+            </a:pPr>
+            <a:r>
+              <a:rPr lang="en-US" sz="2000">
+                <a:cs typeface="Times New Roman" panose="02020603050405020304" pitchFamily="18" charset="0"/>
+              </a:rPr>
+              <a:t>Bước 3: Sau khi đọc/ghi xong gỡ trạng thái lock ra khỏi I-node của file.</a:t>
+            </a:r>
+            <a:endParaRPr lang="en-US" sz="2000" dirty="0">
+              <a:cs typeface="Times New Roman" panose="02020603050405020304" pitchFamily="18" charset="0"/>
+            </a:endParaRPr>
+          </a:p>
+        </p:txBody>
+      </p:sp>
     </p:spTree>
     <p:extLst>
       <p:ext uri="{BB962C8B-B14F-4D97-AF65-F5344CB8AC3E}">
-        <p14:creationId xmlns:p14="http://schemas.microsoft.com/office/powerpoint/2010/main" val="3663414055"/>
+        <p14:creationId xmlns:p14="http://schemas.microsoft.com/office/powerpoint/2010/main" val="2442129456"/>
       </p:ext>
     </p:extLst>
   </p:cSld>
@@ -13985,8 +15794,8 @@
         </p:nvSpPr>
         <p:spPr>
           <a:xfrm>
-            <a:off x="411480" y="991443"/>
-            <a:ext cx="4712970" cy="1087819"/>
+            <a:off x="411480" y="938411"/>
+            <a:ext cx="4443154" cy="1087819"/>
           </a:xfrm>
           <a:prstGeom prst="rect">
             <a:avLst/>
@@ -14015,7 +15824,18 @@
                 <a:ea typeface="+mj-ea"/>
                 <a:cs typeface="Times New Roman" panose="02020603050405020304" pitchFamily="18" charset="0"/>
               </a:rPr>
-              <a:t>Đọc ghi File bất đồng bộ</a:t>
+              <a:t>4</a:t>
+            </a:r>
+            <a:r>
+              <a:rPr lang="en-US" sz="3400" b="1" kern="1200">
+                <a:solidFill>
+                  <a:schemeClr val="tx1"/>
+                </a:solidFill>
+                <a:latin typeface="Times New Roman" panose="02020603050405020304" pitchFamily="18" charset="0"/>
+                <a:ea typeface="+mj-ea"/>
+                <a:cs typeface="Times New Roman" panose="02020603050405020304" pitchFamily="18" charset="0"/>
+              </a:rPr>
+              <a:t>. File Locking</a:t>
             </a:r>
           </a:p>
         </p:txBody>
@@ -14165,6 +15985,4492 @@
         </p:nvSpPr>
         <p:spPr>
           <a:xfrm>
+            <a:off x="167317" y="2488614"/>
+            <a:ext cx="4443154" cy="3492868"/>
+          </a:xfrm>
+          <a:prstGeom prst="rect">
+            <a:avLst/>
+          </a:prstGeom>
+        </p:spPr>
+        <p:txBody>
+          <a:bodyPr vert="horz" lIns="91440" tIns="45720" rIns="91440" bIns="45720" rtlCol="0">
+            <a:normAutofit/>
+          </a:bodyPr>
+          <a:lstStyle/>
+          <a:p>
+            <a:pPr marL="342900" indent="-228600">
+              <a:lnSpc>
+                <a:spcPct val="90000"/>
+              </a:lnSpc>
+              <a:spcAft>
+                <a:spcPts val="600"/>
+              </a:spcAft>
+              <a:buFont typeface="Arial" panose="020B0604020202020204" pitchFamily="34" charset="0"/>
+              <a:buChar char="•"/>
+            </a:pPr>
+            <a:endParaRPr lang="en-US"/>
+          </a:p>
+          <a:p>
+            <a:pPr indent="-228600">
+              <a:lnSpc>
+                <a:spcPct val="90000"/>
+              </a:lnSpc>
+              <a:spcAft>
+                <a:spcPts val="600"/>
+              </a:spcAft>
+              <a:buFont typeface="Arial" panose="020B0604020202020204" pitchFamily="34" charset="0"/>
+              <a:buChar char="•"/>
+            </a:pPr>
+            <a:endParaRPr lang="en-US" b="1"/>
+          </a:p>
+        </p:txBody>
+      </p:sp>
+      <p:sp>
+        <p:nvSpPr>
+          <p:cNvPr id="17" name="TextBox 16">
+            <a:extLst>
+              <a:ext uri="{FF2B5EF4-FFF2-40B4-BE49-F238E27FC236}">
+                <a16:creationId xmlns:a16="http://schemas.microsoft.com/office/drawing/2014/main" id="{490D3672-8D2E-4D18-A925-FCC966025A7D}"/>
+              </a:ext>
+            </a:extLst>
+          </p:cNvPr>
+          <p:cNvSpPr txBox="1"/>
+          <p:nvPr/>
+        </p:nvSpPr>
+        <p:spPr>
+          <a:xfrm>
+            <a:off x="0" y="6443866"/>
+            <a:ext cx="12192000" cy="425628"/>
+          </a:xfrm>
+          <a:prstGeom prst="rect">
+            <a:avLst/>
+          </a:prstGeom>
+          <a:solidFill>
+            <a:schemeClr val="accent2">
+              <a:lumMod val="50000"/>
+            </a:schemeClr>
+          </a:solidFill>
+        </p:spPr>
+        <p:txBody>
+          <a:bodyPr wrap="square" rtlCol="0">
+            <a:spAutoFit/>
+          </a:bodyPr>
+          <a:lstStyle/>
+          <a:p>
+            <a:pPr algn="ctr"/>
+            <a:endParaRPr lang="en-US" sz="5400" b="1" dirty="0">
+              <a:solidFill>
+                <a:schemeClr val="bg1"/>
+              </a:solidFill>
+            </a:endParaRPr>
+          </a:p>
+        </p:txBody>
+      </p:sp>
+      <p:graphicFrame>
+        <p:nvGraphicFramePr>
+          <p:cNvPr id="10" name="Table 9">
+            <a:extLst>
+              <a:ext uri="{FF2B5EF4-FFF2-40B4-BE49-F238E27FC236}">
+                <a16:creationId xmlns:a16="http://schemas.microsoft.com/office/drawing/2014/main" id="{54C6B583-4541-4912-B87E-B8A823075C0D}"/>
+              </a:ext>
+            </a:extLst>
+          </p:cNvPr>
+          <p:cNvGraphicFramePr>
+            <a:graphicFrameLocks noGrp="1"/>
+          </p:cNvGraphicFramePr>
+          <p:nvPr>
+            <p:extLst>
+              <p:ext uri="{D42A27DB-BD31-4B8C-83A1-F6EECF244321}">
+                <p14:modId xmlns:p14="http://schemas.microsoft.com/office/powerpoint/2010/main" val="2667610684"/>
+              </p:ext>
+            </p:extLst>
+          </p:nvPr>
+        </p:nvGraphicFramePr>
+        <p:xfrm>
+          <a:off x="2388894" y="2559776"/>
+          <a:ext cx="8128000" cy="3268238"/>
+        </p:xfrm>
+        <a:graphic>
+          <a:graphicData uri="http://schemas.openxmlformats.org/drawingml/2006/table">
+            <a:tbl>
+              <a:tblPr firstRow="1" bandRow="1">
+                <a:tableStyleId>{93296810-A885-4BE3-A3E7-6D5BEEA58F35}</a:tableStyleId>
+              </a:tblPr>
+              <a:tblGrid>
+                <a:gridCol w="4064000">
+                  <a:extLst>
+                    <a:ext uri="{9D8B030D-6E8A-4147-A177-3AD203B41FA5}">
+                      <a16:colId xmlns:a16="http://schemas.microsoft.com/office/drawing/2014/main" val="20000"/>
+                    </a:ext>
+                  </a:extLst>
+                </a:gridCol>
+                <a:gridCol w="4064000">
+                  <a:extLst>
+                    <a:ext uri="{9D8B030D-6E8A-4147-A177-3AD203B41FA5}">
+                      <a16:colId xmlns:a16="http://schemas.microsoft.com/office/drawing/2014/main" val="20001"/>
+                    </a:ext>
+                  </a:extLst>
+                </a:gridCol>
+              </a:tblGrid>
+              <a:tr h="482049">
+                <a:tc>
+                  <a:txBody>
+                    <a:bodyPr/>
+                    <a:lstStyle/>
+                    <a:p>
+                      <a:pPr algn="ctr"/>
+                      <a:r>
+                        <a:rPr lang="en-US" dirty="0"/>
+                        <a:t>Flock()</a:t>
+                      </a:r>
+                    </a:p>
+                  </a:txBody>
+                  <a:tcPr/>
+                </a:tc>
+                <a:tc>
+                  <a:txBody>
+                    <a:bodyPr/>
+                    <a:lstStyle/>
+                    <a:p>
+                      <a:pPr algn="ctr"/>
+                      <a:r>
+                        <a:rPr lang="en-US"/>
+                        <a:t>Fcntl()</a:t>
+                      </a:r>
+                      <a:endParaRPr lang="en-US" dirty="0"/>
+                    </a:p>
+                  </a:txBody>
+                  <a:tcPr/>
+                </a:tc>
+                <a:extLst>
+                  <a:ext uri="{0D108BD9-81ED-4DB2-BD59-A6C34878D82A}">
+                    <a16:rowId xmlns:a16="http://schemas.microsoft.com/office/drawing/2014/main" val="10000"/>
+                  </a:ext>
+                </a:extLst>
+              </a:tr>
+              <a:tr h="482049">
+                <a:tc>
+                  <a:txBody>
+                    <a:bodyPr/>
+                    <a:lstStyle/>
+                    <a:p>
+                      <a:r>
+                        <a:rPr lang="en-US" dirty="0" err="1"/>
+                        <a:t>Đơn</a:t>
+                      </a:r>
+                      <a:r>
+                        <a:rPr lang="en-US" baseline="0" dirty="0"/>
+                        <a:t> </a:t>
+                      </a:r>
+                      <a:r>
+                        <a:rPr lang="en-US" baseline="0" dirty="0" err="1"/>
+                        <a:t>giản</a:t>
+                      </a:r>
+                      <a:endParaRPr lang="en-US" dirty="0"/>
+                    </a:p>
+                  </a:txBody>
+                  <a:tcPr/>
+                </a:tc>
+                <a:tc>
+                  <a:txBody>
+                    <a:bodyPr/>
+                    <a:lstStyle/>
+                    <a:p>
+                      <a:r>
+                        <a:rPr lang="en-US" dirty="0" err="1"/>
+                        <a:t>Phức</a:t>
+                      </a:r>
+                      <a:r>
+                        <a:rPr lang="en-US" baseline="0" dirty="0"/>
+                        <a:t> </a:t>
+                      </a:r>
+                      <a:r>
+                        <a:rPr lang="en-US" baseline="0" dirty="0" err="1"/>
+                        <a:t>tạp</a:t>
+                      </a:r>
+                      <a:endParaRPr lang="en-US" dirty="0"/>
+                    </a:p>
+                  </a:txBody>
+                  <a:tcPr/>
+                </a:tc>
+                <a:extLst>
+                  <a:ext uri="{0D108BD9-81ED-4DB2-BD59-A6C34878D82A}">
+                    <a16:rowId xmlns:a16="http://schemas.microsoft.com/office/drawing/2014/main" val="10001"/>
+                  </a:ext>
+                </a:extLst>
+              </a:tr>
+              <a:tr h="482049">
+                <a:tc>
+                  <a:txBody>
+                    <a:bodyPr/>
+                    <a:lstStyle/>
+                    <a:p>
+                      <a:r>
+                        <a:rPr lang="en-US" dirty="0" err="1"/>
+                        <a:t>Thông</a:t>
+                      </a:r>
+                      <a:r>
+                        <a:rPr lang="en-US" baseline="0" dirty="0"/>
+                        <a:t> tin </a:t>
+                      </a:r>
+                      <a:r>
+                        <a:rPr lang="en-US" baseline="0" dirty="0" err="1"/>
+                        <a:t>ghi</a:t>
+                      </a:r>
+                      <a:r>
+                        <a:rPr lang="en-US" baseline="0" dirty="0"/>
+                        <a:t> </a:t>
+                      </a:r>
+                      <a:r>
+                        <a:rPr lang="en-US" baseline="0" dirty="0" err="1"/>
+                        <a:t>vào</a:t>
+                      </a:r>
+                      <a:r>
+                        <a:rPr lang="en-US" baseline="0" dirty="0"/>
+                        <a:t> </a:t>
+                      </a:r>
+                      <a:r>
+                        <a:rPr lang="en-US" baseline="0" dirty="0" err="1"/>
+                        <a:t>i</a:t>
+                      </a:r>
+                      <a:r>
+                        <a:rPr lang="en-US" baseline="0" dirty="0"/>
+                        <a:t>-node </a:t>
+                      </a:r>
+                      <a:r>
+                        <a:rPr lang="en-US" baseline="0" dirty="0" err="1"/>
+                        <a:t>là</a:t>
+                      </a:r>
+                      <a:r>
+                        <a:rPr lang="en-US" baseline="0" dirty="0"/>
+                        <a:t> </a:t>
+                      </a:r>
+                      <a:r>
+                        <a:rPr lang="en-US" baseline="0" dirty="0" err="1"/>
+                        <a:t>trạng</a:t>
+                      </a:r>
+                      <a:r>
+                        <a:rPr lang="en-US" baseline="0" dirty="0"/>
+                        <a:t> </a:t>
+                      </a:r>
+                      <a:r>
+                        <a:rPr lang="en-US" baseline="0" dirty="0" err="1"/>
+                        <a:t>thái</a:t>
+                      </a:r>
+                      <a:r>
+                        <a:rPr lang="en-US" baseline="0" dirty="0"/>
+                        <a:t> lock</a:t>
+                      </a:r>
+                      <a:endParaRPr lang="en-US" dirty="0"/>
+                    </a:p>
+                  </a:txBody>
+                  <a:tcPr/>
+                </a:tc>
+                <a:tc>
+                  <a:txBody>
+                    <a:bodyPr/>
+                    <a:lstStyle/>
+                    <a:p>
+                      <a:r>
+                        <a:rPr lang="en-US" dirty="0" err="1"/>
+                        <a:t>Thông</a:t>
+                      </a:r>
+                      <a:r>
+                        <a:rPr lang="en-US" baseline="0" dirty="0"/>
+                        <a:t> tin </a:t>
+                      </a:r>
+                      <a:r>
+                        <a:rPr lang="en-US" baseline="0" dirty="0" err="1"/>
+                        <a:t>ghi</a:t>
+                      </a:r>
+                      <a:r>
+                        <a:rPr lang="en-US" baseline="0" dirty="0"/>
+                        <a:t> </a:t>
+                      </a:r>
+                      <a:r>
+                        <a:rPr lang="en-US" baseline="0" dirty="0" err="1"/>
+                        <a:t>vào</a:t>
+                      </a:r>
+                      <a:r>
+                        <a:rPr lang="en-US" baseline="0" dirty="0"/>
+                        <a:t> </a:t>
+                      </a:r>
+                      <a:r>
+                        <a:rPr lang="en-US" baseline="0" dirty="0" err="1"/>
+                        <a:t>i</a:t>
+                      </a:r>
+                      <a:r>
+                        <a:rPr lang="en-US" baseline="0" dirty="0"/>
+                        <a:t>-node </a:t>
+                      </a:r>
+                      <a:r>
+                        <a:rPr lang="en-US" baseline="0" dirty="0" err="1"/>
+                        <a:t>là</a:t>
+                      </a:r>
+                      <a:r>
+                        <a:rPr lang="en-US" baseline="0" dirty="0"/>
+                        <a:t> </a:t>
+                      </a:r>
+                      <a:r>
+                        <a:rPr lang="en-US" baseline="0" dirty="0" err="1"/>
+                        <a:t>trạng</a:t>
+                      </a:r>
+                      <a:r>
+                        <a:rPr lang="en-US" baseline="0" dirty="0"/>
+                        <a:t> </a:t>
+                      </a:r>
+                      <a:r>
+                        <a:rPr lang="en-US" baseline="0" dirty="0" err="1"/>
+                        <a:t>thái</a:t>
+                      </a:r>
+                      <a:r>
+                        <a:rPr lang="en-US" baseline="0" dirty="0"/>
+                        <a:t> lock, </a:t>
+                      </a:r>
+                      <a:r>
+                        <a:rPr lang="en-US" baseline="0" dirty="0" err="1"/>
+                        <a:t>khu</a:t>
+                      </a:r>
+                      <a:r>
+                        <a:rPr lang="en-US" baseline="0" dirty="0"/>
+                        <a:t> </a:t>
+                      </a:r>
+                      <a:r>
+                        <a:rPr lang="en-US" baseline="0" dirty="0" err="1"/>
+                        <a:t>vực</a:t>
+                      </a:r>
+                      <a:r>
+                        <a:rPr lang="en-US" baseline="0" dirty="0"/>
+                        <a:t> lock, </a:t>
+                      </a:r>
+                      <a:r>
+                        <a:rPr lang="en-US" baseline="0" dirty="0" err="1"/>
+                        <a:t>tiến</a:t>
+                      </a:r>
+                      <a:r>
+                        <a:rPr lang="en-US" baseline="0" dirty="0"/>
+                        <a:t> </a:t>
+                      </a:r>
+                      <a:r>
+                        <a:rPr lang="en-US" baseline="0" dirty="0" err="1"/>
+                        <a:t>trình</a:t>
+                      </a:r>
+                      <a:r>
+                        <a:rPr lang="en-US" baseline="0" dirty="0"/>
+                        <a:t> lock</a:t>
+                      </a:r>
+                      <a:endParaRPr lang="en-US" dirty="0"/>
+                    </a:p>
+                  </a:txBody>
+                  <a:tcPr/>
+                </a:tc>
+                <a:extLst>
+                  <a:ext uri="{0D108BD9-81ED-4DB2-BD59-A6C34878D82A}">
+                    <a16:rowId xmlns:a16="http://schemas.microsoft.com/office/drawing/2014/main" val="10002"/>
+                  </a:ext>
+                </a:extLst>
+              </a:tr>
+              <a:tr h="832030">
+                <a:tc>
+                  <a:txBody>
+                    <a:bodyPr/>
+                    <a:lstStyle/>
+                    <a:p>
+                      <a:r>
+                        <a:rPr lang="en-US" dirty="0"/>
+                        <a:t>Lock </a:t>
+                      </a:r>
+                      <a:r>
+                        <a:rPr lang="en-US" dirty="0" err="1"/>
+                        <a:t>toàn</a:t>
+                      </a:r>
+                      <a:r>
+                        <a:rPr lang="en-US" baseline="0" dirty="0"/>
+                        <a:t> </a:t>
+                      </a:r>
+                      <a:r>
+                        <a:rPr lang="en-US" baseline="0" dirty="0" err="1"/>
+                        <a:t>bộ</a:t>
+                      </a:r>
+                      <a:r>
+                        <a:rPr lang="en-US" baseline="0" dirty="0"/>
+                        <a:t> file</a:t>
+                      </a:r>
+                      <a:endParaRPr lang="en-US" dirty="0"/>
+                    </a:p>
+                  </a:txBody>
+                  <a:tcPr/>
+                </a:tc>
+                <a:tc>
+                  <a:txBody>
+                    <a:bodyPr/>
+                    <a:lstStyle/>
+                    <a:p>
+                      <a:pPr marL="0" marR="0" lvl="0" indent="0" algn="l" defTabSz="914400" rtl="0" eaLnBrk="1" fontAlgn="auto" latinLnBrk="0" hangingPunct="1">
+                        <a:lnSpc>
+                          <a:spcPct val="100000"/>
+                        </a:lnSpc>
+                        <a:spcBef>
+                          <a:spcPts val="0"/>
+                        </a:spcBef>
+                        <a:spcAft>
+                          <a:spcPts val="0"/>
+                        </a:spcAft>
+                        <a:buClrTx/>
+                        <a:buSzTx/>
+                        <a:buFontTx/>
+                        <a:buNone/>
+                        <a:tabLst/>
+                        <a:defRPr/>
+                      </a:pPr>
+                      <a:r>
+                        <a:rPr lang="en-US" dirty="0"/>
+                        <a:t>Lock </a:t>
+                      </a:r>
+                      <a:r>
+                        <a:rPr lang="en-US" dirty="0" err="1"/>
+                        <a:t>được</a:t>
+                      </a:r>
+                      <a:r>
+                        <a:rPr lang="en-US" baseline="0" dirty="0"/>
+                        <a:t> </a:t>
+                      </a:r>
+                      <a:r>
+                        <a:rPr lang="en-US" baseline="0" dirty="0" err="1"/>
+                        <a:t>từng</a:t>
+                      </a:r>
+                      <a:r>
+                        <a:rPr lang="en-US" baseline="0" dirty="0"/>
+                        <a:t> </a:t>
+                      </a:r>
+                      <a:r>
+                        <a:rPr lang="en-US" baseline="0" dirty="0" err="1"/>
+                        <a:t>khu</a:t>
+                      </a:r>
+                      <a:r>
+                        <a:rPr lang="en-US" baseline="0" dirty="0"/>
+                        <a:t> </a:t>
+                      </a:r>
+                      <a:r>
+                        <a:rPr lang="en-US" baseline="0" dirty="0" err="1"/>
+                        <a:t>vực</a:t>
+                      </a:r>
+                      <a:r>
+                        <a:rPr lang="en-US" baseline="0" dirty="0"/>
+                        <a:t> </a:t>
+                      </a:r>
+                      <a:r>
+                        <a:rPr lang="en-US" baseline="0" dirty="0" err="1"/>
+                        <a:t>của</a:t>
+                      </a:r>
+                      <a:r>
+                        <a:rPr lang="en-US" baseline="0" dirty="0"/>
+                        <a:t> file</a:t>
+                      </a:r>
+                      <a:endParaRPr lang="en-US" dirty="0"/>
+                    </a:p>
+                    <a:p>
+                      <a:endParaRPr lang="en-US" dirty="0"/>
+                    </a:p>
+                  </a:txBody>
+                  <a:tcPr/>
+                </a:tc>
+                <a:extLst>
+                  <a:ext uri="{0D108BD9-81ED-4DB2-BD59-A6C34878D82A}">
+                    <a16:rowId xmlns:a16="http://schemas.microsoft.com/office/drawing/2014/main" val="10003"/>
+                  </a:ext>
+                </a:extLst>
+              </a:tr>
+              <a:tr h="832030">
+                <a:tc>
+                  <a:txBody>
+                    <a:bodyPr/>
+                    <a:lstStyle/>
+                    <a:p>
+                      <a:r>
+                        <a:rPr lang="en-US" dirty="0" err="1"/>
+                        <a:t>Tại</a:t>
+                      </a:r>
+                      <a:r>
+                        <a:rPr lang="en-US" baseline="0" dirty="0"/>
+                        <a:t> </a:t>
+                      </a:r>
+                      <a:r>
+                        <a:rPr lang="en-US" baseline="0" dirty="0" err="1"/>
+                        <a:t>một</a:t>
+                      </a:r>
+                      <a:r>
+                        <a:rPr lang="en-US" baseline="0" dirty="0"/>
+                        <a:t> </a:t>
+                      </a:r>
+                      <a:r>
+                        <a:rPr lang="en-US" baseline="0" dirty="0" err="1"/>
+                        <a:t>thời</a:t>
+                      </a:r>
+                      <a:r>
+                        <a:rPr lang="en-US" baseline="0" dirty="0"/>
+                        <a:t> </a:t>
+                      </a:r>
+                      <a:r>
+                        <a:rPr lang="en-US" baseline="0" dirty="0" err="1"/>
+                        <a:t>điểm</a:t>
+                      </a:r>
+                      <a:r>
+                        <a:rPr lang="en-US" baseline="0" dirty="0"/>
+                        <a:t> </a:t>
+                      </a:r>
+                      <a:r>
+                        <a:rPr lang="en-US" baseline="0" dirty="0" err="1"/>
+                        <a:t>c</a:t>
+                      </a:r>
+                      <a:r>
+                        <a:rPr lang="en-US" dirty="0" err="1"/>
+                        <a:t>hỉ</a:t>
+                      </a:r>
+                      <a:r>
+                        <a:rPr lang="en-US" baseline="0" dirty="0"/>
+                        <a:t> </a:t>
+                      </a:r>
+                      <a:r>
+                        <a:rPr lang="en-US" baseline="0" dirty="0" err="1"/>
+                        <a:t>m</a:t>
+                      </a:r>
+                      <a:r>
+                        <a:rPr lang="en-US" dirty="0" err="1"/>
+                        <a:t>ột</a:t>
+                      </a:r>
+                      <a:r>
+                        <a:rPr lang="en-US" baseline="0" dirty="0"/>
+                        <a:t> </a:t>
+                      </a:r>
+                      <a:r>
+                        <a:rPr lang="en-US" baseline="0" dirty="0" err="1"/>
+                        <a:t>tiến</a:t>
+                      </a:r>
+                      <a:r>
+                        <a:rPr lang="en-US" baseline="0" dirty="0"/>
+                        <a:t> </a:t>
+                      </a:r>
+                      <a:r>
+                        <a:rPr lang="en-US" baseline="0" dirty="0" err="1"/>
+                        <a:t>trình</a:t>
+                      </a:r>
+                      <a:r>
+                        <a:rPr lang="en-US" baseline="0" dirty="0"/>
+                        <a:t> </a:t>
+                      </a:r>
+                      <a:r>
+                        <a:rPr lang="en-US" baseline="0" dirty="0" err="1"/>
+                        <a:t>đọc</a:t>
+                      </a:r>
+                      <a:r>
+                        <a:rPr lang="en-US" baseline="0" dirty="0"/>
+                        <a:t>/</a:t>
+                      </a:r>
+                      <a:r>
+                        <a:rPr lang="en-US" baseline="0" dirty="0" err="1"/>
+                        <a:t>ghi</a:t>
+                      </a:r>
+                      <a:r>
+                        <a:rPr lang="en-US" baseline="0" dirty="0"/>
+                        <a:t> 1 file </a:t>
+                      </a:r>
+                      <a:endParaRPr lang="en-US" dirty="0"/>
+                    </a:p>
+                  </a:txBody>
+                  <a:tcPr/>
+                </a:tc>
+                <a:tc>
+                  <a:txBody>
+                    <a:bodyPr/>
+                    <a:lstStyle/>
+                    <a:p>
+                      <a:r>
+                        <a:rPr lang="en-US" dirty="0" err="1"/>
+                        <a:t>Nhiều</a:t>
+                      </a:r>
+                      <a:r>
+                        <a:rPr lang="en-US" baseline="0" dirty="0"/>
+                        <a:t> </a:t>
+                      </a:r>
+                      <a:r>
+                        <a:rPr lang="en-US" baseline="0" dirty="0" err="1"/>
+                        <a:t>tiến</a:t>
+                      </a:r>
+                      <a:r>
+                        <a:rPr lang="en-US" baseline="0" dirty="0"/>
+                        <a:t> </a:t>
+                      </a:r>
+                      <a:r>
+                        <a:rPr lang="en-US" baseline="0" dirty="0" err="1"/>
+                        <a:t>trình</a:t>
+                      </a:r>
+                      <a:r>
+                        <a:rPr lang="en-US" baseline="0" dirty="0"/>
+                        <a:t> </a:t>
+                      </a:r>
+                      <a:r>
+                        <a:rPr lang="en-US" baseline="0" dirty="0" err="1"/>
+                        <a:t>có</a:t>
+                      </a:r>
+                      <a:r>
+                        <a:rPr lang="en-US" baseline="0" dirty="0"/>
+                        <a:t> </a:t>
+                      </a:r>
+                      <a:r>
+                        <a:rPr lang="en-US" baseline="0" dirty="0" err="1"/>
+                        <a:t>thể</a:t>
+                      </a:r>
+                      <a:r>
+                        <a:rPr lang="en-US" baseline="0" dirty="0"/>
+                        <a:t> </a:t>
+                      </a:r>
+                      <a:r>
+                        <a:rPr lang="en-US" baseline="0" dirty="0" err="1"/>
+                        <a:t>đọc</a:t>
+                      </a:r>
+                      <a:r>
+                        <a:rPr lang="en-US" baseline="0" dirty="0"/>
+                        <a:t>/</a:t>
+                      </a:r>
+                      <a:r>
+                        <a:rPr lang="en-US" baseline="0" dirty="0" err="1"/>
+                        <a:t>ghi</a:t>
+                      </a:r>
+                      <a:r>
+                        <a:rPr lang="en-US" baseline="0" dirty="0"/>
+                        <a:t> </a:t>
+                      </a:r>
+                      <a:r>
+                        <a:rPr lang="en-US" baseline="0" dirty="0" err="1"/>
+                        <a:t>cùng</a:t>
+                      </a:r>
+                      <a:r>
+                        <a:rPr lang="en-US" baseline="0" dirty="0"/>
+                        <a:t> 1 file </a:t>
+                      </a:r>
+                      <a:r>
+                        <a:rPr lang="en-US" baseline="0" dirty="0" err="1"/>
+                        <a:t>mà</a:t>
+                      </a:r>
+                      <a:r>
+                        <a:rPr lang="en-US" baseline="0" dirty="0"/>
+                        <a:t> </a:t>
+                      </a:r>
+                      <a:r>
+                        <a:rPr lang="en-US" baseline="0" dirty="0" err="1"/>
+                        <a:t>không</a:t>
+                      </a:r>
+                      <a:r>
+                        <a:rPr lang="en-US" baseline="0" dirty="0"/>
+                        <a:t> </a:t>
+                      </a:r>
+                      <a:r>
+                        <a:rPr lang="en-US" baseline="0" dirty="0" err="1"/>
+                        <a:t>xung</a:t>
+                      </a:r>
+                      <a:r>
+                        <a:rPr lang="en-US" baseline="0" dirty="0"/>
+                        <a:t> </a:t>
+                      </a:r>
+                      <a:r>
+                        <a:rPr lang="en-US" baseline="0" dirty="0" err="1"/>
+                        <a:t>đột</a:t>
+                      </a:r>
+                      <a:endParaRPr lang="en-US" dirty="0"/>
+                    </a:p>
+                  </a:txBody>
+                  <a:tcPr/>
+                </a:tc>
+                <a:extLst>
+                  <a:ext uri="{0D108BD9-81ED-4DB2-BD59-A6C34878D82A}">
+                    <a16:rowId xmlns:a16="http://schemas.microsoft.com/office/drawing/2014/main" val="10004"/>
+                  </a:ext>
+                </a:extLst>
+              </a:tr>
+            </a:tbl>
+          </a:graphicData>
+        </a:graphic>
+      </p:graphicFrame>
+    </p:spTree>
+    <p:extLst>
+      <p:ext uri="{BB962C8B-B14F-4D97-AF65-F5344CB8AC3E}">
+        <p14:creationId xmlns:p14="http://schemas.microsoft.com/office/powerpoint/2010/main" val="3370698502"/>
+      </p:ext>
+    </p:extLst>
+  </p:cSld>
+  <p:clrMapOvr>
+    <a:masterClrMapping/>
+  </p:clrMapOvr>
+</p:sld>
+</file>
+
+<file path=ppt/slides/slide14.xml><?xml version="1.0" encoding="utf-8"?>
+<p:sld xmlns:a="http://schemas.openxmlformats.org/drawingml/2006/main" xmlns:r="http://schemas.openxmlformats.org/officeDocument/2006/relationships" xmlns:p="http://schemas.openxmlformats.org/presentationml/2006/main">
+  <p:cSld>
+    <p:bg>
+      <p:bgPr>
+        <a:solidFill>
+          <a:schemeClr val="bg1"/>
+        </a:solidFill>
+        <a:effectLst/>
+      </p:bgPr>
+    </p:bg>
+    <p:spTree>
+      <p:nvGrpSpPr>
+        <p:cNvPr id="1" name=""/>
+        <p:cNvGrpSpPr/>
+        <p:nvPr/>
+      </p:nvGrpSpPr>
+      <p:grpSpPr>
+        <a:xfrm>
+          <a:off x="0" y="0"/>
+          <a:ext cx="0" cy="0"/>
+          <a:chOff x="0" y="0"/>
+          <a:chExt cx="0" cy="0"/>
+        </a:xfrm>
+      </p:grpSpPr>
+      <p:sp useBgFill="1">
+        <p:nvSpPr>
+          <p:cNvPr id="27" name="Rectangle 26">
+            <a:extLst>
+              <a:ext uri="{FF2B5EF4-FFF2-40B4-BE49-F238E27FC236}">
+                <a16:creationId xmlns:a16="http://schemas.microsoft.com/office/drawing/2014/main" id="{0B9EE3F3-89B7-43C3-8651-C4C96830993D}"/>
+              </a:ext>
+              <a:ext uri="{C183D7F6-B498-43B3-948B-1728B52AA6E4}">
+                <adec:decorative xmlns:adec="http://schemas.microsoft.com/office/drawing/2017/decorative" val="1"/>
+              </a:ext>
+            </a:extLst>
+          </p:cNvPr>
+          <p:cNvSpPr>
+            <a:spLocks noGrp="1" noRot="1" noChangeAspect="1" noMove="1" noResize="1" noEditPoints="1" noAdjustHandles="1" noChangeArrowheads="1" noChangeShapeType="1" noTextEdit="1"/>
+          </p:cNvSpPr>
+          <p:nvPr>
+            <p:extLst>
+              <p:ext uri="{386F3935-93C4-4BCD-93E2-E3B085C9AB24}">
+                <p16:designElem xmlns:p16="http://schemas.microsoft.com/office/powerpoint/2015/main" val="1"/>
+              </p:ext>
+            </p:extLst>
+          </p:nvPr>
+        </p:nvSpPr>
+        <p:spPr>
+          <a:xfrm>
+            <a:off x="0" y="0"/>
+            <a:ext cx="12192000" cy="6858000"/>
+          </a:xfrm>
+          <a:prstGeom prst="rect">
+            <a:avLst/>
+          </a:prstGeom>
+          <a:ln>
+            <a:noFill/>
+          </a:ln>
+        </p:spPr>
+        <p:style>
+          <a:lnRef idx="2">
+            <a:schemeClr val="accent1">
+              <a:shade val="50000"/>
+            </a:schemeClr>
+          </a:lnRef>
+          <a:fillRef idx="1">
+            <a:schemeClr val="accent1"/>
+          </a:fillRef>
+          <a:effectRef idx="0">
+            <a:schemeClr val="accent1"/>
+          </a:effectRef>
+          <a:fontRef idx="minor">
+            <a:schemeClr val="lt1"/>
+          </a:fontRef>
+        </p:style>
+        <p:txBody>
+          <a:bodyPr rtlCol="0" anchor="ctr"/>
+          <a:lstStyle/>
+          <a:p>
+            <a:pPr algn="ctr"/>
+            <a:endParaRPr lang="en-US"/>
+          </a:p>
+        </p:txBody>
+      </p:sp>
+      <p:sp>
+        <p:nvSpPr>
+          <p:cNvPr id="8" name="TextBox 7"/>
+          <p:cNvSpPr txBox="1"/>
+          <p:nvPr/>
+        </p:nvSpPr>
+        <p:spPr>
+          <a:xfrm>
+            <a:off x="411480" y="938411"/>
+            <a:ext cx="4443154" cy="1087819"/>
+          </a:xfrm>
+          <a:prstGeom prst="rect">
+            <a:avLst/>
+          </a:prstGeom>
+        </p:spPr>
+        <p:txBody>
+          <a:bodyPr vert="horz" lIns="91440" tIns="45720" rIns="91440" bIns="45720" rtlCol="0" anchor="b">
+            <a:normAutofit/>
+          </a:bodyPr>
+          <a:lstStyle/>
+          <a:p>
+            <a:pPr>
+              <a:lnSpc>
+                <a:spcPct val="90000"/>
+              </a:lnSpc>
+              <a:spcBef>
+                <a:spcPct val="0"/>
+              </a:spcBef>
+              <a:spcAft>
+                <a:spcPts val="600"/>
+              </a:spcAft>
+            </a:pPr>
+            <a:r>
+              <a:rPr lang="en-US" sz="3400" b="1">
+                <a:latin typeface="Times New Roman" panose="02020603050405020304" pitchFamily="18" charset="0"/>
+                <a:ea typeface="+mj-ea"/>
+                <a:cs typeface="Times New Roman" panose="02020603050405020304" pitchFamily="18" charset="0"/>
+              </a:rPr>
+              <a:t>4</a:t>
+            </a:r>
+            <a:r>
+              <a:rPr lang="en-US" sz="3400" b="1" kern="1200">
+                <a:solidFill>
+                  <a:schemeClr val="tx1"/>
+                </a:solidFill>
+                <a:latin typeface="Times New Roman" panose="02020603050405020304" pitchFamily="18" charset="0"/>
+                <a:ea typeface="+mj-ea"/>
+                <a:cs typeface="Times New Roman" panose="02020603050405020304" pitchFamily="18" charset="0"/>
+              </a:rPr>
+              <a:t>. File Locking</a:t>
+            </a:r>
+          </a:p>
+        </p:txBody>
+      </p:sp>
+      <p:sp>
+        <p:nvSpPr>
+          <p:cNvPr id="29" name="Rectangle 28">
+            <a:extLst>
+              <a:ext uri="{FF2B5EF4-FFF2-40B4-BE49-F238E27FC236}">
+                <a16:creationId xmlns:a16="http://schemas.microsoft.com/office/drawing/2014/main" id="{33AE4636-AEEC-45D6-84D4-7AC2DA48ECF8}"/>
+              </a:ext>
+              <a:ext uri="{C183D7F6-B498-43B3-948B-1728B52AA6E4}">
+                <adec:decorative xmlns:adec="http://schemas.microsoft.com/office/drawing/2017/decorative" val="1"/>
+              </a:ext>
+            </a:extLst>
+          </p:cNvPr>
+          <p:cNvSpPr>
+            <a:spLocks noGrp="1" noRot="1" noChangeAspect="1" noMove="1" noResize="1" noEditPoints="1" noAdjustHandles="1" noChangeArrowheads="1" noChangeShapeType="1" noTextEdit="1"/>
+          </p:cNvSpPr>
+          <p:nvPr>
+            <p:extLst>
+              <p:ext uri="{386F3935-93C4-4BCD-93E2-E3B085C9AB24}">
+                <p16:designElem xmlns:p16="http://schemas.microsoft.com/office/powerpoint/2015/main" val="1"/>
+              </p:ext>
+            </p:extLst>
+          </p:nvPr>
+        </p:nvSpPr>
+        <p:spPr>
+          <a:xfrm rot="5400000">
+            <a:off x="649223" y="387939"/>
+            <a:ext cx="73152" cy="548640"/>
+          </a:xfrm>
+          <a:prstGeom prst="rect">
+            <a:avLst/>
+          </a:prstGeom>
+          <a:solidFill>
+            <a:schemeClr val="accent2"/>
+          </a:solidFill>
+          <a:ln>
+            <a:noFill/>
+          </a:ln>
+        </p:spPr>
+        <p:style>
+          <a:lnRef idx="2">
+            <a:schemeClr val="accent1">
+              <a:shade val="50000"/>
+            </a:schemeClr>
+          </a:lnRef>
+          <a:fillRef idx="1">
+            <a:schemeClr val="accent1"/>
+          </a:fillRef>
+          <a:effectRef idx="0">
+            <a:schemeClr val="accent1"/>
+          </a:effectRef>
+          <a:fontRef idx="minor">
+            <a:schemeClr val="lt1"/>
+          </a:fontRef>
+        </p:style>
+        <p:txBody>
+          <a:bodyPr rtlCol="0" anchor="ctr"/>
+          <a:lstStyle/>
+          <a:p>
+            <a:pPr algn="ctr"/>
+            <a:endParaRPr lang="en-US">
+              <a:solidFill>
+                <a:prstClr val="white"/>
+              </a:solidFill>
+              <a:latin typeface="Calibri" panose="020F0502020204030204"/>
+            </a:endParaRPr>
+          </a:p>
+        </p:txBody>
+      </p:sp>
+      <p:sp>
+        <p:nvSpPr>
+          <p:cNvPr id="31" name="Rectangle 30">
+            <a:extLst>
+              <a:ext uri="{FF2B5EF4-FFF2-40B4-BE49-F238E27FC236}">
+                <a16:creationId xmlns:a16="http://schemas.microsoft.com/office/drawing/2014/main" id="{8D9CE0F4-2EB2-4F1F-8AAC-DB3571D9FE10}"/>
+              </a:ext>
+              <a:ext uri="{C183D7F6-B498-43B3-948B-1728B52AA6E4}">
+                <adec:decorative xmlns:adec="http://schemas.microsoft.com/office/drawing/2017/decorative" val="1"/>
+              </a:ext>
+            </a:extLst>
+          </p:cNvPr>
+          <p:cNvSpPr>
+            <a:spLocks noGrp="1" noRot="1" noChangeAspect="1" noMove="1" noResize="1" noEditPoints="1" noAdjustHandles="1" noChangeArrowheads="1" noChangeShapeType="1" noTextEdit="1"/>
+          </p:cNvSpPr>
+          <p:nvPr>
+            <p:extLst>
+              <p:ext uri="{386F3935-93C4-4BCD-93E2-E3B085C9AB24}">
+                <p16:designElem xmlns:p16="http://schemas.microsoft.com/office/powerpoint/2015/main" val="1"/>
+              </p:ext>
+            </p:extLst>
+          </p:nvPr>
+        </p:nvSpPr>
+        <p:spPr>
+          <a:xfrm>
+            <a:off x="411480" y="2285541"/>
+            <a:ext cx="4389120" cy="18288"/>
+          </a:xfrm>
+          <a:prstGeom prst="rect">
+            <a:avLst/>
+          </a:prstGeom>
+          <a:solidFill>
+            <a:srgbClr val="D5D5D5"/>
+          </a:solidFill>
+          <a:ln w="3175">
+            <a:noFill/>
+          </a:ln>
+          <a:effectLst/>
+        </p:spPr>
+        <p:style>
+          <a:lnRef idx="2">
+            <a:schemeClr val="accent1">
+              <a:shade val="50000"/>
+            </a:schemeClr>
+          </a:lnRef>
+          <a:fillRef idx="1">
+            <a:schemeClr val="accent1"/>
+          </a:fillRef>
+          <a:effectRef idx="0">
+            <a:schemeClr val="accent1"/>
+          </a:effectRef>
+          <a:fontRef idx="minor">
+            <a:schemeClr val="lt1"/>
+          </a:fontRef>
+        </p:style>
+        <p:txBody>
+          <a:bodyPr rtlCol="0" anchor="ctr"/>
+          <a:lstStyle/>
+          <a:p>
+            <a:pPr algn="ctr"/>
+            <a:endParaRPr lang="en-US">
+              <a:solidFill>
+                <a:prstClr val="white"/>
+              </a:solidFill>
+              <a:latin typeface="Calibri" panose="020F0502020204030204"/>
+            </a:endParaRPr>
+          </a:p>
+        </p:txBody>
+      </p:sp>
+      <p:sp>
+        <p:nvSpPr>
+          <p:cNvPr id="15" name="TextBox 14"/>
+          <p:cNvSpPr txBox="1"/>
+          <p:nvPr/>
+        </p:nvSpPr>
+        <p:spPr>
+          <a:xfrm>
+            <a:off x="167317" y="2488614"/>
+            <a:ext cx="4443154" cy="3492868"/>
+          </a:xfrm>
+          <a:prstGeom prst="rect">
+            <a:avLst/>
+          </a:prstGeom>
+        </p:spPr>
+        <p:txBody>
+          <a:bodyPr vert="horz" lIns="91440" tIns="45720" rIns="91440" bIns="45720" rtlCol="0">
+            <a:normAutofit/>
+          </a:bodyPr>
+          <a:lstStyle/>
+          <a:p>
+            <a:pPr marL="342900" indent="-228600">
+              <a:lnSpc>
+                <a:spcPct val="90000"/>
+              </a:lnSpc>
+              <a:spcAft>
+                <a:spcPts val="600"/>
+              </a:spcAft>
+              <a:buFont typeface="Arial" panose="020B0604020202020204" pitchFamily="34" charset="0"/>
+              <a:buChar char="•"/>
+            </a:pPr>
+            <a:endParaRPr lang="en-US"/>
+          </a:p>
+          <a:p>
+            <a:pPr indent="-228600">
+              <a:lnSpc>
+                <a:spcPct val="90000"/>
+              </a:lnSpc>
+              <a:spcAft>
+                <a:spcPts val="600"/>
+              </a:spcAft>
+              <a:buFont typeface="Arial" panose="020B0604020202020204" pitchFamily="34" charset="0"/>
+              <a:buChar char="•"/>
+            </a:pPr>
+            <a:endParaRPr lang="en-US" b="1"/>
+          </a:p>
+        </p:txBody>
+      </p:sp>
+      <p:sp>
+        <p:nvSpPr>
+          <p:cNvPr id="17" name="TextBox 16">
+            <a:extLst>
+              <a:ext uri="{FF2B5EF4-FFF2-40B4-BE49-F238E27FC236}">
+                <a16:creationId xmlns:a16="http://schemas.microsoft.com/office/drawing/2014/main" id="{490D3672-8D2E-4D18-A925-FCC966025A7D}"/>
+              </a:ext>
+            </a:extLst>
+          </p:cNvPr>
+          <p:cNvSpPr txBox="1"/>
+          <p:nvPr/>
+        </p:nvSpPr>
+        <p:spPr>
+          <a:xfrm>
+            <a:off x="0" y="6443866"/>
+            <a:ext cx="12192000" cy="425628"/>
+          </a:xfrm>
+          <a:prstGeom prst="rect">
+            <a:avLst/>
+          </a:prstGeom>
+          <a:solidFill>
+            <a:schemeClr val="accent2">
+              <a:lumMod val="50000"/>
+            </a:schemeClr>
+          </a:solidFill>
+        </p:spPr>
+        <p:txBody>
+          <a:bodyPr wrap="square" rtlCol="0">
+            <a:spAutoFit/>
+          </a:bodyPr>
+          <a:lstStyle/>
+          <a:p>
+            <a:pPr algn="ctr"/>
+            <a:endParaRPr lang="en-US" sz="5400" b="1" dirty="0">
+              <a:solidFill>
+                <a:schemeClr val="bg1"/>
+              </a:solidFill>
+            </a:endParaRPr>
+          </a:p>
+        </p:txBody>
+      </p:sp>
+      <p:sp>
+        <p:nvSpPr>
+          <p:cNvPr id="9" name="TextBox 8">
+            <a:extLst>
+              <a:ext uri="{FF2B5EF4-FFF2-40B4-BE49-F238E27FC236}">
+                <a16:creationId xmlns:a16="http://schemas.microsoft.com/office/drawing/2014/main" id="{3DA8F654-5348-4031-80CC-7D27056177CB}"/>
+              </a:ext>
+            </a:extLst>
+          </p:cNvPr>
+          <p:cNvSpPr txBox="1"/>
+          <p:nvPr/>
+        </p:nvSpPr>
+        <p:spPr>
+          <a:xfrm>
+            <a:off x="321605" y="2488614"/>
+            <a:ext cx="5386420" cy="3492868"/>
+          </a:xfrm>
+          <a:prstGeom prst="rect">
+            <a:avLst/>
+          </a:prstGeom>
+        </p:spPr>
+        <p:txBody>
+          <a:bodyPr vert="horz" lIns="91440" tIns="45720" rIns="91440" bIns="45720" rtlCol="0">
+            <a:normAutofit/>
+          </a:bodyPr>
+          <a:lstStyle/>
+          <a:p>
+            <a:pPr marL="342900" lvl="0" indent="-342900">
+              <a:buFont typeface="Arial" panose="020B0604020202020204" pitchFamily="34" charset="0"/>
+              <a:buChar char="•"/>
+            </a:pPr>
+            <a:r>
+              <a:rPr lang="en-US" sz="2000">
+                <a:latin typeface="Times New Roman" panose="02020603050405020304" pitchFamily="18" charset="0"/>
+                <a:cs typeface="Times New Roman" panose="02020603050405020304" pitchFamily="18" charset="0"/>
+              </a:rPr>
+              <a:t>Lock file với flock()</a:t>
+            </a:r>
+            <a:endParaRPr lang="en-US" sz="2000" dirty="0">
+              <a:latin typeface="Times New Roman" panose="02020603050405020304" pitchFamily="18" charset="0"/>
+              <a:cs typeface="Times New Roman" panose="02020603050405020304" pitchFamily="18" charset="0"/>
+            </a:endParaRPr>
+          </a:p>
+        </p:txBody>
+      </p:sp>
+      <p:grpSp>
+        <p:nvGrpSpPr>
+          <p:cNvPr id="11" name="Group 10">
+            <a:extLst>
+              <a:ext uri="{FF2B5EF4-FFF2-40B4-BE49-F238E27FC236}">
+                <a16:creationId xmlns:a16="http://schemas.microsoft.com/office/drawing/2014/main" id="{8340FB49-B93E-4241-914B-976703D5D631}"/>
+              </a:ext>
+            </a:extLst>
+          </p:cNvPr>
+          <p:cNvGrpSpPr/>
+          <p:nvPr/>
+        </p:nvGrpSpPr>
+        <p:grpSpPr>
+          <a:xfrm>
+            <a:off x="5212080" y="625683"/>
+            <a:ext cx="6585283" cy="4544624"/>
+            <a:chOff x="0" y="1419689"/>
+            <a:chExt cx="6900512" cy="4560656"/>
+          </a:xfrm>
+        </p:grpSpPr>
+        <p:sp>
+          <p:nvSpPr>
+            <p:cNvPr id="12" name="Rectangle 11">
+              <a:extLst>
+                <a:ext uri="{FF2B5EF4-FFF2-40B4-BE49-F238E27FC236}">
+                  <a16:creationId xmlns:a16="http://schemas.microsoft.com/office/drawing/2014/main" id="{D68DECE5-1D02-4017-B5D4-02E94FCBBC1F}"/>
+                </a:ext>
+              </a:extLst>
+            </p:cNvPr>
+            <p:cNvSpPr/>
+            <p:nvPr/>
+          </p:nvSpPr>
+          <p:spPr>
+            <a:xfrm>
+              <a:off x="0" y="1419690"/>
+              <a:ext cx="6900512" cy="4019400"/>
+            </a:xfrm>
+            <a:prstGeom prst="rect">
+              <a:avLst/>
+            </a:prstGeom>
+          </p:spPr>
+          <p:style>
+            <a:lnRef idx="2">
+              <a:schemeClr val="accent2">
+                <a:hueOff val="-1455363"/>
+                <a:satOff val="-83928"/>
+                <a:lumOff val="8628"/>
+                <a:alphaOff val="0"/>
+              </a:schemeClr>
+            </a:lnRef>
+            <a:fillRef idx="1">
+              <a:schemeClr val="lt1">
+                <a:alpha val="90000"/>
+                <a:hueOff val="0"/>
+                <a:satOff val="0"/>
+                <a:lumOff val="0"/>
+                <a:alphaOff val="0"/>
+              </a:schemeClr>
+            </a:fillRef>
+            <a:effectRef idx="0">
+              <a:schemeClr val="lt1">
+                <a:alpha val="90000"/>
+                <a:hueOff val="0"/>
+                <a:satOff val="0"/>
+                <a:lumOff val="0"/>
+                <a:alphaOff val="0"/>
+              </a:schemeClr>
+            </a:effectRef>
+            <a:fontRef idx="minor">
+              <a:schemeClr val="dk1">
+                <a:hueOff val="0"/>
+                <a:satOff val="0"/>
+                <a:lumOff val="0"/>
+                <a:alphaOff val="0"/>
+              </a:schemeClr>
+            </a:fontRef>
+          </p:style>
+        </p:sp>
+        <p:sp>
+          <p:nvSpPr>
+            <p:cNvPr id="13" name="TextBox 12">
+              <a:extLst>
+                <a:ext uri="{FF2B5EF4-FFF2-40B4-BE49-F238E27FC236}">
+                  <a16:creationId xmlns:a16="http://schemas.microsoft.com/office/drawing/2014/main" id="{1C6DB8E8-3404-453B-8F2C-2388728BD3CA}"/>
+                </a:ext>
+              </a:extLst>
+            </p:cNvPr>
+            <p:cNvSpPr txBox="1"/>
+            <p:nvPr/>
+          </p:nvSpPr>
+          <p:spPr>
+            <a:xfrm>
+              <a:off x="1" y="1419689"/>
+              <a:ext cx="6833424" cy="4560656"/>
+            </a:xfrm>
+            <a:prstGeom prst="rect">
+              <a:avLst/>
+            </a:prstGeom>
+          </p:spPr>
+          <p:style>
+            <a:lnRef idx="0">
+              <a:scrgbClr r="0" g="0" b="0"/>
+            </a:lnRef>
+            <a:fillRef idx="0">
+              <a:scrgbClr r="0" g="0" b="0"/>
+            </a:fillRef>
+            <a:effectRef idx="0">
+              <a:scrgbClr r="0" g="0" b="0"/>
+            </a:effectRef>
+            <a:fontRef idx="minor">
+              <a:schemeClr val="dk1">
+                <a:hueOff val="0"/>
+                <a:satOff val="0"/>
+                <a:lumOff val="0"/>
+                <a:alphaOff val="0"/>
+              </a:schemeClr>
+            </a:fontRef>
+          </p:style>
+          <p:txBody>
+            <a:bodyPr spcFirstLastPara="0" vert="horz" wrap="square" lIns="535556" tIns="458216" rIns="535556" bIns="156464" numCol="1" spcCol="1270" anchor="t" anchorCtr="0">
+              <a:noAutofit/>
+            </a:bodyPr>
+            <a:lstStyle/>
+            <a:p>
+              <a:pPr marL="0" lvl="1" defTabSz="977900">
+                <a:lnSpc>
+                  <a:spcPct val="90000"/>
+                </a:lnSpc>
+                <a:spcBef>
+                  <a:spcPct val="0"/>
+                </a:spcBef>
+                <a:spcAft>
+                  <a:spcPct val="15000"/>
+                </a:spcAft>
+              </a:pPr>
+              <a:r>
+                <a:rPr lang="en-US" sz="1600">
+                  <a:solidFill>
+                    <a:schemeClr val="tx1"/>
+                  </a:solidFill>
+                  <a:effectLst/>
+                  <a:ea typeface="Times New Roman" panose="02020603050405020304" pitchFamily="18" charset="0"/>
+                </a:rPr>
+                <a:t>Flock dựa vào thông tin file descriptor để đặt trạng thái lock vào i-node table.</a:t>
+              </a:r>
+            </a:p>
+            <a:p>
+              <a:pPr marL="0" lvl="1" defTabSz="977900">
+                <a:lnSpc>
+                  <a:spcPct val="90000"/>
+                </a:lnSpc>
+                <a:spcBef>
+                  <a:spcPct val="0"/>
+                </a:spcBef>
+                <a:spcAft>
+                  <a:spcPct val="15000"/>
+                </a:spcAft>
+              </a:pPr>
+              <a:endParaRPr lang="en-US" sz="1600">
+                <a:solidFill>
+                  <a:schemeClr val="tx1"/>
+                </a:solidFill>
+                <a:effectLst/>
+                <a:ea typeface="Times New Roman" panose="02020603050405020304" pitchFamily="18" charset="0"/>
+              </a:endParaRPr>
+            </a:p>
+            <a:p>
+              <a:pPr marL="0" lvl="1" defTabSz="977900">
+                <a:lnSpc>
+                  <a:spcPct val="90000"/>
+                </a:lnSpc>
+                <a:spcBef>
+                  <a:spcPct val="0"/>
+                </a:spcBef>
+                <a:spcAft>
+                  <a:spcPct val="15000"/>
+                </a:spcAft>
+              </a:pPr>
+              <a:r>
+                <a:rPr lang="en-US" sz="1600">
+                  <a:solidFill>
+                    <a:schemeClr val="tx1"/>
+                  </a:solidFill>
+                </a:rPr>
+                <a:t>Các đối số:</a:t>
+              </a:r>
+            </a:p>
+            <a:p>
+              <a:pPr marL="285750" lvl="1" indent="-285750" defTabSz="977900">
+                <a:lnSpc>
+                  <a:spcPct val="90000"/>
+                </a:lnSpc>
+                <a:spcBef>
+                  <a:spcPct val="0"/>
+                </a:spcBef>
+                <a:spcAft>
+                  <a:spcPct val="15000"/>
+                </a:spcAft>
+                <a:buFont typeface="Arial" panose="020B0604020202020204" pitchFamily="34" charset="0"/>
+                <a:buChar char="•"/>
+              </a:pPr>
+              <a:r>
+                <a:rPr lang="en-US" sz="1600">
+                  <a:solidFill>
+                    <a:schemeClr val="tx1"/>
+                  </a:solidFill>
+                </a:rPr>
+                <a:t>Fd: file descriptor của file cần lock</a:t>
+              </a:r>
+            </a:p>
+            <a:p>
+              <a:pPr marL="285750" lvl="1" indent="-285750" defTabSz="977900">
+                <a:lnSpc>
+                  <a:spcPct val="90000"/>
+                </a:lnSpc>
+                <a:spcBef>
+                  <a:spcPct val="0"/>
+                </a:spcBef>
+                <a:spcAft>
+                  <a:spcPct val="15000"/>
+                </a:spcAft>
+                <a:buFont typeface="Arial" panose="020B0604020202020204" pitchFamily="34" charset="0"/>
+                <a:buChar char="•"/>
+              </a:pPr>
+              <a:r>
+                <a:rPr lang="en-US" sz="1600">
+                  <a:solidFill>
+                    <a:schemeClr val="tx1"/>
+                  </a:solidFill>
+                  <a:effectLst/>
+                  <a:ea typeface="Times New Roman" panose="02020603050405020304" pitchFamily="18" charset="0"/>
+                </a:rPr>
+                <a:t>Operation: giá trị lock muốn set</a:t>
+              </a:r>
+            </a:p>
+            <a:p>
+              <a:pPr marL="742950" lvl="2" indent="-285750" defTabSz="977900">
+                <a:lnSpc>
+                  <a:spcPct val="90000"/>
+                </a:lnSpc>
+                <a:spcBef>
+                  <a:spcPct val="0"/>
+                </a:spcBef>
+                <a:spcAft>
+                  <a:spcPct val="15000"/>
+                </a:spcAft>
+                <a:buFont typeface="Arial" panose="020B0604020202020204" pitchFamily="34" charset="0"/>
+                <a:buChar char="•"/>
+              </a:pPr>
+              <a:r>
+                <a:rPr lang="en-US" sz="1600">
+                  <a:solidFill>
+                    <a:schemeClr val="tx1"/>
+                  </a:solidFill>
+                  <a:effectLst/>
+                  <a:ea typeface="Times New Roman" panose="02020603050405020304" pitchFamily="18" charset="0"/>
+                </a:rPr>
+                <a:t>LOCK_SH: nếu set giá trị này thành công tiến trình có thể đọc file, không ghi.</a:t>
+              </a:r>
+            </a:p>
+            <a:p>
+              <a:pPr marL="742950" lvl="2" indent="-285750" defTabSz="977900">
+                <a:lnSpc>
+                  <a:spcPct val="90000"/>
+                </a:lnSpc>
+                <a:spcBef>
+                  <a:spcPct val="0"/>
+                </a:spcBef>
+                <a:spcAft>
+                  <a:spcPct val="15000"/>
+                </a:spcAft>
+                <a:buFont typeface="Arial" panose="020B0604020202020204" pitchFamily="34" charset="0"/>
+                <a:buChar char="•"/>
+              </a:pPr>
+              <a:r>
+                <a:rPr lang="en-US" sz="1600">
+                  <a:solidFill>
+                    <a:schemeClr val="tx1"/>
+                  </a:solidFill>
+                  <a:effectLst/>
+                  <a:ea typeface="Times New Roman" panose="02020603050405020304" pitchFamily="18" charset="0"/>
+                </a:rPr>
+                <a:t>LOCK_EX: nếu set giá trị này thành công tiến trình có thể đọc ghi file.</a:t>
+              </a:r>
+            </a:p>
+            <a:p>
+              <a:pPr marL="742950" lvl="2" indent="-285750" defTabSz="977900">
+                <a:lnSpc>
+                  <a:spcPct val="90000"/>
+                </a:lnSpc>
+                <a:spcBef>
+                  <a:spcPct val="0"/>
+                </a:spcBef>
+                <a:spcAft>
+                  <a:spcPct val="15000"/>
+                </a:spcAft>
+                <a:buFont typeface="Arial" panose="020B0604020202020204" pitchFamily="34" charset="0"/>
+                <a:buChar char="•"/>
+              </a:pPr>
+              <a:r>
+                <a:rPr lang="en-US" sz="1600">
+                  <a:solidFill>
+                    <a:schemeClr val="tx1"/>
+                  </a:solidFill>
+                  <a:effectLst/>
+                  <a:ea typeface="Times New Roman" panose="02020603050405020304" pitchFamily="18" charset="0"/>
+                </a:rPr>
+                <a:t>LOCK_UN: set giá trị này để báo file không bị lock.</a:t>
+              </a:r>
+            </a:p>
+            <a:p>
+              <a:pPr marL="742950" lvl="2" indent="-285750" defTabSz="977900">
+                <a:lnSpc>
+                  <a:spcPct val="90000"/>
+                </a:lnSpc>
+                <a:spcBef>
+                  <a:spcPct val="0"/>
+                </a:spcBef>
+                <a:spcAft>
+                  <a:spcPct val="15000"/>
+                </a:spcAft>
+                <a:buFont typeface="Arial" panose="020B0604020202020204" pitchFamily="34" charset="0"/>
+                <a:buChar char="•"/>
+              </a:pPr>
+              <a:r>
+                <a:rPr lang="en-US" sz="1600">
+                  <a:solidFill>
+                    <a:schemeClr val="tx1"/>
+                  </a:solidFill>
+                  <a:effectLst/>
+                  <a:ea typeface="Times New Roman" panose="02020603050405020304" pitchFamily="18" charset="0"/>
+                </a:rPr>
+                <a:t>LOCK_NB: nếu không dùng flag này hàm flock sẽ không kết thúc cho tới khi set được lock.</a:t>
+              </a:r>
+            </a:p>
+            <a:p>
+              <a:pPr marL="285750" lvl="1" indent="-285750" defTabSz="977900">
+                <a:lnSpc>
+                  <a:spcPct val="90000"/>
+                </a:lnSpc>
+                <a:spcBef>
+                  <a:spcPct val="0"/>
+                </a:spcBef>
+                <a:spcAft>
+                  <a:spcPct val="15000"/>
+                </a:spcAft>
+                <a:buFont typeface="Arial" panose="020B0604020202020204" pitchFamily="34" charset="0"/>
+                <a:buChar char="•"/>
+              </a:pPr>
+              <a:endParaRPr lang="en-US" sz="1600">
+                <a:solidFill>
+                  <a:schemeClr val="tx1"/>
+                </a:solidFill>
+              </a:endParaRPr>
+            </a:p>
+            <a:p>
+              <a:pPr marL="228600" lvl="1" indent="-228600" algn="l" defTabSz="977900">
+                <a:lnSpc>
+                  <a:spcPct val="90000"/>
+                </a:lnSpc>
+                <a:spcBef>
+                  <a:spcPct val="0"/>
+                </a:spcBef>
+                <a:spcAft>
+                  <a:spcPct val="15000"/>
+                </a:spcAft>
+                <a:buChar char="•"/>
+              </a:pPr>
+              <a:endParaRPr lang="en-US" sz="1600" kern="1200">
+                <a:solidFill>
+                  <a:schemeClr val="tx1"/>
+                </a:solidFill>
+              </a:endParaRPr>
+            </a:p>
+          </p:txBody>
+        </p:sp>
+      </p:grpSp>
+      <p:grpSp>
+        <p:nvGrpSpPr>
+          <p:cNvPr id="14" name="Group 13">
+            <a:extLst>
+              <a:ext uri="{FF2B5EF4-FFF2-40B4-BE49-F238E27FC236}">
+                <a16:creationId xmlns:a16="http://schemas.microsoft.com/office/drawing/2014/main" id="{85C5E227-42B1-44AE-B83A-F0D1713603E5}"/>
+              </a:ext>
+            </a:extLst>
+          </p:cNvPr>
+          <p:cNvGrpSpPr/>
+          <p:nvPr/>
+        </p:nvGrpSpPr>
+        <p:grpSpPr>
+          <a:xfrm>
+            <a:off x="4871477" y="432861"/>
+            <a:ext cx="3700281" cy="349072"/>
+            <a:chOff x="345025" y="1094970"/>
+            <a:chExt cx="4830358" cy="649440"/>
+          </a:xfrm>
+        </p:grpSpPr>
+        <p:sp>
+          <p:nvSpPr>
+            <p:cNvPr id="16" name="Rectangle: Rounded Corners 15">
+              <a:extLst>
+                <a:ext uri="{FF2B5EF4-FFF2-40B4-BE49-F238E27FC236}">
+                  <a16:creationId xmlns:a16="http://schemas.microsoft.com/office/drawing/2014/main" id="{76B7F7F9-FA0F-4A3C-99F4-8CAFF54DF4F0}"/>
+                </a:ext>
+              </a:extLst>
+            </p:cNvPr>
+            <p:cNvSpPr/>
+            <p:nvPr/>
+          </p:nvSpPr>
+          <p:spPr>
+            <a:xfrm>
+              <a:off x="345025" y="1094970"/>
+              <a:ext cx="4830358" cy="649440"/>
+            </a:xfrm>
+            <a:prstGeom prst="roundRect">
+              <a:avLst/>
+            </a:prstGeom>
+          </p:spPr>
+          <p:style>
+            <a:lnRef idx="2">
+              <a:schemeClr val="lt1">
+                <a:hueOff val="0"/>
+                <a:satOff val="0"/>
+                <a:lumOff val="0"/>
+                <a:alphaOff val="0"/>
+              </a:schemeClr>
+            </a:lnRef>
+            <a:fillRef idx="1">
+              <a:schemeClr val="accent2">
+                <a:hueOff val="-1455363"/>
+                <a:satOff val="-83928"/>
+                <a:lumOff val="8628"/>
+                <a:alphaOff val="0"/>
+              </a:schemeClr>
+            </a:fillRef>
+            <a:effectRef idx="0">
+              <a:schemeClr val="accent2">
+                <a:hueOff val="-1455363"/>
+                <a:satOff val="-83928"/>
+                <a:lumOff val="8628"/>
+                <a:alphaOff val="0"/>
+              </a:schemeClr>
+            </a:effectRef>
+            <a:fontRef idx="minor">
+              <a:schemeClr val="lt1"/>
+            </a:fontRef>
+          </p:style>
+        </p:sp>
+        <p:sp>
+          <p:nvSpPr>
+            <p:cNvPr id="18" name="Rectangle: Rounded Corners 9">
+              <a:extLst>
+                <a:ext uri="{FF2B5EF4-FFF2-40B4-BE49-F238E27FC236}">
+                  <a16:creationId xmlns:a16="http://schemas.microsoft.com/office/drawing/2014/main" id="{459967CA-2CDF-4D01-A736-72A1A9D94942}"/>
+                </a:ext>
+              </a:extLst>
+            </p:cNvPr>
+            <p:cNvSpPr txBox="1"/>
+            <p:nvPr/>
+          </p:nvSpPr>
+          <p:spPr>
+            <a:xfrm>
+              <a:off x="376729" y="1126673"/>
+              <a:ext cx="4766954" cy="586033"/>
+            </a:xfrm>
+            <a:prstGeom prst="rect">
+              <a:avLst/>
+            </a:prstGeom>
+          </p:spPr>
+          <p:style>
+            <a:lnRef idx="0">
+              <a:scrgbClr r="0" g="0" b="0"/>
+            </a:lnRef>
+            <a:fillRef idx="0">
+              <a:scrgbClr r="0" g="0" b="0"/>
+            </a:fillRef>
+            <a:effectRef idx="0">
+              <a:scrgbClr r="0" g="0" b="0"/>
+            </a:effectRef>
+            <a:fontRef idx="minor">
+              <a:schemeClr val="lt1"/>
+            </a:fontRef>
+          </p:style>
+          <p:txBody>
+            <a:bodyPr spcFirstLastPara="0" vert="horz" wrap="square" lIns="182576" tIns="0" rIns="182576" bIns="0" numCol="1" spcCol="1270" anchor="ctr" anchorCtr="0">
+              <a:noAutofit/>
+            </a:bodyPr>
+            <a:lstStyle/>
+            <a:p>
+              <a:r>
+                <a:rPr lang="en-US" sz="2000">
+                  <a:solidFill>
+                    <a:schemeClr val="bg1"/>
+                  </a:solidFill>
+                </a:rPr>
+                <a:t>int flock(int fd, int operation);</a:t>
+              </a:r>
+              <a:endParaRPr lang="en-US" sz="2000" dirty="0">
+                <a:solidFill>
+                  <a:schemeClr val="bg1"/>
+                </a:solidFill>
+              </a:endParaRPr>
+            </a:p>
+          </p:txBody>
+        </p:sp>
+      </p:grpSp>
+      <p:graphicFrame>
+        <p:nvGraphicFramePr>
+          <p:cNvPr id="19" name="Table 18">
+            <a:extLst>
+              <a:ext uri="{FF2B5EF4-FFF2-40B4-BE49-F238E27FC236}">
+                <a16:creationId xmlns:a16="http://schemas.microsoft.com/office/drawing/2014/main" id="{0EC1F777-91BA-4E08-84E8-4989B3D8E4D2}"/>
+              </a:ext>
+            </a:extLst>
+          </p:cNvPr>
+          <p:cNvGraphicFramePr>
+            <a:graphicFrameLocks noGrp="1"/>
+          </p:cNvGraphicFramePr>
+          <p:nvPr>
+            <p:extLst>
+              <p:ext uri="{D42A27DB-BD31-4B8C-83A1-F6EECF244321}">
+                <p14:modId xmlns:p14="http://schemas.microsoft.com/office/powerpoint/2010/main" val="4196853721"/>
+              </p:ext>
+            </p:extLst>
+          </p:nvPr>
+        </p:nvGraphicFramePr>
+        <p:xfrm>
+          <a:off x="6270051" y="4469253"/>
+          <a:ext cx="5811655" cy="1435261"/>
+        </p:xfrm>
+        <a:graphic>
+          <a:graphicData uri="http://schemas.openxmlformats.org/drawingml/2006/table">
+            <a:tbl>
+              <a:tblPr firstRow="1" firstCol="1" bandRow="1">
+                <a:tableStyleId>{21E4AEA4-8DFA-4A89-87EB-49C32662AFE0}</a:tableStyleId>
+              </a:tblPr>
+              <a:tblGrid>
+                <a:gridCol w="1949717">
+                  <a:extLst>
+                    <a:ext uri="{9D8B030D-6E8A-4147-A177-3AD203B41FA5}">
+                      <a16:colId xmlns:a16="http://schemas.microsoft.com/office/drawing/2014/main" val="20000"/>
+                    </a:ext>
+                  </a:extLst>
+                </a:gridCol>
+                <a:gridCol w="1930969">
+                  <a:extLst>
+                    <a:ext uri="{9D8B030D-6E8A-4147-A177-3AD203B41FA5}">
+                      <a16:colId xmlns:a16="http://schemas.microsoft.com/office/drawing/2014/main" val="20001"/>
+                    </a:ext>
+                  </a:extLst>
+                </a:gridCol>
+                <a:gridCol w="1930969">
+                  <a:extLst>
+                    <a:ext uri="{9D8B030D-6E8A-4147-A177-3AD203B41FA5}">
+                      <a16:colId xmlns:a16="http://schemas.microsoft.com/office/drawing/2014/main" val="20002"/>
+                    </a:ext>
+                  </a:extLst>
+                </a:gridCol>
+              </a:tblGrid>
+              <a:tr h="297549">
+                <a:tc>
+                  <a:txBody>
+                    <a:bodyPr/>
+                    <a:lstStyle/>
+                    <a:p>
+                      <a:pPr marL="0" marR="0" algn="ctr">
+                        <a:lnSpc>
+                          <a:spcPct val="107000"/>
+                        </a:lnSpc>
+                        <a:spcBef>
+                          <a:spcPts val="0"/>
+                        </a:spcBef>
+                        <a:spcAft>
+                          <a:spcPts val="0"/>
+                        </a:spcAft>
+                      </a:pPr>
+                      <a:r>
+                        <a:rPr lang="en-US" sz="1100" dirty="0" err="1">
+                          <a:effectLst/>
+                        </a:rPr>
+                        <a:t>Tiến</a:t>
+                      </a:r>
+                      <a:r>
+                        <a:rPr lang="en-US" sz="1100" dirty="0">
+                          <a:effectLst/>
+                        </a:rPr>
+                        <a:t> </a:t>
+                      </a:r>
+                      <a:r>
+                        <a:rPr lang="en-US" sz="1100" dirty="0" err="1">
+                          <a:effectLst/>
+                        </a:rPr>
+                        <a:t>trình</a:t>
+                      </a:r>
+                      <a:r>
+                        <a:rPr lang="en-US" sz="1100" dirty="0">
+                          <a:effectLst/>
+                        </a:rPr>
+                        <a:t> A</a:t>
+                      </a:r>
+                      <a:endParaRPr lang="en-US" sz="1100" dirty="0">
+                        <a:effectLst/>
+                        <a:latin typeface="Calibri" panose="020F0502020204030204" pitchFamily="34" charset="0"/>
+                        <a:ea typeface="Calibri" panose="020F0502020204030204" pitchFamily="34" charset="0"/>
+                        <a:cs typeface="Times New Roman" panose="02020603050405020304" pitchFamily="18" charset="0"/>
+                      </a:endParaRPr>
+                    </a:p>
+                  </a:txBody>
+                  <a:tcPr marL="68580" marR="68580" marT="0" marB="0"/>
+                </a:tc>
+                <a:tc gridSpan="2">
+                  <a:txBody>
+                    <a:bodyPr/>
+                    <a:lstStyle/>
+                    <a:p>
+                      <a:pPr marL="0" marR="0" algn="ctr">
+                        <a:lnSpc>
+                          <a:spcPct val="107000"/>
+                        </a:lnSpc>
+                        <a:spcBef>
+                          <a:spcPts val="0"/>
+                        </a:spcBef>
+                        <a:spcAft>
+                          <a:spcPts val="0"/>
+                        </a:spcAft>
+                      </a:pPr>
+                      <a:r>
+                        <a:rPr lang="en-US" sz="1100">
+                          <a:effectLst/>
+                        </a:rPr>
+                        <a:t>Tiến trình B</a:t>
+                      </a:r>
+                      <a:endParaRPr lang="en-US" sz="1100">
+                        <a:effectLst/>
+                        <a:latin typeface="Calibri" panose="020F0502020204030204" pitchFamily="34" charset="0"/>
+                        <a:ea typeface="Calibri" panose="020F0502020204030204" pitchFamily="34" charset="0"/>
+                        <a:cs typeface="Times New Roman" panose="02020603050405020304" pitchFamily="18" charset="0"/>
+                      </a:endParaRPr>
+                    </a:p>
+                  </a:txBody>
+                  <a:tcPr marL="68580" marR="68580" marT="0" marB="0"/>
+                </a:tc>
+                <a:tc hMerge="1">
+                  <a:txBody>
+                    <a:bodyPr/>
+                    <a:lstStyle/>
+                    <a:p>
+                      <a:endParaRPr lang="en-US"/>
+                    </a:p>
+                  </a:txBody>
+                  <a:tcPr/>
+                </a:tc>
+                <a:extLst>
+                  <a:ext uri="{0D108BD9-81ED-4DB2-BD59-A6C34878D82A}">
+                    <a16:rowId xmlns:a16="http://schemas.microsoft.com/office/drawing/2014/main" val="10000"/>
+                  </a:ext>
+                </a:extLst>
+              </a:tr>
+              <a:tr h="568856">
+                <a:tc>
+                  <a:txBody>
+                    <a:bodyPr/>
+                    <a:lstStyle/>
+                    <a:p>
+                      <a:pPr marL="0" marR="0" algn="just">
+                        <a:lnSpc>
+                          <a:spcPct val="107000"/>
+                        </a:lnSpc>
+                        <a:spcBef>
+                          <a:spcPts val="0"/>
+                        </a:spcBef>
+                        <a:spcAft>
+                          <a:spcPts val="0"/>
+                        </a:spcAft>
+                      </a:pPr>
+                      <a:r>
+                        <a:rPr lang="en-US" sz="1100" dirty="0">
+                          <a:effectLst/>
+                        </a:rPr>
+                        <a:t>LOCK_SH</a:t>
+                      </a:r>
+                      <a:endParaRPr lang="en-US" sz="1100" dirty="0">
+                        <a:effectLst/>
+                        <a:latin typeface="Calibri" panose="020F0502020204030204" pitchFamily="34" charset="0"/>
+                        <a:ea typeface="Calibri" panose="020F0502020204030204" pitchFamily="34" charset="0"/>
+                        <a:cs typeface="Times New Roman" panose="02020603050405020304" pitchFamily="18" charset="0"/>
+                      </a:endParaRPr>
+                    </a:p>
+                  </a:txBody>
+                  <a:tcPr marL="68580" marR="68580" marT="0" marB="0"/>
+                </a:tc>
+                <a:tc>
+                  <a:txBody>
+                    <a:bodyPr/>
+                    <a:lstStyle/>
+                    <a:p>
+                      <a:pPr marL="0" marR="0" algn="just">
+                        <a:lnSpc>
+                          <a:spcPct val="107000"/>
+                        </a:lnSpc>
+                        <a:spcBef>
+                          <a:spcPts val="0"/>
+                        </a:spcBef>
+                        <a:spcAft>
+                          <a:spcPts val="0"/>
+                        </a:spcAft>
+                      </a:pPr>
+                      <a:r>
+                        <a:rPr lang="en-US" sz="1200" dirty="0" err="1">
+                          <a:effectLst/>
+                        </a:rPr>
+                        <a:t>Không</a:t>
+                      </a:r>
+                      <a:r>
+                        <a:rPr lang="en-US" sz="1200" dirty="0">
+                          <a:effectLst/>
+                        </a:rPr>
+                        <a:t> </a:t>
+                      </a:r>
+                      <a:r>
+                        <a:rPr lang="en-US" sz="1200" dirty="0" err="1">
+                          <a:effectLst/>
+                        </a:rPr>
+                        <a:t>thể</a:t>
+                      </a:r>
+                      <a:r>
+                        <a:rPr lang="en-US" sz="1200" dirty="0">
+                          <a:effectLst/>
+                        </a:rPr>
+                        <a:t> set LOCK_EX</a:t>
+                      </a:r>
+                      <a:endParaRPr lang="en-US" sz="1200" dirty="0">
+                        <a:effectLst/>
+                        <a:latin typeface="Times New Roman" panose="02020603050405020304" pitchFamily="18" charset="0"/>
+                        <a:ea typeface="Calibri" panose="020F0502020204030204" pitchFamily="34" charset="0"/>
+                        <a:cs typeface="Times New Roman" panose="02020603050405020304" pitchFamily="18" charset="0"/>
+                      </a:endParaRPr>
+                    </a:p>
+                  </a:txBody>
+                  <a:tcPr marL="68580" marR="68580" marT="0" marB="0"/>
+                </a:tc>
+                <a:tc>
+                  <a:txBody>
+                    <a:bodyPr/>
+                    <a:lstStyle/>
+                    <a:p>
+                      <a:pPr marL="0" marR="0" algn="just">
+                        <a:lnSpc>
+                          <a:spcPct val="107000"/>
+                        </a:lnSpc>
+                        <a:spcBef>
+                          <a:spcPts val="0"/>
+                        </a:spcBef>
+                        <a:spcAft>
+                          <a:spcPts val="0"/>
+                        </a:spcAft>
+                      </a:pPr>
+                      <a:r>
+                        <a:rPr lang="en-US" sz="1200" dirty="0" err="1">
+                          <a:effectLst/>
+                        </a:rPr>
+                        <a:t>Có</a:t>
+                      </a:r>
+                      <a:r>
+                        <a:rPr lang="en-US" sz="1200" dirty="0">
+                          <a:effectLst/>
+                        </a:rPr>
+                        <a:t> </a:t>
+                      </a:r>
+                      <a:r>
+                        <a:rPr lang="en-US" sz="1200" dirty="0" err="1">
+                          <a:effectLst/>
+                        </a:rPr>
+                        <a:t>thể</a:t>
+                      </a:r>
+                      <a:r>
+                        <a:rPr lang="en-US" sz="1200" dirty="0">
+                          <a:effectLst/>
+                        </a:rPr>
+                        <a:t> set LOCK_SH</a:t>
+                      </a:r>
+                      <a:endParaRPr lang="en-US" sz="1200" dirty="0">
+                        <a:effectLst/>
+                        <a:latin typeface="Times New Roman" panose="02020603050405020304" pitchFamily="18" charset="0"/>
+                        <a:ea typeface="Calibri" panose="020F0502020204030204" pitchFamily="34" charset="0"/>
+                        <a:cs typeface="Times New Roman" panose="02020603050405020304" pitchFamily="18" charset="0"/>
+                      </a:endParaRPr>
+                    </a:p>
+                  </a:txBody>
+                  <a:tcPr marL="68580" marR="68580" marT="0" marB="0"/>
+                </a:tc>
+                <a:extLst>
+                  <a:ext uri="{0D108BD9-81ED-4DB2-BD59-A6C34878D82A}">
+                    <a16:rowId xmlns:a16="http://schemas.microsoft.com/office/drawing/2014/main" val="10001"/>
+                  </a:ext>
+                </a:extLst>
+              </a:tr>
+              <a:tr h="568856">
+                <a:tc>
+                  <a:txBody>
+                    <a:bodyPr/>
+                    <a:lstStyle/>
+                    <a:p>
+                      <a:pPr marL="0" marR="0" algn="just">
+                        <a:lnSpc>
+                          <a:spcPct val="107000"/>
+                        </a:lnSpc>
+                        <a:spcBef>
+                          <a:spcPts val="0"/>
+                        </a:spcBef>
+                        <a:spcAft>
+                          <a:spcPts val="0"/>
+                        </a:spcAft>
+                      </a:pPr>
+                      <a:r>
+                        <a:rPr lang="en-US" sz="1100">
+                          <a:effectLst/>
+                        </a:rPr>
+                        <a:t>LOCK_EX</a:t>
+                      </a:r>
+                      <a:endParaRPr lang="en-US" sz="1100">
+                        <a:effectLst/>
+                        <a:latin typeface="Calibri" panose="020F0502020204030204" pitchFamily="34" charset="0"/>
+                        <a:ea typeface="Calibri" panose="020F0502020204030204" pitchFamily="34" charset="0"/>
+                        <a:cs typeface="Times New Roman" panose="02020603050405020304" pitchFamily="18" charset="0"/>
+                      </a:endParaRPr>
+                    </a:p>
+                  </a:txBody>
+                  <a:tcPr marL="68580" marR="68580" marT="0" marB="0"/>
+                </a:tc>
+                <a:tc>
+                  <a:txBody>
+                    <a:bodyPr/>
+                    <a:lstStyle/>
+                    <a:p>
+                      <a:pPr marL="0" marR="0" algn="just">
+                        <a:lnSpc>
+                          <a:spcPct val="107000"/>
+                        </a:lnSpc>
+                        <a:spcBef>
+                          <a:spcPts val="0"/>
+                        </a:spcBef>
+                        <a:spcAft>
+                          <a:spcPts val="0"/>
+                        </a:spcAft>
+                      </a:pPr>
+                      <a:r>
+                        <a:rPr lang="en-US" sz="1200" dirty="0" err="1">
+                          <a:effectLst/>
+                        </a:rPr>
+                        <a:t>Không</a:t>
+                      </a:r>
+                      <a:r>
+                        <a:rPr lang="en-US" sz="1200" dirty="0">
+                          <a:effectLst/>
+                        </a:rPr>
+                        <a:t> </a:t>
+                      </a:r>
+                      <a:r>
+                        <a:rPr lang="en-US" sz="1200" dirty="0" err="1">
+                          <a:effectLst/>
+                        </a:rPr>
+                        <a:t>thể</a:t>
+                      </a:r>
+                      <a:r>
+                        <a:rPr lang="en-US" sz="1200" dirty="0">
+                          <a:effectLst/>
+                        </a:rPr>
+                        <a:t> set LOCK_EX</a:t>
+                      </a:r>
+                      <a:endParaRPr lang="en-US" sz="1200" dirty="0">
+                        <a:effectLst/>
+                        <a:latin typeface="Times New Roman" panose="02020603050405020304" pitchFamily="18" charset="0"/>
+                        <a:ea typeface="Calibri" panose="020F0502020204030204" pitchFamily="34" charset="0"/>
+                        <a:cs typeface="Times New Roman" panose="02020603050405020304" pitchFamily="18" charset="0"/>
+                      </a:endParaRPr>
+                    </a:p>
+                  </a:txBody>
+                  <a:tcPr marL="68580" marR="68580" marT="0" marB="0"/>
+                </a:tc>
+                <a:tc>
+                  <a:txBody>
+                    <a:bodyPr/>
+                    <a:lstStyle/>
+                    <a:p>
+                      <a:pPr marL="0" marR="0" algn="just">
+                        <a:lnSpc>
+                          <a:spcPct val="107000"/>
+                        </a:lnSpc>
+                        <a:spcBef>
+                          <a:spcPts val="0"/>
+                        </a:spcBef>
+                        <a:spcAft>
+                          <a:spcPts val="0"/>
+                        </a:spcAft>
+                      </a:pPr>
+                      <a:r>
+                        <a:rPr lang="en-US" sz="1200" dirty="0" err="1">
+                          <a:effectLst/>
+                        </a:rPr>
+                        <a:t>Không</a:t>
+                      </a:r>
+                      <a:r>
+                        <a:rPr lang="en-US" sz="1200" dirty="0">
+                          <a:effectLst/>
+                        </a:rPr>
+                        <a:t> </a:t>
+                      </a:r>
+                      <a:r>
+                        <a:rPr lang="en-US" sz="1200" dirty="0" err="1">
+                          <a:effectLst/>
+                        </a:rPr>
+                        <a:t>thể</a:t>
+                      </a:r>
+                      <a:r>
+                        <a:rPr lang="en-US" sz="1200" dirty="0">
+                          <a:effectLst/>
+                        </a:rPr>
+                        <a:t> set LOCK_SH</a:t>
+                      </a:r>
+                      <a:endParaRPr lang="en-US" sz="1200" dirty="0">
+                        <a:effectLst/>
+                        <a:latin typeface="Times New Roman" panose="02020603050405020304" pitchFamily="18" charset="0"/>
+                        <a:ea typeface="Calibri" panose="020F0502020204030204" pitchFamily="34" charset="0"/>
+                        <a:cs typeface="Times New Roman" panose="02020603050405020304" pitchFamily="18" charset="0"/>
+                      </a:endParaRPr>
+                    </a:p>
+                  </a:txBody>
+                  <a:tcPr marL="68580" marR="68580" marT="0" marB="0"/>
+                </a:tc>
+                <a:extLst>
+                  <a:ext uri="{0D108BD9-81ED-4DB2-BD59-A6C34878D82A}">
+                    <a16:rowId xmlns:a16="http://schemas.microsoft.com/office/drawing/2014/main" val="10002"/>
+                  </a:ext>
+                </a:extLst>
+              </a:tr>
+            </a:tbl>
+          </a:graphicData>
+        </a:graphic>
+      </p:graphicFrame>
+    </p:spTree>
+    <p:extLst>
+      <p:ext uri="{BB962C8B-B14F-4D97-AF65-F5344CB8AC3E}">
+        <p14:creationId xmlns:p14="http://schemas.microsoft.com/office/powerpoint/2010/main" val="331670879"/>
+      </p:ext>
+    </p:extLst>
+  </p:cSld>
+  <p:clrMapOvr>
+    <a:masterClrMapping/>
+  </p:clrMapOvr>
+</p:sld>
+</file>
+
+<file path=ppt/slides/slide15.xml><?xml version="1.0" encoding="utf-8"?>
+<p:sld xmlns:a="http://schemas.openxmlformats.org/drawingml/2006/main" xmlns:r="http://schemas.openxmlformats.org/officeDocument/2006/relationships" xmlns:p="http://schemas.openxmlformats.org/presentationml/2006/main">
+  <p:cSld>
+    <p:bg>
+      <p:bgPr>
+        <a:solidFill>
+          <a:schemeClr val="bg1"/>
+        </a:solidFill>
+        <a:effectLst/>
+      </p:bgPr>
+    </p:bg>
+    <p:spTree>
+      <p:nvGrpSpPr>
+        <p:cNvPr id="1" name=""/>
+        <p:cNvGrpSpPr/>
+        <p:nvPr/>
+      </p:nvGrpSpPr>
+      <p:grpSpPr>
+        <a:xfrm>
+          <a:off x="0" y="0"/>
+          <a:ext cx="0" cy="0"/>
+          <a:chOff x="0" y="0"/>
+          <a:chExt cx="0" cy="0"/>
+        </a:xfrm>
+      </p:grpSpPr>
+      <p:sp useBgFill="1">
+        <p:nvSpPr>
+          <p:cNvPr id="27" name="Rectangle 26">
+            <a:extLst>
+              <a:ext uri="{FF2B5EF4-FFF2-40B4-BE49-F238E27FC236}">
+                <a16:creationId xmlns:a16="http://schemas.microsoft.com/office/drawing/2014/main" id="{0B9EE3F3-89B7-43C3-8651-C4C96830993D}"/>
+              </a:ext>
+              <a:ext uri="{C183D7F6-B498-43B3-948B-1728B52AA6E4}">
+                <adec:decorative xmlns:adec="http://schemas.microsoft.com/office/drawing/2017/decorative" val="1"/>
+              </a:ext>
+            </a:extLst>
+          </p:cNvPr>
+          <p:cNvSpPr>
+            <a:spLocks noGrp="1" noRot="1" noChangeAspect="1" noMove="1" noResize="1" noEditPoints="1" noAdjustHandles="1" noChangeArrowheads="1" noChangeShapeType="1" noTextEdit="1"/>
+          </p:cNvSpPr>
+          <p:nvPr>
+            <p:extLst>
+              <p:ext uri="{386F3935-93C4-4BCD-93E2-E3B085C9AB24}">
+                <p16:designElem xmlns:p16="http://schemas.microsoft.com/office/powerpoint/2015/main" val="1"/>
+              </p:ext>
+            </p:extLst>
+          </p:nvPr>
+        </p:nvSpPr>
+        <p:spPr>
+          <a:xfrm>
+            <a:off x="0" y="0"/>
+            <a:ext cx="12192000" cy="6858000"/>
+          </a:xfrm>
+          <a:prstGeom prst="rect">
+            <a:avLst/>
+          </a:prstGeom>
+          <a:ln>
+            <a:noFill/>
+          </a:ln>
+        </p:spPr>
+        <p:style>
+          <a:lnRef idx="2">
+            <a:schemeClr val="accent1">
+              <a:shade val="50000"/>
+            </a:schemeClr>
+          </a:lnRef>
+          <a:fillRef idx="1">
+            <a:schemeClr val="accent1"/>
+          </a:fillRef>
+          <a:effectRef idx="0">
+            <a:schemeClr val="accent1"/>
+          </a:effectRef>
+          <a:fontRef idx="minor">
+            <a:schemeClr val="lt1"/>
+          </a:fontRef>
+        </p:style>
+        <p:txBody>
+          <a:bodyPr rtlCol="0" anchor="ctr"/>
+          <a:lstStyle/>
+          <a:p>
+            <a:pPr algn="ctr"/>
+            <a:endParaRPr lang="en-US"/>
+          </a:p>
+        </p:txBody>
+      </p:sp>
+      <p:sp>
+        <p:nvSpPr>
+          <p:cNvPr id="8" name="TextBox 7"/>
+          <p:cNvSpPr txBox="1"/>
+          <p:nvPr/>
+        </p:nvSpPr>
+        <p:spPr>
+          <a:xfrm>
+            <a:off x="411480" y="938411"/>
+            <a:ext cx="4443154" cy="1087819"/>
+          </a:xfrm>
+          <a:prstGeom prst="rect">
+            <a:avLst/>
+          </a:prstGeom>
+        </p:spPr>
+        <p:txBody>
+          <a:bodyPr vert="horz" lIns="91440" tIns="45720" rIns="91440" bIns="45720" rtlCol="0" anchor="b">
+            <a:normAutofit/>
+          </a:bodyPr>
+          <a:lstStyle/>
+          <a:p>
+            <a:pPr>
+              <a:lnSpc>
+                <a:spcPct val="90000"/>
+              </a:lnSpc>
+              <a:spcBef>
+                <a:spcPct val="0"/>
+              </a:spcBef>
+              <a:spcAft>
+                <a:spcPts val="600"/>
+              </a:spcAft>
+            </a:pPr>
+            <a:r>
+              <a:rPr lang="en-US" sz="3400" b="1">
+                <a:latin typeface="Times New Roman" panose="02020603050405020304" pitchFamily="18" charset="0"/>
+                <a:ea typeface="+mj-ea"/>
+                <a:cs typeface="Times New Roman" panose="02020603050405020304" pitchFamily="18" charset="0"/>
+              </a:rPr>
+              <a:t>4</a:t>
+            </a:r>
+            <a:r>
+              <a:rPr lang="en-US" sz="3400" b="1" kern="1200">
+                <a:solidFill>
+                  <a:schemeClr val="tx1"/>
+                </a:solidFill>
+                <a:latin typeface="Times New Roman" panose="02020603050405020304" pitchFamily="18" charset="0"/>
+                <a:ea typeface="+mj-ea"/>
+                <a:cs typeface="Times New Roman" panose="02020603050405020304" pitchFamily="18" charset="0"/>
+              </a:rPr>
+              <a:t>. File Locking</a:t>
+            </a:r>
+          </a:p>
+        </p:txBody>
+      </p:sp>
+      <p:sp>
+        <p:nvSpPr>
+          <p:cNvPr id="29" name="Rectangle 28">
+            <a:extLst>
+              <a:ext uri="{FF2B5EF4-FFF2-40B4-BE49-F238E27FC236}">
+                <a16:creationId xmlns:a16="http://schemas.microsoft.com/office/drawing/2014/main" id="{33AE4636-AEEC-45D6-84D4-7AC2DA48ECF8}"/>
+              </a:ext>
+              <a:ext uri="{C183D7F6-B498-43B3-948B-1728B52AA6E4}">
+                <adec:decorative xmlns:adec="http://schemas.microsoft.com/office/drawing/2017/decorative" val="1"/>
+              </a:ext>
+            </a:extLst>
+          </p:cNvPr>
+          <p:cNvSpPr>
+            <a:spLocks noGrp="1" noRot="1" noChangeAspect="1" noMove="1" noResize="1" noEditPoints="1" noAdjustHandles="1" noChangeArrowheads="1" noChangeShapeType="1" noTextEdit="1"/>
+          </p:cNvSpPr>
+          <p:nvPr>
+            <p:extLst>
+              <p:ext uri="{386F3935-93C4-4BCD-93E2-E3B085C9AB24}">
+                <p16:designElem xmlns:p16="http://schemas.microsoft.com/office/powerpoint/2015/main" val="1"/>
+              </p:ext>
+            </p:extLst>
+          </p:nvPr>
+        </p:nvSpPr>
+        <p:spPr>
+          <a:xfrm rot="5400000">
+            <a:off x="649223" y="387939"/>
+            <a:ext cx="73152" cy="548640"/>
+          </a:xfrm>
+          <a:prstGeom prst="rect">
+            <a:avLst/>
+          </a:prstGeom>
+          <a:solidFill>
+            <a:schemeClr val="accent2"/>
+          </a:solidFill>
+          <a:ln>
+            <a:noFill/>
+          </a:ln>
+        </p:spPr>
+        <p:style>
+          <a:lnRef idx="2">
+            <a:schemeClr val="accent1">
+              <a:shade val="50000"/>
+            </a:schemeClr>
+          </a:lnRef>
+          <a:fillRef idx="1">
+            <a:schemeClr val="accent1"/>
+          </a:fillRef>
+          <a:effectRef idx="0">
+            <a:schemeClr val="accent1"/>
+          </a:effectRef>
+          <a:fontRef idx="minor">
+            <a:schemeClr val="lt1"/>
+          </a:fontRef>
+        </p:style>
+        <p:txBody>
+          <a:bodyPr rtlCol="0" anchor="ctr"/>
+          <a:lstStyle/>
+          <a:p>
+            <a:pPr algn="ctr"/>
+            <a:endParaRPr lang="en-US">
+              <a:solidFill>
+                <a:prstClr val="white"/>
+              </a:solidFill>
+              <a:latin typeface="Calibri" panose="020F0502020204030204"/>
+            </a:endParaRPr>
+          </a:p>
+        </p:txBody>
+      </p:sp>
+      <p:sp>
+        <p:nvSpPr>
+          <p:cNvPr id="31" name="Rectangle 30">
+            <a:extLst>
+              <a:ext uri="{FF2B5EF4-FFF2-40B4-BE49-F238E27FC236}">
+                <a16:creationId xmlns:a16="http://schemas.microsoft.com/office/drawing/2014/main" id="{8D9CE0F4-2EB2-4F1F-8AAC-DB3571D9FE10}"/>
+              </a:ext>
+              <a:ext uri="{C183D7F6-B498-43B3-948B-1728B52AA6E4}">
+                <adec:decorative xmlns:adec="http://schemas.microsoft.com/office/drawing/2017/decorative" val="1"/>
+              </a:ext>
+            </a:extLst>
+          </p:cNvPr>
+          <p:cNvSpPr>
+            <a:spLocks noGrp="1" noRot="1" noChangeAspect="1" noMove="1" noResize="1" noEditPoints="1" noAdjustHandles="1" noChangeArrowheads="1" noChangeShapeType="1" noTextEdit="1"/>
+          </p:cNvSpPr>
+          <p:nvPr>
+            <p:extLst>
+              <p:ext uri="{386F3935-93C4-4BCD-93E2-E3B085C9AB24}">
+                <p16:designElem xmlns:p16="http://schemas.microsoft.com/office/powerpoint/2015/main" val="1"/>
+              </p:ext>
+            </p:extLst>
+          </p:nvPr>
+        </p:nvSpPr>
+        <p:spPr>
+          <a:xfrm>
+            <a:off x="411480" y="2285541"/>
+            <a:ext cx="4389120" cy="18288"/>
+          </a:xfrm>
+          <a:prstGeom prst="rect">
+            <a:avLst/>
+          </a:prstGeom>
+          <a:solidFill>
+            <a:srgbClr val="D5D5D5"/>
+          </a:solidFill>
+          <a:ln w="3175">
+            <a:noFill/>
+          </a:ln>
+          <a:effectLst/>
+        </p:spPr>
+        <p:style>
+          <a:lnRef idx="2">
+            <a:schemeClr val="accent1">
+              <a:shade val="50000"/>
+            </a:schemeClr>
+          </a:lnRef>
+          <a:fillRef idx="1">
+            <a:schemeClr val="accent1"/>
+          </a:fillRef>
+          <a:effectRef idx="0">
+            <a:schemeClr val="accent1"/>
+          </a:effectRef>
+          <a:fontRef idx="minor">
+            <a:schemeClr val="lt1"/>
+          </a:fontRef>
+        </p:style>
+        <p:txBody>
+          <a:bodyPr rtlCol="0" anchor="ctr"/>
+          <a:lstStyle/>
+          <a:p>
+            <a:pPr algn="ctr"/>
+            <a:endParaRPr lang="en-US">
+              <a:solidFill>
+                <a:prstClr val="white"/>
+              </a:solidFill>
+              <a:latin typeface="Calibri" panose="020F0502020204030204"/>
+            </a:endParaRPr>
+          </a:p>
+        </p:txBody>
+      </p:sp>
+      <p:sp>
+        <p:nvSpPr>
+          <p:cNvPr id="15" name="TextBox 14"/>
+          <p:cNvSpPr txBox="1"/>
+          <p:nvPr/>
+        </p:nvSpPr>
+        <p:spPr>
+          <a:xfrm>
+            <a:off x="167317" y="2488614"/>
+            <a:ext cx="4443154" cy="3492868"/>
+          </a:xfrm>
+          <a:prstGeom prst="rect">
+            <a:avLst/>
+          </a:prstGeom>
+        </p:spPr>
+        <p:txBody>
+          <a:bodyPr vert="horz" lIns="91440" tIns="45720" rIns="91440" bIns="45720" rtlCol="0">
+            <a:normAutofit/>
+          </a:bodyPr>
+          <a:lstStyle/>
+          <a:p>
+            <a:pPr marL="342900" indent="-228600">
+              <a:lnSpc>
+                <a:spcPct val="90000"/>
+              </a:lnSpc>
+              <a:spcAft>
+                <a:spcPts val="600"/>
+              </a:spcAft>
+              <a:buFont typeface="Arial" panose="020B0604020202020204" pitchFamily="34" charset="0"/>
+              <a:buChar char="•"/>
+            </a:pPr>
+            <a:endParaRPr lang="en-US"/>
+          </a:p>
+          <a:p>
+            <a:pPr indent="-228600">
+              <a:lnSpc>
+                <a:spcPct val="90000"/>
+              </a:lnSpc>
+              <a:spcAft>
+                <a:spcPts val="600"/>
+              </a:spcAft>
+              <a:buFont typeface="Arial" panose="020B0604020202020204" pitchFamily="34" charset="0"/>
+              <a:buChar char="•"/>
+            </a:pPr>
+            <a:endParaRPr lang="en-US" b="1"/>
+          </a:p>
+        </p:txBody>
+      </p:sp>
+      <p:sp>
+        <p:nvSpPr>
+          <p:cNvPr id="17" name="TextBox 16">
+            <a:extLst>
+              <a:ext uri="{FF2B5EF4-FFF2-40B4-BE49-F238E27FC236}">
+                <a16:creationId xmlns:a16="http://schemas.microsoft.com/office/drawing/2014/main" id="{490D3672-8D2E-4D18-A925-FCC966025A7D}"/>
+              </a:ext>
+            </a:extLst>
+          </p:cNvPr>
+          <p:cNvSpPr txBox="1"/>
+          <p:nvPr/>
+        </p:nvSpPr>
+        <p:spPr>
+          <a:xfrm>
+            <a:off x="0" y="6443866"/>
+            <a:ext cx="12192000" cy="425628"/>
+          </a:xfrm>
+          <a:prstGeom prst="rect">
+            <a:avLst/>
+          </a:prstGeom>
+          <a:solidFill>
+            <a:schemeClr val="accent2">
+              <a:lumMod val="50000"/>
+            </a:schemeClr>
+          </a:solidFill>
+        </p:spPr>
+        <p:txBody>
+          <a:bodyPr wrap="square" rtlCol="0">
+            <a:spAutoFit/>
+          </a:bodyPr>
+          <a:lstStyle/>
+          <a:p>
+            <a:pPr algn="ctr"/>
+            <a:endParaRPr lang="en-US" sz="5400" b="1" dirty="0">
+              <a:solidFill>
+                <a:schemeClr val="bg1"/>
+              </a:solidFill>
+            </a:endParaRPr>
+          </a:p>
+        </p:txBody>
+      </p:sp>
+      <p:sp>
+        <p:nvSpPr>
+          <p:cNvPr id="9" name="TextBox 8">
+            <a:extLst>
+              <a:ext uri="{FF2B5EF4-FFF2-40B4-BE49-F238E27FC236}">
+                <a16:creationId xmlns:a16="http://schemas.microsoft.com/office/drawing/2014/main" id="{3DA8F654-5348-4031-80CC-7D27056177CB}"/>
+              </a:ext>
+            </a:extLst>
+          </p:cNvPr>
+          <p:cNvSpPr txBox="1"/>
+          <p:nvPr/>
+        </p:nvSpPr>
+        <p:spPr>
+          <a:xfrm>
+            <a:off x="321605" y="2488614"/>
+            <a:ext cx="5386420" cy="3492868"/>
+          </a:xfrm>
+          <a:prstGeom prst="rect">
+            <a:avLst/>
+          </a:prstGeom>
+        </p:spPr>
+        <p:txBody>
+          <a:bodyPr vert="horz" lIns="91440" tIns="45720" rIns="91440" bIns="45720" rtlCol="0">
+            <a:normAutofit/>
+          </a:bodyPr>
+          <a:lstStyle/>
+          <a:p>
+            <a:pPr marL="342900" lvl="0" indent="-342900">
+              <a:buFont typeface="Arial" panose="020B0604020202020204" pitchFamily="34" charset="0"/>
+              <a:buChar char="•"/>
+            </a:pPr>
+            <a:r>
+              <a:rPr lang="en-US" sz="2000">
+                <a:latin typeface="Times New Roman" panose="02020603050405020304" pitchFamily="18" charset="0"/>
+                <a:cs typeface="Times New Roman" panose="02020603050405020304" pitchFamily="18" charset="0"/>
+              </a:rPr>
+              <a:t>Lock file với fcntl()</a:t>
+            </a:r>
+            <a:endParaRPr lang="en-US" sz="2000" dirty="0">
+              <a:latin typeface="Times New Roman" panose="02020603050405020304" pitchFamily="18" charset="0"/>
+              <a:cs typeface="Times New Roman" panose="02020603050405020304" pitchFamily="18" charset="0"/>
+            </a:endParaRPr>
+          </a:p>
+        </p:txBody>
+      </p:sp>
+      <p:grpSp>
+        <p:nvGrpSpPr>
+          <p:cNvPr id="11" name="Group 10">
+            <a:extLst>
+              <a:ext uri="{FF2B5EF4-FFF2-40B4-BE49-F238E27FC236}">
+                <a16:creationId xmlns:a16="http://schemas.microsoft.com/office/drawing/2014/main" id="{8340FB49-B93E-4241-914B-976703D5D631}"/>
+              </a:ext>
+            </a:extLst>
+          </p:cNvPr>
+          <p:cNvGrpSpPr/>
+          <p:nvPr/>
+        </p:nvGrpSpPr>
+        <p:grpSpPr>
+          <a:xfrm>
+            <a:off x="5195237" y="761373"/>
+            <a:ext cx="6585283" cy="4544624"/>
+            <a:chOff x="0" y="1419689"/>
+            <a:chExt cx="6900512" cy="4560656"/>
+          </a:xfrm>
+        </p:grpSpPr>
+        <p:sp>
+          <p:nvSpPr>
+            <p:cNvPr id="12" name="Rectangle 11">
+              <a:extLst>
+                <a:ext uri="{FF2B5EF4-FFF2-40B4-BE49-F238E27FC236}">
+                  <a16:creationId xmlns:a16="http://schemas.microsoft.com/office/drawing/2014/main" id="{D68DECE5-1D02-4017-B5D4-02E94FCBBC1F}"/>
+                </a:ext>
+              </a:extLst>
+            </p:cNvPr>
+            <p:cNvSpPr/>
+            <p:nvPr/>
+          </p:nvSpPr>
+          <p:spPr>
+            <a:xfrm>
+              <a:off x="0" y="1419690"/>
+              <a:ext cx="6900512" cy="4019400"/>
+            </a:xfrm>
+            <a:prstGeom prst="rect">
+              <a:avLst/>
+            </a:prstGeom>
+          </p:spPr>
+          <p:style>
+            <a:lnRef idx="2">
+              <a:schemeClr val="accent2">
+                <a:hueOff val="-1455363"/>
+                <a:satOff val="-83928"/>
+                <a:lumOff val="8628"/>
+                <a:alphaOff val="0"/>
+              </a:schemeClr>
+            </a:lnRef>
+            <a:fillRef idx="1">
+              <a:schemeClr val="lt1">
+                <a:alpha val="90000"/>
+                <a:hueOff val="0"/>
+                <a:satOff val="0"/>
+                <a:lumOff val="0"/>
+                <a:alphaOff val="0"/>
+              </a:schemeClr>
+            </a:fillRef>
+            <a:effectRef idx="0">
+              <a:schemeClr val="lt1">
+                <a:alpha val="90000"/>
+                <a:hueOff val="0"/>
+                <a:satOff val="0"/>
+                <a:lumOff val="0"/>
+                <a:alphaOff val="0"/>
+              </a:schemeClr>
+            </a:effectRef>
+            <a:fontRef idx="minor">
+              <a:schemeClr val="dk1">
+                <a:hueOff val="0"/>
+                <a:satOff val="0"/>
+                <a:lumOff val="0"/>
+                <a:alphaOff val="0"/>
+              </a:schemeClr>
+            </a:fontRef>
+          </p:style>
+        </p:sp>
+        <p:sp>
+          <p:nvSpPr>
+            <p:cNvPr id="13" name="TextBox 12">
+              <a:extLst>
+                <a:ext uri="{FF2B5EF4-FFF2-40B4-BE49-F238E27FC236}">
+                  <a16:creationId xmlns:a16="http://schemas.microsoft.com/office/drawing/2014/main" id="{1C6DB8E8-3404-453B-8F2C-2388728BD3CA}"/>
+                </a:ext>
+              </a:extLst>
+            </p:cNvPr>
+            <p:cNvSpPr txBox="1"/>
+            <p:nvPr/>
+          </p:nvSpPr>
+          <p:spPr>
+            <a:xfrm>
+              <a:off x="1" y="1419689"/>
+              <a:ext cx="6833424" cy="4560656"/>
+            </a:xfrm>
+            <a:prstGeom prst="rect">
+              <a:avLst/>
+            </a:prstGeom>
+          </p:spPr>
+          <p:style>
+            <a:lnRef idx="0">
+              <a:scrgbClr r="0" g="0" b="0"/>
+            </a:lnRef>
+            <a:fillRef idx="0">
+              <a:scrgbClr r="0" g="0" b="0"/>
+            </a:fillRef>
+            <a:effectRef idx="0">
+              <a:scrgbClr r="0" g="0" b="0"/>
+            </a:effectRef>
+            <a:fontRef idx="minor">
+              <a:schemeClr val="dk1">
+                <a:hueOff val="0"/>
+                <a:satOff val="0"/>
+                <a:lumOff val="0"/>
+                <a:alphaOff val="0"/>
+              </a:schemeClr>
+            </a:fontRef>
+          </p:style>
+          <p:txBody>
+            <a:bodyPr spcFirstLastPara="0" vert="horz" wrap="square" lIns="535556" tIns="458216" rIns="535556" bIns="156464" numCol="1" spcCol="1270" anchor="t" anchorCtr="0">
+              <a:noAutofit/>
+            </a:bodyPr>
+            <a:lstStyle/>
+            <a:p>
+              <a:pPr marL="0" lvl="1" defTabSz="977900">
+                <a:lnSpc>
+                  <a:spcPct val="90000"/>
+                </a:lnSpc>
+                <a:spcBef>
+                  <a:spcPct val="0"/>
+                </a:spcBef>
+                <a:spcAft>
+                  <a:spcPct val="15000"/>
+                </a:spcAft>
+              </a:pPr>
+              <a:r>
+                <a:rPr lang="en-US" sz="1600">
+                  <a:effectLst/>
+                  <a:ea typeface="Times New Roman" panose="02020603050405020304" pitchFamily="18" charset="0"/>
+                </a:rPr>
+                <a:t>fcntl() linh hoạt hơn flock(). fcntl() cho phép lock từng phần của file (thậm chí đến từng byte). Thông tin lock đặt vào i-node table sẽ gồm process ID, trạng thái lock, vùng lock.</a:t>
+              </a:r>
+            </a:p>
+            <a:p>
+              <a:pPr marL="0" lvl="1" defTabSz="977900">
+                <a:lnSpc>
+                  <a:spcPct val="90000"/>
+                </a:lnSpc>
+                <a:spcBef>
+                  <a:spcPct val="0"/>
+                </a:spcBef>
+                <a:spcAft>
+                  <a:spcPct val="15000"/>
+                </a:spcAft>
+              </a:pPr>
+              <a:endParaRPr lang="en-US" sz="1600">
+                <a:effectLst/>
+                <a:ea typeface="Times New Roman" panose="02020603050405020304" pitchFamily="18" charset="0"/>
+              </a:endParaRPr>
+            </a:p>
+            <a:p>
+              <a:pPr marL="0" lvl="1" defTabSz="977900">
+                <a:lnSpc>
+                  <a:spcPct val="90000"/>
+                </a:lnSpc>
+                <a:spcBef>
+                  <a:spcPct val="0"/>
+                </a:spcBef>
+                <a:spcAft>
+                  <a:spcPct val="15000"/>
+                </a:spcAft>
+              </a:pPr>
+              <a:r>
+                <a:rPr lang="en-US" sz="1600">
+                  <a:solidFill>
+                    <a:srgbClr val="1B1B1B"/>
+                  </a:solidFill>
+                </a:rPr>
+                <a:t>Các đối số:</a:t>
+              </a:r>
+            </a:p>
+            <a:p>
+              <a:pPr marL="285750" lvl="1" indent="-285750" defTabSz="977900">
+                <a:lnSpc>
+                  <a:spcPct val="90000"/>
+                </a:lnSpc>
+                <a:spcBef>
+                  <a:spcPct val="0"/>
+                </a:spcBef>
+                <a:spcAft>
+                  <a:spcPct val="15000"/>
+                </a:spcAft>
+                <a:buFont typeface="Arial" panose="020B0604020202020204" pitchFamily="34" charset="0"/>
+                <a:buChar char="•"/>
+              </a:pPr>
+              <a:r>
+                <a:rPr lang="en-US" sz="1600">
+                  <a:solidFill>
+                    <a:srgbClr val="1B1B1B"/>
+                  </a:solidFill>
+                </a:rPr>
+                <a:t>fd: file descriptor của file cần lock</a:t>
+              </a:r>
+            </a:p>
+            <a:p>
+              <a:pPr marL="285750" lvl="1" indent="-285750" defTabSz="977900">
+                <a:lnSpc>
+                  <a:spcPct val="90000"/>
+                </a:lnSpc>
+                <a:spcBef>
+                  <a:spcPct val="0"/>
+                </a:spcBef>
+                <a:spcAft>
+                  <a:spcPct val="15000"/>
+                </a:spcAft>
+                <a:buFont typeface="Arial" panose="020B0604020202020204" pitchFamily="34" charset="0"/>
+                <a:buChar char="•"/>
+              </a:pPr>
+              <a:r>
+                <a:rPr lang="en-US" sz="1600">
+                  <a:solidFill>
+                    <a:srgbClr val="1B1B1B"/>
+                  </a:solidFill>
+                </a:rPr>
+                <a:t>cmd: </a:t>
+              </a:r>
+              <a:r>
+                <a:rPr lang="en-US" sz="1600">
+                  <a:effectLst/>
+                  <a:ea typeface="Times New Roman" panose="02020603050405020304" pitchFamily="18" charset="0"/>
+                </a:rPr>
+                <a:t>action muốn thực hiện</a:t>
+              </a:r>
+            </a:p>
+            <a:p>
+              <a:pPr marL="742950" lvl="2" indent="-285750" defTabSz="977900">
+                <a:lnSpc>
+                  <a:spcPct val="90000"/>
+                </a:lnSpc>
+                <a:spcBef>
+                  <a:spcPct val="0"/>
+                </a:spcBef>
+                <a:spcAft>
+                  <a:spcPct val="15000"/>
+                </a:spcAft>
+                <a:buFont typeface="Courier New" panose="02070309020205020404" pitchFamily="49" charset="0"/>
+                <a:buChar char="o"/>
+              </a:pPr>
+              <a:r>
+                <a:rPr lang="en-US" sz="1600">
+                  <a:effectLst/>
+                  <a:ea typeface="Times New Roman" panose="02020603050405020304" pitchFamily="18" charset="0"/>
+                </a:rPr>
+                <a:t>F_SETLK: đặt lock, bỏ lock</a:t>
+              </a:r>
+            </a:p>
+            <a:p>
+              <a:pPr marL="742950" lvl="2" indent="-285750" defTabSz="977900">
+                <a:lnSpc>
+                  <a:spcPct val="90000"/>
+                </a:lnSpc>
+                <a:spcBef>
+                  <a:spcPct val="0"/>
+                </a:spcBef>
+                <a:spcAft>
+                  <a:spcPct val="15000"/>
+                </a:spcAft>
+                <a:buFont typeface="Courier New" panose="02070309020205020404" pitchFamily="49" charset="0"/>
+                <a:buChar char="o"/>
+              </a:pPr>
+              <a:r>
+                <a:rPr lang="en-US" sz="1600">
+                  <a:effectLst/>
+                  <a:ea typeface="Times New Roman" panose="02020603050405020304" pitchFamily="18" charset="0"/>
+                </a:rPr>
+                <a:t>F_GETLK: đọc thông tin lock</a:t>
+              </a:r>
+              <a:endParaRPr lang="en-US" sz="1600">
+                <a:solidFill>
+                  <a:srgbClr val="1B1B1B"/>
+                </a:solidFill>
+              </a:endParaRPr>
+            </a:p>
+            <a:p>
+              <a:pPr marL="285750" lvl="1" indent="-285750" defTabSz="977900">
+                <a:lnSpc>
+                  <a:spcPct val="90000"/>
+                </a:lnSpc>
+                <a:spcBef>
+                  <a:spcPct val="0"/>
+                </a:spcBef>
+                <a:spcAft>
+                  <a:spcPct val="15000"/>
+                </a:spcAft>
+                <a:buFont typeface="Arial" panose="020B0604020202020204" pitchFamily="34" charset="0"/>
+                <a:buChar char="•"/>
+              </a:pPr>
+              <a:r>
+                <a:rPr lang="en-US" sz="1600">
+                  <a:solidFill>
+                    <a:srgbClr val="1B1B1B"/>
+                  </a:solidFill>
+                </a:rPr>
+                <a:t>flockstr:</a:t>
+              </a:r>
+              <a:r>
+                <a:rPr lang="en-US" sz="1600"/>
+                <a:t>  thông tin muốn lock ( gồm trạng thái lock, vùng muốn lock, process lock ) </a:t>
+              </a:r>
+              <a:endParaRPr lang="en-US" sz="1600">
+                <a:solidFill>
+                  <a:srgbClr val="1B1B1B"/>
+                </a:solidFill>
+              </a:endParaRPr>
+            </a:p>
+            <a:p>
+              <a:pPr marL="742950" lvl="2" indent="-285750" defTabSz="977900">
+                <a:lnSpc>
+                  <a:spcPct val="90000"/>
+                </a:lnSpc>
+                <a:spcBef>
+                  <a:spcPct val="0"/>
+                </a:spcBef>
+                <a:spcAft>
+                  <a:spcPct val="15000"/>
+                </a:spcAft>
+                <a:buFont typeface="Arial" panose="020B0604020202020204" pitchFamily="34" charset="0"/>
+                <a:buChar char="•"/>
+              </a:pPr>
+              <a:endParaRPr lang="en-US" sz="1600">
+                <a:solidFill>
+                  <a:srgbClr val="1B1B1B"/>
+                </a:solidFill>
+              </a:endParaRPr>
+            </a:p>
+            <a:p>
+              <a:pPr marL="228600" lvl="1" indent="-228600" algn="l" defTabSz="977900">
+                <a:lnSpc>
+                  <a:spcPct val="90000"/>
+                </a:lnSpc>
+                <a:spcBef>
+                  <a:spcPct val="0"/>
+                </a:spcBef>
+                <a:spcAft>
+                  <a:spcPct val="15000"/>
+                </a:spcAft>
+                <a:buChar char="•"/>
+              </a:pPr>
+              <a:endParaRPr lang="en-US" sz="1600" b="0" kern="1200"/>
+            </a:p>
+          </p:txBody>
+        </p:sp>
+      </p:grpSp>
+      <p:grpSp>
+        <p:nvGrpSpPr>
+          <p:cNvPr id="14" name="Group 13">
+            <a:extLst>
+              <a:ext uri="{FF2B5EF4-FFF2-40B4-BE49-F238E27FC236}">
+                <a16:creationId xmlns:a16="http://schemas.microsoft.com/office/drawing/2014/main" id="{85C5E227-42B1-44AE-B83A-F0D1713603E5}"/>
+              </a:ext>
+            </a:extLst>
+          </p:cNvPr>
+          <p:cNvGrpSpPr/>
+          <p:nvPr/>
+        </p:nvGrpSpPr>
+        <p:grpSpPr>
+          <a:xfrm>
+            <a:off x="4933766" y="582857"/>
+            <a:ext cx="2988103" cy="349072"/>
+            <a:chOff x="345025" y="1094970"/>
+            <a:chExt cx="4830358" cy="649440"/>
+          </a:xfrm>
+        </p:grpSpPr>
+        <p:sp>
+          <p:nvSpPr>
+            <p:cNvPr id="16" name="Rectangle: Rounded Corners 15">
+              <a:extLst>
+                <a:ext uri="{FF2B5EF4-FFF2-40B4-BE49-F238E27FC236}">
+                  <a16:creationId xmlns:a16="http://schemas.microsoft.com/office/drawing/2014/main" id="{76B7F7F9-FA0F-4A3C-99F4-8CAFF54DF4F0}"/>
+                </a:ext>
+              </a:extLst>
+            </p:cNvPr>
+            <p:cNvSpPr/>
+            <p:nvPr/>
+          </p:nvSpPr>
+          <p:spPr>
+            <a:xfrm>
+              <a:off x="345025" y="1094970"/>
+              <a:ext cx="4830358" cy="649440"/>
+            </a:xfrm>
+            <a:prstGeom prst="roundRect">
+              <a:avLst/>
+            </a:prstGeom>
+          </p:spPr>
+          <p:style>
+            <a:lnRef idx="2">
+              <a:schemeClr val="lt1">
+                <a:hueOff val="0"/>
+                <a:satOff val="0"/>
+                <a:lumOff val="0"/>
+                <a:alphaOff val="0"/>
+              </a:schemeClr>
+            </a:lnRef>
+            <a:fillRef idx="1">
+              <a:schemeClr val="accent2">
+                <a:hueOff val="-1455363"/>
+                <a:satOff val="-83928"/>
+                <a:lumOff val="8628"/>
+                <a:alphaOff val="0"/>
+              </a:schemeClr>
+            </a:fillRef>
+            <a:effectRef idx="0">
+              <a:schemeClr val="accent2">
+                <a:hueOff val="-1455363"/>
+                <a:satOff val="-83928"/>
+                <a:lumOff val="8628"/>
+                <a:alphaOff val="0"/>
+              </a:schemeClr>
+            </a:effectRef>
+            <a:fontRef idx="minor">
+              <a:schemeClr val="lt1"/>
+            </a:fontRef>
+          </p:style>
+        </p:sp>
+        <p:sp>
+          <p:nvSpPr>
+            <p:cNvPr id="18" name="Rectangle: Rounded Corners 9">
+              <a:extLst>
+                <a:ext uri="{FF2B5EF4-FFF2-40B4-BE49-F238E27FC236}">
+                  <a16:creationId xmlns:a16="http://schemas.microsoft.com/office/drawing/2014/main" id="{459967CA-2CDF-4D01-A736-72A1A9D94942}"/>
+                </a:ext>
+              </a:extLst>
+            </p:cNvPr>
+            <p:cNvSpPr txBox="1"/>
+            <p:nvPr/>
+          </p:nvSpPr>
+          <p:spPr>
+            <a:xfrm>
+              <a:off x="376729" y="1126673"/>
+              <a:ext cx="4766954" cy="586033"/>
+            </a:xfrm>
+            <a:prstGeom prst="rect">
+              <a:avLst/>
+            </a:prstGeom>
+          </p:spPr>
+          <p:style>
+            <a:lnRef idx="0">
+              <a:scrgbClr r="0" g="0" b="0"/>
+            </a:lnRef>
+            <a:fillRef idx="0">
+              <a:scrgbClr r="0" g="0" b="0"/>
+            </a:fillRef>
+            <a:effectRef idx="0">
+              <a:scrgbClr r="0" g="0" b="0"/>
+            </a:effectRef>
+            <a:fontRef idx="minor">
+              <a:schemeClr val="lt1"/>
+            </a:fontRef>
+          </p:style>
+          <p:txBody>
+            <a:bodyPr spcFirstLastPara="0" vert="horz" wrap="square" lIns="182576" tIns="0" rIns="182576" bIns="0" numCol="1" spcCol="1270" anchor="ctr" anchorCtr="0">
+              <a:noAutofit/>
+            </a:bodyPr>
+            <a:lstStyle/>
+            <a:p>
+              <a:pPr lvl="0" eaLnBrk="0" fontAlgn="base" hangingPunct="0">
+                <a:spcBef>
+                  <a:spcPct val="0"/>
+                </a:spcBef>
+                <a:spcAft>
+                  <a:spcPct val="0"/>
+                </a:spcAft>
+              </a:pPr>
+              <a:r>
+                <a:rPr lang="en-US" altLang="en-US" sz="2000">
+                  <a:solidFill>
+                    <a:schemeClr val="bg1"/>
+                  </a:solidFill>
+                  <a:ea typeface="Calibri" panose="020F0502020204030204" pitchFamily="34" charset="0"/>
+                  <a:cs typeface="Times New Roman" panose="02020603050405020304" pitchFamily="18" charset="0"/>
+                </a:rPr>
+                <a:t>fcntl(fd, cmd, &amp;flockstr)</a:t>
+              </a:r>
+              <a:endParaRPr lang="en-US" altLang="en-US" sz="2000" dirty="0">
+                <a:solidFill>
+                  <a:schemeClr val="bg1"/>
+                </a:solidFill>
+                <a:cs typeface="Times New Roman" panose="02020603050405020304" pitchFamily="18" charset="0"/>
+              </a:endParaRPr>
+            </a:p>
+          </p:txBody>
+        </p:sp>
+      </p:grpSp>
+      <p:sp>
+        <p:nvSpPr>
+          <p:cNvPr id="19" name="Rectangle 18">
+            <a:extLst>
+              <a:ext uri="{FF2B5EF4-FFF2-40B4-BE49-F238E27FC236}">
+                <a16:creationId xmlns:a16="http://schemas.microsoft.com/office/drawing/2014/main" id="{D02843A2-88DC-4DAF-B23E-9EB1A4BFF56C}"/>
+              </a:ext>
+            </a:extLst>
+          </p:cNvPr>
+          <p:cNvSpPr/>
+          <p:nvPr/>
+        </p:nvSpPr>
+        <p:spPr>
+          <a:xfrm>
+            <a:off x="6033739" y="3972544"/>
+            <a:ext cx="5920510" cy="2275879"/>
+          </a:xfrm>
+          <a:prstGeom prst="rect">
+            <a:avLst/>
+          </a:prstGeom>
+          <a:solidFill>
+            <a:schemeClr val="bg2"/>
+          </a:solidFill>
+          <a:ln>
+            <a:solidFill>
+              <a:schemeClr val="tx1"/>
+            </a:solidFill>
+          </a:ln>
+        </p:spPr>
+        <p:txBody>
+          <a:bodyPr wrap="square">
+            <a:spAutoFit/>
+          </a:bodyPr>
+          <a:lstStyle/>
+          <a:p>
+            <a:pPr>
+              <a:lnSpc>
+                <a:spcPct val="107000"/>
+              </a:lnSpc>
+              <a:spcAft>
+                <a:spcPts val="800"/>
+              </a:spcAft>
+            </a:pPr>
+            <a:r>
+              <a:rPr lang="en-US" sz="1200" dirty="0" err="1">
+                <a:ea typeface="Times New Roman" panose="02020603050405020304" pitchFamily="18" charset="0"/>
+                <a:cs typeface="Times New Roman" panose="02020603050405020304" pitchFamily="18" charset="0"/>
+              </a:rPr>
+              <a:t>struct</a:t>
+            </a:r>
+            <a:r>
+              <a:rPr lang="en-US" sz="1200" dirty="0">
+                <a:ea typeface="Times New Roman" panose="02020603050405020304" pitchFamily="18" charset="0"/>
+                <a:cs typeface="Times New Roman" panose="02020603050405020304" pitchFamily="18" charset="0"/>
+              </a:rPr>
+              <a:t> flock { </a:t>
+            </a:r>
+            <a:endParaRPr lang="en-US" sz="1200" dirty="0">
+              <a:ea typeface="Calibri" panose="020F0502020204030204" pitchFamily="34" charset="0"/>
+              <a:cs typeface="Times New Roman" panose="02020603050405020304" pitchFamily="18" charset="0"/>
+            </a:endParaRPr>
+          </a:p>
+          <a:p>
+            <a:pPr>
+              <a:lnSpc>
+                <a:spcPct val="107000"/>
+              </a:lnSpc>
+              <a:spcAft>
+                <a:spcPts val="800"/>
+              </a:spcAft>
+            </a:pPr>
+            <a:r>
+              <a:rPr lang="en-US" sz="1200" dirty="0">
+                <a:ea typeface="Times New Roman" panose="02020603050405020304" pitchFamily="18" charset="0"/>
+                <a:cs typeface="Times New Roman" panose="02020603050405020304" pitchFamily="18" charset="0"/>
+              </a:rPr>
+              <a:t>    short </a:t>
+            </a:r>
+            <a:r>
+              <a:rPr lang="en-US" sz="1200" dirty="0" err="1">
+                <a:ea typeface="Times New Roman" panose="02020603050405020304" pitchFamily="18" charset="0"/>
+                <a:cs typeface="Times New Roman" panose="02020603050405020304" pitchFamily="18" charset="0"/>
+              </a:rPr>
+              <a:t>l_type</a:t>
+            </a:r>
+            <a:r>
+              <a:rPr lang="en-US" sz="1200" dirty="0">
+                <a:ea typeface="Times New Roman" panose="02020603050405020304" pitchFamily="18" charset="0"/>
+                <a:cs typeface="Times New Roman" panose="02020603050405020304" pitchFamily="18" charset="0"/>
+              </a:rPr>
+              <a:t>;  	 /* Lock type: F_RDLCK, F_WRLCK, F_UNLCK */ </a:t>
+            </a:r>
+            <a:endParaRPr lang="en-US" sz="1200" dirty="0">
+              <a:ea typeface="Calibri" panose="020F0502020204030204" pitchFamily="34" charset="0"/>
+              <a:cs typeface="Times New Roman" panose="02020603050405020304" pitchFamily="18" charset="0"/>
+            </a:endParaRPr>
+          </a:p>
+          <a:p>
+            <a:pPr>
+              <a:lnSpc>
+                <a:spcPct val="107000"/>
+              </a:lnSpc>
+              <a:spcAft>
+                <a:spcPts val="800"/>
+              </a:spcAft>
+            </a:pPr>
+            <a:r>
+              <a:rPr lang="en-US" sz="1200" dirty="0">
+                <a:ea typeface="Times New Roman" panose="02020603050405020304" pitchFamily="18" charset="0"/>
+                <a:cs typeface="Times New Roman" panose="02020603050405020304" pitchFamily="18" charset="0"/>
+              </a:rPr>
+              <a:t>    short </a:t>
+            </a:r>
+            <a:r>
+              <a:rPr lang="en-US" sz="1200" dirty="0" err="1">
+                <a:ea typeface="Times New Roman" panose="02020603050405020304" pitchFamily="18" charset="0"/>
+                <a:cs typeface="Times New Roman" panose="02020603050405020304" pitchFamily="18" charset="0"/>
+              </a:rPr>
+              <a:t>l_whence</a:t>
+            </a:r>
+            <a:r>
+              <a:rPr lang="en-US" sz="1200" dirty="0">
+                <a:ea typeface="Times New Roman" panose="02020603050405020304" pitchFamily="18" charset="0"/>
+                <a:cs typeface="Times New Roman" panose="02020603050405020304" pitchFamily="18" charset="0"/>
+              </a:rPr>
+              <a:t>;	 /* How to interpret '</a:t>
+            </a:r>
+            <a:r>
+              <a:rPr lang="en-US" sz="1200" dirty="0" err="1">
+                <a:ea typeface="Times New Roman" panose="02020603050405020304" pitchFamily="18" charset="0"/>
+                <a:cs typeface="Times New Roman" panose="02020603050405020304" pitchFamily="18" charset="0"/>
+              </a:rPr>
+              <a:t>l_start</a:t>
+            </a:r>
+            <a:r>
+              <a:rPr lang="en-US" sz="1200" dirty="0">
+                <a:ea typeface="Times New Roman" panose="02020603050405020304" pitchFamily="18" charset="0"/>
+                <a:cs typeface="Times New Roman" panose="02020603050405020304" pitchFamily="18" charset="0"/>
+              </a:rPr>
+              <a:t>': SEEK_SET, SEEK_CUR, SEEK_END */</a:t>
+            </a:r>
+            <a:endParaRPr lang="en-US" sz="1200" dirty="0">
+              <a:ea typeface="Calibri" panose="020F0502020204030204" pitchFamily="34" charset="0"/>
+              <a:cs typeface="Times New Roman" panose="02020603050405020304" pitchFamily="18" charset="0"/>
+            </a:endParaRPr>
+          </a:p>
+          <a:p>
+            <a:pPr algn="just">
+              <a:lnSpc>
+                <a:spcPct val="107000"/>
+              </a:lnSpc>
+              <a:spcAft>
+                <a:spcPts val="800"/>
+              </a:spcAft>
+            </a:pPr>
+            <a:r>
+              <a:rPr lang="en-US" sz="1200" dirty="0">
+                <a:ea typeface="Times New Roman" panose="02020603050405020304" pitchFamily="18" charset="0"/>
+                <a:cs typeface="Times New Roman" panose="02020603050405020304" pitchFamily="18" charset="0"/>
+              </a:rPr>
+              <a:t>    </a:t>
+            </a:r>
+            <a:r>
+              <a:rPr lang="en-US" sz="1200" dirty="0" err="1">
+                <a:ea typeface="Times New Roman" panose="02020603050405020304" pitchFamily="18" charset="0"/>
+                <a:cs typeface="Times New Roman" panose="02020603050405020304" pitchFamily="18" charset="0"/>
+              </a:rPr>
+              <a:t>off_t</a:t>
+            </a:r>
+            <a:r>
+              <a:rPr lang="en-US" sz="1200" dirty="0">
+                <a:ea typeface="Times New Roman" panose="02020603050405020304" pitchFamily="18" charset="0"/>
+                <a:cs typeface="Times New Roman" panose="02020603050405020304" pitchFamily="18" charset="0"/>
+              </a:rPr>
+              <a:t> </a:t>
+            </a:r>
+            <a:r>
+              <a:rPr lang="en-US" sz="1200" dirty="0" err="1">
+                <a:ea typeface="Times New Roman" panose="02020603050405020304" pitchFamily="18" charset="0"/>
+                <a:cs typeface="Times New Roman" panose="02020603050405020304" pitchFamily="18" charset="0"/>
+              </a:rPr>
+              <a:t>l_start</a:t>
+            </a:r>
+            <a:r>
+              <a:rPr lang="en-US" sz="1200" dirty="0">
+                <a:ea typeface="Times New Roman" panose="02020603050405020304" pitchFamily="18" charset="0"/>
+                <a:cs typeface="Times New Roman" panose="02020603050405020304" pitchFamily="18" charset="0"/>
+              </a:rPr>
+              <a:t>;  	/* Offset where the lock begins */ </a:t>
+            </a:r>
+            <a:endParaRPr lang="en-US" sz="1200" dirty="0">
+              <a:ea typeface="Calibri" panose="020F0502020204030204" pitchFamily="34" charset="0"/>
+              <a:cs typeface="Times New Roman" panose="02020603050405020304" pitchFamily="18" charset="0"/>
+            </a:endParaRPr>
+          </a:p>
+          <a:p>
+            <a:pPr algn="just">
+              <a:lnSpc>
+                <a:spcPct val="107000"/>
+              </a:lnSpc>
+              <a:spcAft>
+                <a:spcPts val="800"/>
+              </a:spcAft>
+            </a:pPr>
+            <a:r>
+              <a:rPr lang="en-US" sz="1200" dirty="0">
+                <a:ea typeface="Times New Roman" panose="02020603050405020304" pitchFamily="18" charset="0"/>
+                <a:cs typeface="Times New Roman" panose="02020603050405020304" pitchFamily="18" charset="0"/>
+              </a:rPr>
+              <a:t>    </a:t>
+            </a:r>
+            <a:r>
+              <a:rPr lang="en-US" sz="1200" dirty="0" err="1">
+                <a:ea typeface="Times New Roman" panose="02020603050405020304" pitchFamily="18" charset="0"/>
+                <a:cs typeface="Times New Roman" panose="02020603050405020304" pitchFamily="18" charset="0"/>
+              </a:rPr>
+              <a:t>off_t</a:t>
+            </a:r>
+            <a:r>
+              <a:rPr lang="en-US" sz="1200" dirty="0">
+                <a:ea typeface="Times New Roman" panose="02020603050405020304" pitchFamily="18" charset="0"/>
+                <a:cs typeface="Times New Roman" panose="02020603050405020304" pitchFamily="18" charset="0"/>
+              </a:rPr>
+              <a:t> </a:t>
+            </a:r>
+            <a:r>
+              <a:rPr lang="en-US" sz="1200" dirty="0" err="1">
+                <a:ea typeface="Times New Roman" panose="02020603050405020304" pitchFamily="18" charset="0"/>
+                <a:cs typeface="Times New Roman" panose="02020603050405020304" pitchFamily="18" charset="0"/>
+              </a:rPr>
+              <a:t>l_len</a:t>
+            </a:r>
+            <a:r>
+              <a:rPr lang="en-US" sz="1200" dirty="0">
+                <a:ea typeface="Times New Roman" panose="02020603050405020304" pitchFamily="18" charset="0"/>
+                <a:cs typeface="Times New Roman" panose="02020603050405020304" pitchFamily="18" charset="0"/>
+              </a:rPr>
+              <a:t>;    	/* Number of bytes to lock; 0 means "until EOF" */</a:t>
+            </a:r>
+            <a:endParaRPr lang="en-US" sz="1200" dirty="0">
+              <a:ea typeface="Calibri" panose="020F0502020204030204" pitchFamily="34" charset="0"/>
+              <a:cs typeface="Times New Roman" panose="02020603050405020304" pitchFamily="18" charset="0"/>
+            </a:endParaRPr>
+          </a:p>
+          <a:p>
+            <a:pPr algn="just">
+              <a:lnSpc>
+                <a:spcPct val="107000"/>
+              </a:lnSpc>
+              <a:spcAft>
+                <a:spcPts val="800"/>
+              </a:spcAft>
+            </a:pPr>
+            <a:r>
+              <a:rPr lang="en-US" sz="1200" dirty="0">
+                <a:ea typeface="Times New Roman" panose="02020603050405020304" pitchFamily="18" charset="0"/>
+                <a:cs typeface="Times New Roman" panose="02020603050405020304" pitchFamily="18" charset="0"/>
+              </a:rPr>
+              <a:t>    </a:t>
+            </a:r>
+            <a:r>
+              <a:rPr lang="en-US" sz="1200" dirty="0" err="1">
+                <a:ea typeface="Times New Roman" panose="02020603050405020304" pitchFamily="18" charset="0"/>
+                <a:cs typeface="Times New Roman" panose="02020603050405020304" pitchFamily="18" charset="0"/>
+              </a:rPr>
+              <a:t>pid_t</a:t>
+            </a:r>
+            <a:r>
+              <a:rPr lang="en-US" sz="1200" dirty="0">
+                <a:ea typeface="Times New Roman" panose="02020603050405020304" pitchFamily="18" charset="0"/>
+                <a:cs typeface="Times New Roman" panose="02020603050405020304" pitchFamily="18" charset="0"/>
+              </a:rPr>
+              <a:t> </a:t>
+            </a:r>
+            <a:r>
+              <a:rPr lang="en-US" sz="1200" dirty="0" err="1">
+                <a:ea typeface="Times New Roman" panose="02020603050405020304" pitchFamily="18" charset="0"/>
+                <a:cs typeface="Times New Roman" panose="02020603050405020304" pitchFamily="18" charset="0"/>
+              </a:rPr>
+              <a:t>l_pid</a:t>
+            </a:r>
+            <a:r>
+              <a:rPr lang="en-US" sz="1200" dirty="0">
+                <a:ea typeface="Times New Roman" panose="02020603050405020304" pitchFamily="18" charset="0"/>
+                <a:cs typeface="Times New Roman" panose="02020603050405020304" pitchFamily="18" charset="0"/>
+              </a:rPr>
+              <a:t>;    	/* Process preventing our lock (F_GETLK only) */</a:t>
+            </a:r>
+            <a:endParaRPr lang="en-US" sz="1200" dirty="0">
+              <a:ea typeface="Calibri" panose="020F0502020204030204" pitchFamily="34" charset="0"/>
+              <a:cs typeface="Times New Roman" panose="02020603050405020304" pitchFamily="18" charset="0"/>
+            </a:endParaRPr>
+          </a:p>
+          <a:p>
+            <a:r>
+              <a:rPr lang="en-US" sz="1200" dirty="0">
+                <a:ea typeface="Times New Roman" panose="02020603050405020304" pitchFamily="18" charset="0"/>
+              </a:rPr>
+              <a:t>}</a:t>
+            </a:r>
+            <a:endParaRPr lang="en-US" sz="1200" dirty="0"/>
+          </a:p>
+        </p:txBody>
+      </p:sp>
+    </p:spTree>
+    <p:extLst>
+      <p:ext uri="{BB962C8B-B14F-4D97-AF65-F5344CB8AC3E}">
+        <p14:creationId xmlns:p14="http://schemas.microsoft.com/office/powerpoint/2010/main" val="1722507090"/>
+      </p:ext>
+    </p:extLst>
+  </p:cSld>
+  <p:clrMapOvr>
+    <a:masterClrMapping/>
+  </p:clrMapOvr>
+</p:sld>
+</file>
+
+<file path=ppt/slides/slide16.xml><?xml version="1.0" encoding="utf-8"?>
+<p:sld xmlns:a="http://schemas.openxmlformats.org/drawingml/2006/main" xmlns:r="http://schemas.openxmlformats.org/officeDocument/2006/relationships" xmlns:p="http://schemas.openxmlformats.org/presentationml/2006/main">
+  <p:cSld>
+    <p:bg>
+      <p:bgPr>
+        <a:solidFill>
+          <a:schemeClr val="bg1"/>
+        </a:solidFill>
+        <a:effectLst/>
+      </p:bgPr>
+    </p:bg>
+    <p:spTree>
+      <p:nvGrpSpPr>
+        <p:cNvPr id="1" name=""/>
+        <p:cNvGrpSpPr/>
+        <p:nvPr/>
+      </p:nvGrpSpPr>
+      <p:grpSpPr>
+        <a:xfrm>
+          <a:off x="0" y="0"/>
+          <a:ext cx="0" cy="0"/>
+          <a:chOff x="0" y="0"/>
+          <a:chExt cx="0" cy="0"/>
+        </a:xfrm>
+      </p:grpSpPr>
+      <p:sp useBgFill="1">
+        <p:nvSpPr>
+          <p:cNvPr id="27" name="Rectangle 26">
+            <a:extLst>
+              <a:ext uri="{FF2B5EF4-FFF2-40B4-BE49-F238E27FC236}">
+                <a16:creationId xmlns:a16="http://schemas.microsoft.com/office/drawing/2014/main" id="{0B9EE3F3-89B7-43C3-8651-C4C96830993D}"/>
+              </a:ext>
+              <a:ext uri="{C183D7F6-B498-43B3-948B-1728B52AA6E4}">
+                <adec:decorative xmlns:adec="http://schemas.microsoft.com/office/drawing/2017/decorative" val="1"/>
+              </a:ext>
+            </a:extLst>
+          </p:cNvPr>
+          <p:cNvSpPr>
+            <a:spLocks noGrp="1" noRot="1" noChangeAspect="1" noMove="1" noResize="1" noEditPoints="1" noAdjustHandles="1" noChangeArrowheads="1" noChangeShapeType="1" noTextEdit="1"/>
+          </p:cNvSpPr>
+          <p:nvPr>
+            <p:extLst>
+              <p:ext uri="{386F3935-93C4-4BCD-93E2-E3B085C9AB24}">
+                <p16:designElem xmlns:p16="http://schemas.microsoft.com/office/powerpoint/2015/main" val="1"/>
+              </p:ext>
+            </p:extLst>
+          </p:nvPr>
+        </p:nvSpPr>
+        <p:spPr>
+          <a:xfrm>
+            <a:off x="0" y="0"/>
+            <a:ext cx="12192000" cy="6858000"/>
+          </a:xfrm>
+          <a:prstGeom prst="rect">
+            <a:avLst/>
+          </a:prstGeom>
+          <a:ln>
+            <a:noFill/>
+          </a:ln>
+        </p:spPr>
+        <p:style>
+          <a:lnRef idx="2">
+            <a:schemeClr val="accent1">
+              <a:shade val="50000"/>
+            </a:schemeClr>
+          </a:lnRef>
+          <a:fillRef idx="1">
+            <a:schemeClr val="accent1"/>
+          </a:fillRef>
+          <a:effectRef idx="0">
+            <a:schemeClr val="accent1"/>
+          </a:effectRef>
+          <a:fontRef idx="minor">
+            <a:schemeClr val="lt1"/>
+          </a:fontRef>
+        </p:style>
+        <p:txBody>
+          <a:bodyPr rtlCol="0" anchor="ctr"/>
+          <a:lstStyle/>
+          <a:p>
+            <a:pPr algn="ctr"/>
+            <a:endParaRPr lang="en-US"/>
+          </a:p>
+        </p:txBody>
+      </p:sp>
+      <p:sp>
+        <p:nvSpPr>
+          <p:cNvPr id="29" name="Rectangle 28">
+            <a:extLst>
+              <a:ext uri="{FF2B5EF4-FFF2-40B4-BE49-F238E27FC236}">
+                <a16:creationId xmlns:a16="http://schemas.microsoft.com/office/drawing/2014/main" id="{33AE4636-AEEC-45D6-84D4-7AC2DA48ECF8}"/>
+              </a:ext>
+              <a:ext uri="{C183D7F6-B498-43B3-948B-1728B52AA6E4}">
+                <adec:decorative xmlns:adec="http://schemas.microsoft.com/office/drawing/2017/decorative" val="1"/>
+              </a:ext>
+            </a:extLst>
+          </p:cNvPr>
+          <p:cNvSpPr>
+            <a:spLocks noGrp="1" noRot="1" noChangeAspect="1" noMove="1" noResize="1" noEditPoints="1" noAdjustHandles="1" noChangeArrowheads="1" noChangeShapeType="1" noTextEdit="1"/>
+          </p:cNvSpPr>
+          <p:nvPr>
+            <p:extLst>
+              <p:ext uri="{386F3935-93C4-4BCD-93E2-E3B085C9AB24}">
+                <p16:designElem xmlns:p16="http://schemas.microsoft.com/office/powerpoint/2015/main" val="1"/>
+              </p:ext>
+            </p:extLst>
+          </p:nvPr>
+        </p:nvSpPr>
+        <p:spPr>
+          <a:xfrm rot="5400000">
+            <a:off x="649223" y="387939"/>
+            <a:ext cx="73152" cy="548640"/>
+          </a:xfrm>
+          <a:prstGeom prst="rect">
+            <a:avLst/>
+          </a:prstGeom>
+          <a:solidFill>
+            <a:schemeClr val="accent2"/>
+          </a:solidFill>
+          <a:ln>
+            <a:noFill/>
+          </a:ln>
+        </p:spPr>
+        <p:style>
+          <a:lnRef idx="2">
+            <a:schemeClr val="accent1">
+              <a:shade val="50000"/>
+            </a:schemeClr>
+          </a:lnRef>
+          <a:fillRef idx="1">
+            <a:schemeClr val="accent1"/>
+          </a:fillRef>
+          <a:effectRef idx="0">
+            <a:schemeClr val="accent1"/>
+          </a:effectRef>
+          <a:fontRef idx="minor">
+            <a:schemeClr val="lt1"/>
+          </a:fontRef>
+        </p:style>
+        <p:txBody>
+          <a:bodyPr rtlCol="0" anchor="ctr"/>
+          <a:lstStyle/>
+          <a:p>
+            <a:pPr algn="ctr"/>
+            <a:endParaRPr lang="en-US">
+              <a:solidFill>
+                <a:prstClr val="white"/>
+              </a:solidFill>
+              <a:latin typeface="Calibri" panose="020F0502020204030204"/>
+            </a:endParaRPr>
+          </a:p>
+        </p:txBody>
+      </p:sp>
+      <p:sp>
+        <p:nvSpPr>
+          <p:cNvPr id="31" name="Rectangle 30">
+            <a:extLst>
+              <a:ext uri="{FF2B5EF4-FFF2-40B4-BE49-F238E27FC236}">
+                <a16:creationId xmlns:a16="http://schemas.microsoft.com/office/drawing/2014/main" id="{8D9CE0F4-2EB2-4F1F-8AAC-DB3571D9FE10}"/>
+              </a:ext>
+              <a:ext uri="{C183D7F6-B498-43B3-948B-1728B52AA6E4}">
+                <adec:decorative xmlns:adec="http://schemas.microsoft.com/office/drawing/2017/decorative" val="1"/>
+              </a:ext>
+            </a:extLst>
+          </p:cNvPr>
+          <p:cNvSpPr>
+            <a:spLocks noGrp="1" noRot="1" noChangeAspect="1" noMove="1" noResize="1" noEditPoints="1" noAdjustHandles="1" noChangeArrowheads="1" noChangeShapeType="1" noTextEdit="1"/>
+          </p:cNvSpPr>
+          <p:nvPr>
+            <p:extLst>
+              <p:ext uri="{386F3935-93C4-4BCD-93E2-E3B085C9AB24}">
+                <p16:designElem xmlns:p16="http://schemas.microsoft.com/office/powerpoint/2015/main" val="1"/>
+              </p:ext>
+            </p:extLst>
+          </p:nvPr>
+        </p:nvSpPr>
+        <p:spPr>
+          <a:xfrm>
+            <a:off x="411480" y="2285541"/>
+            <a:ext cx="4389120" cy="18288"/>
+          </a:xfrm>
+          <a:prstGeom prst="rect">
+            <a:avLst/>
+          </a:prstGeom>
+          <a:solidFill>
+            <a:srgbClr val="D5D5D5"/>
+          </a:solidFill>
+          <a:ln w="3175">
+            <a:noFill/>
+          </a:ln>
+          <a:effectLst/>
+        </p:spPr>
+        <p:style>
+          <a:lnRef idx="2">
+            <a:schemeClr val="accent1">
+              <a:shade val="50000"/>
+            </a:schemeClr>
+          </a:lnRef>
+          <a:fillRef idx="1">
+            <a:schemeClr val="accent1"/>
+          </a:fillRef>
+          <a:effectRef idx="0">
+            <a:schemeClr val="accent1"/>
+          </a:effectRef>
+          <a:fontRef idx="minor">
+            <a:schemeClr val="lt1"/>
+          </a:fontRef>
+        </p:style>
+        <p:txBody>
+          <a:bodyPr rtlCol="0" anchor="ctr"/>
+          <a:lstStyle/>
+          <a:p>
+            <a:pPr algn="ctr"/>
+            <a:endParaRPr lang="en-US">
+              <a:solidFill>
+                <a:prstClr val="white"/>
+              </a:solidFill>
+              <a:latin typeface="Calibri" panose="020F0502020204030204"/>
+            </a:endParaRPr>
+          </a:p>
+        </p:txBody>
+      </p:sp>
+      <p:sp>
+        <p:nvSpPr>
+          <p:cNvPr id="15" name="TextBox 14"/>
+          <p:cNvSpPr txBox="1"/>
+          <p:nvPr/>
+        </p:nvSpPr>
+        <p:spPr>
+          <a:xfrm>
+            <a:off x="210513" y="2551617"/>
+            <a:ext cx="4971086" cy="3492868"/>
+          </a:xfrm>
+          <a:prstGeom prst="rect">
+            <a:avLst/>
+          </a:prstGeom>
+        </p:spPr>
+        <p:txBody>
+          <a:bodyPr vert="horz" lIns="91440" tIns="45720" rIns="91440" bIns="45720" rtlCol="0">
+            <a:normAutofit/>
+          </a:bodyPr>
+          <a:lstStyle/>
+          <a:p>
+            <a:pPr marL="342900" indent="-228600">
+              <a:lnSpc>
+                <a:spcPct val="90000"/>
+              </a:lnSpc>
+              <a:spcAft>
+                <a:spcPts val="600"/>
+              </a:spcAft>
+              <a:buFont typeface="Arial" panose="020B0604020202020204" pitchFamily="34" charset="0"/>
+              <a:buChar char="•"/>
+            </a:pPr>
+            <a:r>
+              <a:rPr lang="en-US" sz="2000"/>
+              <a:t>Việc đọc ghi file với system call read write là quá trình đồng bộ, làm cho chương trình bị block cho tới khi việc đọc ghi kết thúc.</a:t>
+            </a:r>
+          </a:p>
+          <a:p>
+            <a:pPr indent="-228600">
+              <a:lnSpc>
+                <a:spcPct val="90000"/>
+              </a:lnSpc>
+              <a:spcAft>
+                <a:spcPts val="600"/>
+              </a:spcAft>
+              <a:buFont typeface="Arial" panose="020B0604020202020204" pitchFamily="34" charset="0"/>
+              <a:buChar char="•"/>
+            </a:pPr>
+            <a:endParaRPr lang="en-US" sz="2000" b="1"/>
+          </a:p>
+        </p:txBody>
+      </p:sp>
+      <p:sp>
+        <p:nvSpPr>
+          <p:cNvPr id="14" name="TextBox 13"/>
+          <p:cNvSpPr txBox="1"/>
+          <p:nvPr/>
+        </p:nvSpPr>
+        <p:spPr>
+          <a:xfrm>
+            <a:off x="5727940" y="2527539"/>
+            <a:ext cx="473206" cy="369332"/>
+          </a:xfrm>
+          <a:prstGeom prst="rect">
+            <a:avLst/>
+          </a:prstGeom>
+          <a:noFill/>
+        </p:spPr>
+        <p:txBody>
+          <a:bodyPr wrap="none" rtlCol="0">
+            <a:spAutoFit/>
+          </a:bodyPr>
+          <a:lstStyle/>
+          <a:p>
+            <a:pPr marL="285750" indent="-285750">
+              <a:buFont typeface="Wingdings" panose="05000000000000000000" pitchFamily="2" charset="2"/>
+              <a:buChar char="Ø"/>
+            </a:pPr>
+            <a:endParaRPr lang="en-US"/>
+          </a:p>
+        </p:txBody>
+      </p:sp>
+      <p:sp>
+        <p:nvSpPr>
+          <p:cNvPr id="17" name="TextBox 16">
+            <a:extLst>
+              <a:ext uri="{FF2B5EF4-FFF2-40B4-BE49-F238E27FC236}">
+                <a16:creationId xmlns:a16="http://schemas.microsoft.com/office/drawing/2014/main" id="{490D3672-8D2E-4D18-A925-FCC966025A7D}"/>
+              </a:ext>
+            </a:extLst>
+          </p:cNvPr>
+          <p:cNvSpPr txBox="1"/>
+          <p:nvPr/>
+        </p:nvSpPr>
+        <p:spPr>
+          <a:xfrm>
+            <a:off x="0" y="6443866"/>
+            <a:ext cx="12192000" cy="425628"/>
+          </a:xfrm>
+          <a:prstGeom prst="rect">
+            <a:avLst/>
+          </a:prstGeom>
+          <a:solidFill>
+            <a:schemeClr val="accent2">
+              <a:lumMod val="50000"/>
+            </a:schemeClr>
+          </a:solidFill>
+        </p:spPr>
+        <p:txBody>
+          <a:bodyPr wrap="square" rtlCol="0">
+            <a:spAutoFit/>
+          </a:bodyPr>
+          <a:lstStyle/>
+          <a:p>
+            <a:pPr algn="ctr"/>
+            <a:endParaRPr lang="en-US" sz="5400" b="1" dirty="0">
+              <a:solidFill>
+                <a:schemeClr val="bg1"/>
+              </a:solidFill>
+            </a:endParaRPr>
+          </a:p>
+        </p:txBody>
+      </p:sp>
+      <p:pic>
+        <p:nvPicPr>
+          <p:cNvPr id="13" name="Picture 12">
+            <a:extLst>
+              <a:ext uri="{FF2B5EF4-FFF2-40B4-BE49-F238E27FC236}">
+                <a16:creationId xmlns:a16="http://schemas.microsoft.com/office/drawing/2014/main" id="{18306C3E-D4F2-4DFE-B77E-AA2344F94BD3}"/>
+              </a:ext>
+            </a:extLst>
+          </p:cNvPr>
+          <p:cNvPicPr/>
+          <p:nvPr/>
+        </p:nvPicPr>
+        <p:blipFill>
+          <a:blip r:embed="rId3"/>
+          <a:stretch>
+            <a:fillRect/>
+          </a:stretch>
+        </p:blipFill>
+        <p:spPr>
+          <a:xfrm>
+            <a:off x="5382830" y="1677035"/>
+            <a:ext cx="5769739" cy="3313430"/>
+          </a:xfrm>
+          <a:prstGeom prst="rect">
+            <a:avLst/>
+          </a:prstGeom>
+        </p:spPr>
+      </p:pic>
+      <p:sp>
+        <p:nvSpPr>
+          <p:cNvPr id="18" name="TextBox 17">
+            <a:extLst>
+              <a:ext uri="{FF2B5EF4-FFF2-40B4-BE49-F238E27FC236}">
+                <a16:creationId xmlns:a16="http://schemas.microsoft.com/office/drawing/2014/main" id="{E9AC1C5B-A2CF-4550-B16E-26A87DEDA64D}"/>
+              </a:ext>
+            </a:extLst>
+          </p:cNvPr>
+          <p:cNvSpPr txBox="1"/>
+          <p:nvPr/>
+        </p:nvSpPr>
+        <p:spPr>
+          <a:xfrm>
+            <a:off x="411479" y="1064417"/>
+            <a:ext cx="4770120" cy="1087819"/>
+          </a:xfrm>
+          <a:prstGeom prst="rect">
+            <a:avLst/>
+          </a:prstGeom>
+        </p:spPr>
+        <p:txBody>
+          <a:bodyPr vert="horz" lIns="91440" tIns="45720" rIns="91440" bIns="45720" rtlCol="0" anchor="b">
+            <a:normAutofit/>
+          </a:bodyPr>
+          <a:lstStyle/>
+          <a:p>
+            <a:pPr>
+              <a:lnSpc>
+                <a:spcPct val="90000"/>
+              </a:lnSpc>
+              <a:spcBef>
+                <a:spcPct val="0"/>
+              </a:spcBef>
+              <a:spcAft>
+                <a:spcPts val="600"/>
+              </a:spcAft>
+            </a:pPr>
+            <a:r>
+              <a:rPr lang="en-US" sz="3400" b="1">
+                <a:latin typeface="Times New Roman" panose="02020603050405020304" pitchFamily="18" charset="0"/>
+                <a:ea typeface="+mj-ea"/>
+                <a:cs typeface="Times New Roman" panose="02020603050405020304" pitchFamily="18" charset="0"/>
+              </a:rPr>
+              <a:t>Đọc ghi File bất đồng bộ</a:t>
+            </a:r>
+          </a:p>
+        </p:txBody>
+      </p:sp>
+    </p:spTree>
+    <p:extLst>
+      <p:ext uri="{BB962C8B-B14F-4D97-AF65-F5344CB8AC3E}">
+        <p14:creationId xmlns:p14="http://schemas.microsoft.com/office/powerpoint/2010/main" val="3628161798"/>
+      </p:ext>
+    </p:extLst>
+  </p:cSld>
+  <p:clrMapOvr>
+    <a:masterClrMapping/>
+  </p:clrMapOvr>
+</p:sld>
+</file>
+
+<file path=ppt/slides/slide17.xml><?xml version="1.0" encoding="utf-8"?>
+<p:sld xmlns:a="http://schemas.openxmlformats.org/drawingml/2006/main" xmlns:r="http://schemas.openxmlformats.org/officeDocument/2006/relationships" xmlns:p="http://schemas.openxmlformats.org/presentationml/2006/main">
+  <p:cSld>
+    <p:bg>
+      <p:bgPr>
+        <a:solidFill>
+          <a:schemeClr val="bg1"/>
+        </a:solidFill>
+        <a:effectLst/>
+      </p:bgPr>
+    </p:bg>
+    <p:spTree>
+      <p:nvGrpSpPr>
+        <p:cNvPr id="1" name=""/>
+        <p:cNvGrpSpPr/>
+        <p:nvPr/>
+      </p:nvGrpSpPr>
+      <p:grpSpPr>
+        <a:xfrm>
+          <a:off x="0" y="0"/>
+          <a:ext cx="0" cy="0"/>
+          <a:chOff x="0" y="0"/>
+          <a:chExt cx="0" cy="0"/>
+        </a:xfrm>
+      </p:grpSpPr>
+      <p:sp useBgFill="1">
+        <p:nvSpPr>
+          <p:cNvPr id="27" name="Rectangle 26">
+            <a:extLst>
+              <a:ext uri="{FF2B5EF4-FFF2-40B4-BE49-F238E27FC236}">
+                <a16:creationId xmlns:a16="http://schemas.microsoft.com/office/drawing/2014/main" id="{0B9EE3F3-89B7-43C3-8651-C4C96830993D}"/>
+              </a:ext>
+              <a:ext uri="{C183D7F6-B498-43B3-948B-1728B52AA6E4}">
+                <adec:decorative xmlns:adec="http://schemas.microsoft.com/office/drawing/2017/decorative" val="1"/>
+              </a:ext>
+            </a:extLst>
+          </p:cNvPr>
+          <p:cNvSpPr>
+            <a:spLocks noGrp="1" noRot="1" noChangeAspect="1" noMove="1" noResize="1" noEditPoints="1" noAdjustHandles="1" noChangeArrowheads="1" noChangeShapeType="1" noTextEdit="1"/>
+          </p:cNvSpPr>
+          <p:nvPr>
+            <p:extLst>
+              <p:ext uri="{386F3935-93C4-4BCD-93E2-E3B085C9AB24}">
+                <p16:designElem xmlns:p16="http://schemas.microsoft.com/office/powerpoint/2015/main" val="1"/>
+              </p:ext>
+            </p:extLst>
+          </p:nvPr>
+        </p:nvSpPr>
+        <p:spPr>
+          <a:xfrm>
+            <a:off x="0" y="0"/>
+            <a:ext cx="12192000" cy="6858000"/>
+          </a:xfrm>
+          <a:prstGeom prst="rect">
+            <a:avLst/>
+          </a:prstGeom>
+          <a:ln>
+            <a:noFill/>
+          </a:ln>
+        </p:spPr>
+        <p:style>
+          <a:lnRef idx="2">
+            <a:schemeClr val="accent1">
+              <a:shade val="50000"/>
+            </a:schemeClr>
+          </a:lnRef>
+          <a:fillRef idx="1">
+            <a:schemeClr val="accent1"/>
+          </a:fillRef>
+          <a:effectRef idx="0">
+            <a:schemeClr val="accent1"/>
+          </a:effectRef>
+          <a:fontRef idx="minor">
+            <a:schemeClr val="lt1"/>
+          </a:fontRef>
+        </p:style>
+        <p:txBody>
+          <a:bodyPr rtlCol="0" anchor="ctr"/>
+          <a:lstStyle/>
+          <a:p>
+            <a:pPr algn="ctr"/>
+            <a:endParaRPr lang="en-US"/>
+          </a:p>
+        </p:txBody>
+      </p:sp>
+      <p:sp>
+        <p:nvSpPr>
+          <p:cNvPr id="8" name="TextBox 7"/>
+          <p:cNvSpPr txBox="1"/>
+          <p:nvPr/>
+        </p:nvSpPr>
+        <p:spPr>
+          <a:xfrm>
+            <a:off x="411479" y="991443"/>
+            <a:ext cx="4703445" cy="1087819"/>
+          </a:xfrm>
+          <a:prstGeom prst="rect">
+            <a:avLst/>
+          </a:prstGeom>
+        </p:spPr>
+        <p:txBody>
+          <a:bodyPr vert="horz" lIns="91440" tIns="45720" rIns="91440" bIns="45720" rtlCol="0" anchor="b">
+            <a:normAutofit/>
+          </a:bodyPr>
+          <a:lstStyle/>
+          <a:p>
+            <a:pPr>
+              <a:lnSpc>
+                <a:spcPct val="90000"/>
+              </a:lnSpc>
+              <a:spcBef>
+                <a:spcPct val="0"/>
+              </a:spcBef>
+              <a:spcAft>
+                <a:spcPts val="600"/>
+              </a:spcAft>
+            </a:pPr>
+            <a:r>
+              <a:rPr lang="en-US" sz="3400" b="1">
+                <a:latin typeface="Times New Roman" panose="02020603050405020304" pitchFamily="18" charset="0"/>
+                <a:ea typeface="+mj-ea"/>
+                <a:cs typeface="Times New Roman" panose="02020603050405020304" pitchFamily="18" charset="0"/>
+              </a:rPr>
+              <a:t>Đọc ghi File bất đồng bộ</a:t>
+            </a:r>
+          </a:p>
+        </p:txBody>
+      </p:sp>
+      <p:sp>
+        <p:nvSpPr>
+          <p:cNvPr id="29" name="Rectangle 28">
+            <a:extLst>
+              <a:ext uri="{FF2B5EF4-FFF2-40B4-BE49-F238E27FC236}">
+                <a16:creationId xmlns:a16="http://schemas.microsoft.com/office/drawing/2014/main" id="{33AE4636-AEEC-45D6-84D4-7AC2DA48ECF8}"/>
+              </a:ext>
+              <a:ext uri="{C183D7F6-B498-43B3-948B-1728B52AA6E4}">
+                <adec:decorative xmlns:adec="http://schemas.microsoft.com/office/drawing/2017/decorative" val="1"/>
+              </a:ext>
+            </a:extLst>
+          </p:cNvPr>
+          <p:cNvSpPr>
+            <a:spLocks noGrp="1" noRot="1" noChangeAspect="1" noMove="1" noResize="1" noEditPoints="1" noAdjustHandles="1" noChangeArrowheads="1" noChangeShapeType="1" noTextEdit="1"/>
+          </p:cNvSpPr>
+          <p:nvPr>
+            <p:extLst>
+              <p:ext uri="{386F3935-93C4-4BCD-93E2-E3B085C9AB24}">
+                <p16:designElem xmlns:p16="http://schemas.microsoft.com/office/powerpoint/2015/main" val="1"/>
+              </p:ext>
+            </p:extLst>
+          </p:nvPr>
+        </p:nvSpPr>
+        <p:spPr>
+          <a:xfrm rot="5400000">
+            <a:off x="649223" y="387939"/>
+            <a:ext cx="73152" cy="548640"/>
+          </a:xfrm>
+          <a:prstGeom prst="rect">
+            <a:avLst/>
+          </a:prstGeom>
+          <a:solidFill>
+            <a:schemeClr val="accent2"/>
+          </a:solidFill>
+          <a:ln>
+            <a:noFill/>
+          </a:ln>
+        </p:spPr>
+        <p:style>
+          <a:lnRef idx="2">
+            <a:schemeClr val="accent1">
+              <a:shade val="50000"/>
+            </a:schemeClr>
+          </a:lnRef>
+          <a:fillRef idx="1">
+            <a:schemeClr val="accent1"/>
+          </a:fillRef>
+          <a:effectRef idx="0">
+            <a:schemeClr val="accent1"/>
+          </a:effectRef>
+          <a:fontRef idx="minor">
+            <a:schemeClr val="lt1"/>
+          </a:fontRef>
+        </p:style>
+        <p:txBody>
+          <a:bodyPr rtlCol="0" anchor="ctr"/>
+          <a:lstStyle/>
+          <a:p>
+            <a:pPr algn="ctr"/>
+            <a:endParaRPr lang="en-US">
+              <a:solidFill>
+                <a:prstClr val="white"/>
+              </a:solidFill>
+              <a:latin typeface="Calibri" panose="020F0502020204030204"/>
+            </a:endParaRPr>
+          </a:p>
+        </p:txBody>
+      </p:sp>
+      <p:sp>
+        <p:nvSpPr>
+          <p:cNvPr id="31" name="Rectangle 30">
+            <a:extLst>
+              <a:ext uri="{FF2B5EF4-FFF2-40B4-BE49-F238E27FC236}">
+                <a16:creationId xmlns:a16="http://schemas.microsoft.com/office/drawing/2014/main" id="{8D9CE0F4-2EB2-4F1F-8AAC-DB3571D9FE10}"/>
+              </a:ext>
+              <a:ext uri="{C183D7F6-B498-43B3-948B-1728B52AA6E4}">
+                <adec:decorative xmlns:adec="http://schemas.microsoft.com/office/drawing/2017/decorative" val="1"/>
+              </a:ext>
+            </a:extLst>
+          </p:cNvPr>
+          <p:cNvSpPr>
+            <a:spLocks noGrp="1" noRot="1" noChangeAspect="1" noMove="1" noResize="1" noEditPoints="1" noAdjustHandles="1" noChangeArrowheads="1" noChangeShapeType="1" noTextEdit="1"/>
+          </p:cNvSpPr>
+          <p:nvPr>
+            <p:extLst>
+              <p:ext uri="{386F3935-93C4-4BCD-93E2-E3B085C9AB24}">
+                <p16:designElem xmlns:p16="http://schemas.microsoft.com/office/powerpoint/2015/main" val="1"/>
+              </p:ext>
+            </p:extLst>
+          </p:nvPr>
+        </p:nvSpPr>
+        <p:spPr>
+          <a:xfrm>
+            <a:off x="411480" y="2285541"/>
+            <a:ext cx="4389120" cy="18288"/>
+          </a:xfrm>
+          <a:prstGeom prst="rect">
+            <a:avLst/>
+          </a:prstGeom>
+          <a:solidFill>
+            <a:srgbClr val="D5D5D5"/>
+          </a:solidFill>
+          <a:ln w="3175">
+            <a:noFill/>
+          </a:ln>
+          <a:effectLst/>
+        </p:spPr>
+        <p:style>
+          <a:lnRef idx="2">
+            <a:schemeClr val="accent1">
+              <a:shade val="50000"/>
+            </a:schemeClr>
+          </a:lnRef>
+          <a:fillRef idx="1">
+            <a:schemeClr val="accent1"/>
+          </a:fillRef>
+          <a:effectRef idx="0">
+            <a:schemeClr val="accent1"/>
+          </a:effectRef>
+          <a:fontRef idx="minor">
+            <a:schemeClr val="lt1"/>
+          </a:fontRef>
+        </p:style>
+        <p:txBody>
+          <a:bodyPr rtlCol="0" anchor="ctr"/>
+          <a:lstStyle/>
+          <a:p>
+            <a:pPr algn="ctr"/>
+            <a:endParaRPr lang="en-US">
+              <a:solidFill>
+                <a:prstClr val="white"/>
+              </a:solidFill>
+              <a:latin typeface="Calibri" panose="020F0502020204030204"/>
+            </a:endParaRPr>
+          </a:p>
+        </p:txBody>
+      </p:sp>
+      <p:sp>
+        <p:nvSpPr>
+          <p:cNvPr id="15" name="TextBox 14"/>
+          <p:cNvSpPr txBox="1"/>
+          <p:nvPr/>
+        </p:nvSpPr>
+        <p:spPr>
+          <a:xfrm>
+            <a:off x="210512" y="2527539"/>
+            <a:ext cx="5195501" cy="3492868"/>
+          </a:xfrm>
+          <a:prstGeom prst="rect">
+            <a:avLst/>
+          </a:prstGeom>
+        </p:spPr>
+        <p:txBody>
+          <a:bodyPr vert="horz" lIns="91440" tIns="45720" rIns="91440" bIns="45720" rtlCol="0">
+            <a:normAutofit/>
+          </a:bodyPr>
+          <a:lstStyle/>
+          <a:p>
+            <a:pPr marL="342900" indent="-228600">
+              <a:lnSpc>
+                <a:spcPct val="90000"/>
+              </a:lnSpc>
+              <a:spcAft>
+                <a:spcPts val="600"/>
+              </a:spcAft>
+              <a:buFont typeface="Arial" panose="020B0604020202020204" pitchFamily="34" charset="0"/>
+              <a:buChar char="•"/>
+            </a:pPr>
+            <a:r>
+              <a:rPr lang="en-US" sz="2000"/>
+              <a:t>Linux cung cấp các API để thực hiện đọc ghi bất đồng bộ.</a:t>
+            </a:r>
+          </a:p>
+          <a:p>
+            <a:pPr marL="914400" lvl="1" indent="-342900">
+              <a:lnSpc>
+                <a:spcPct val="90000"/>
+              </a:lnSpc>
+              <a:spcAft>
+                <a:spcPts val="600"/>
+              </a:spcAft>
+              <a:buFont typeface="Courier New" panose="02070309020205020404" pitchFamily="49" charset="0"/>
+              <a:buChar char="o"/>
+            </a:pPr>
+            <a:r>
+              <a:rPr lang="en-US" sz="2000"/>
+              <a:t>aio_read()</a:t>
+            </a:r>
+          </a:p>
+          <a:p>
+            <a:pPr marL="914400" lvl="1" indent="-342900">
+              <a:lnSpc>
+                <a:spcPct val="90000"/>
+              </a:lnSpc>
+              <a:spcAft>
+                <a:spcPts val="600"/>
+              </a:spcAft>
+              <a:buFont typeface="Courier New" panose="02070309020205020404" pitchFamily="49" charset="0"/>
+              <a:buChar char="o"/>
+            </a:pPr>
+            <a:r>
+              <a:rPr lang="en-US" sz="2000"/>
+              <a:t>aio_write()</a:t>
+            </a:r>
+          </a:p>
+          <a:p>
+            <a:pPr marL="457200" indent="-342900">
+              <a:lnSpc>
+                <a:spcPct val="90000"/>
+              </a:lnSpc>
+              <a:spcAft>
+                <a:spcPts val="600"/>
+              </a:spcAft>
+              <a:buFont typeface="Arial" panose="020B0604020202020204" pitchFamily="34" charset="0"/>
+              <a:buChar char="•"/>
+            </a:pPr>
+            <a:r>
+              <a:rPr lang="en-US" sz="2000"/>
+              <a:t>Ngoài ra có thể tạo sử dụng multil-thread.</a:t>
+            </a:r>
+          </a:p>
+          <a:p>
+            <a:pPr indent="-228600">
+              <a:lnSpc>
+                <a:spcPct val="90000"/>
+              </a:lnSpc>
+              <a:spcAft>
+                <a:spcPts val="600"/>
+              </a:spcAft>
+              <a:buFont typeface="Arial" panose="020B0604020202020204" pitchFamily="34" charset="0"/>
+              <a:buChar char="•"/>
+            </a:pPr>
+            <a:endParaRPr lang="en-US" sz="2000" b="1"/>
+          </a:p>
+        </p:txBody>
+      </p:sp>
+      <p:sp>
+        <p:nvSpPr>
+          <p:cNvPr id="14" name="TextBox 13"/>
+          <p:cNvSpPr txBox="1"/>
+          <p:nvPr/>
+        </p:nvSpPr>
+        <p:spPr>
+          <a:xfrm>
+            <a:off x="5727940" y="2527539"/>
+            <a:ext cx="473206" cy="369332"/>
+          </a:xfrm>
+          <a:prstGeom prst="rect">
+            <a:avLst/>
+          </a:prstGeom>
+          <a:noFill/>
+        </p:spPr>
+        <p:txBody>
+          <a:bodyPr wrap="none" rtlCol="0">
+            <a:spAutoFit/>
+          </a:bodyPr>
+          <a:lstStyle/>
+          <a:p>
+            <a:pPr marL="285750" indent="-285750">
+              <a:buFont typeface="Wingdings" panose="05000000000000000000" pitchFamily="2" charset="2"/>
+              <a:buChar char="Ø"/>
+            </a:pPr>
+            <a:endParaRPr lang="en-US"/>
+          </a:p>
+        </p:txBody>
+      </p:sp>
+      <p:sp>
+        <p:nvSpPr>
+          <p:cNvPr id="17" name="TextBox 16">
+            <a:extLst>
+              <a:ext uri="{FF2B5EF4-FFF2-40B4-BE49-F238E27FC236}">
+                <a16:creationId xmlns:a16="http://schemas.microsoft.com/office/drawing/2014/main" id="{490D3672-8D2E-4D18-A925-FCC966025A7D}"/>
+              </a:ext>
+            </a:extLst>
+          </p:cNvPr>
+          <p:cNvSpPr txBox="1"/>
+          <p:nvPr/>
+        </p:nvSpPr>
+        <p:spPr>
+          <a:xfrm>
+            <a:off x="0" y="6443866"/>
+            <a:ext cx="12192000" cy="425628"/>
+          </a:xfrm>
+          <a:prstGeom prst="rect">
+            <a:avLst/>
+          </a:prstGeom>
+          <a:solidFill>
+            <a:schemeClr val="accent2">
+              <a:lumMod val="50000"/>
+            </a:schemeClr>
+          </a:solidFill>
+        </p:spPr>
+        <p:txBody>
+          <a:bodyPr wrap="square" rtlCol="0">
+            <a:spAutoFit/>
+          </a:bodyPr>
+          <a:lstStyle/>
+          <a:p>
+            <a:pPr algn="ctr"/>
+            <a:endParaRPr lang="en-US" sz="5400" b="1" dirty="0">
+              <a:solidFill>
+                <a:schemeClr val="bg1"/>
+              </a:solidFill>
+            </a:endParaRPr>
+          </a:p>
+        </p:txBody>
+      </p:sp>
+      <p:pic>
+        <p:nvPicPr>
+          <p:cNvPr id="10" name="Picture 9">
+            <a:extLst>
+              <a:ext uri="{FF2B5EF4-FFF2-40B4-BE49-F238E27FC236}">
+                <a16:creationId xmlns:a16="http://schemas.microsoft.com/office/drawing/2014/main" id="{27A9A7A9-3B29-4D40-B9C5-6ED425EEA9CF}"/>
+              </a:ext>
+            </a:extLst>
+          </p:cNvPr>
+          <p:cNvPicPr/>
+          <p:nvPr/>
+        </p:nvPicPr>
+        <p:blipFill>
+          <a:blip r:embed="rId3"/>
+          <a:stretch>
+            <a:fillRect/>
+          </a:stretch>
+        </p:blipFill>
+        <p:spPr>
+          <a:xfrm>
+            <a:off x="6096000" y="1751870"/>
+            <a:ext cx="4632333" cy="3415581"/>
+          </a:xfrm>
+          <a:prstGeom prst="rect">
+            <a:avLst/>
+          </a:prstGeom>
+        </p:spPr>
+      </p:pic>
+    </p:spTree>
+    <p:extLst>
+      <p:ext uri="{BB962C8B-B14F-4D97-AF65-F5344CB8AC3E}">
+        <p14:creationId xmlns:p14="http://schemas.microsoft.com/office/powerpoint/2010/main" val="3663414055"/>
+      </p:ext>
+    </p:extLst>
+  </p:cSld>
+  <p:clrMapOvr>
+    <a:masterClrMapping/>
+  </p:clrMapOvr>
+</p:sld>
+</file>
+
+<file path=ppt/slides/slide18.xml><?xml version="1.0" encoding="utf-8"?>
+<p:sld xmlns:a="http://schemas.openxmlformats.org/drawingml/2006/main" xmlns:r="http://schemas.openxmlformats.org/officeDocument/2006/relationships" xmlns:p="http://schemas.openxmlformats.org/presentationml/2006/main">
+  <p:cSld>
+    <p:bg>
+      <p:bgPr>
+        <a:solidFill>
+          <a:schemeClr val="bg1"/>
+        </a:solidFill>
+        <a:effectLst/>
+      </p:bgPr>
+    </p:bg>
+    <p:spTree>
+      <p:nvGrpSpPr>
+        <p:cNvPr id="1" name=""/>
+        <p:cNvGrpSpPr/>
+        <p:nvPr/>
+      </p:nvGrpSpPr>
+      <p:grpSpPr>
+        <a:xfrm>
+          <a:off x="0" y="0"/>
+          <a:ext cx="0" cy="0"/>
+          <a:chOff x="0" y="0"/>
+          <a:chExt cx="0" cy="0"/>
+        </a:xfrm>
+      </p:grpSpPr>
+      <p:sp useBgFill="1">
+        <p:nvSpPr>
+          <p:cNvPr id="27" name="Rectangle 26">
+            <a:extLst>
+              <a:ext uri="{FF2B5EF4-FFF2-40B4-BE49-F238E27FC236}">
+                <a16:creationId xmlns:a16="http://schemas.microsoft.com/office/drawing/2014/main" id="{0B9EE3F3-89B7-43C3-8651-C4C96830993D}"/>
+              </a:ext>
+              <a:ext uri="{C183D7F6-B498-43B3-948B-1728B52AA6E4}">
+                <adec:decorative xmlns:adec="http://schemas.microsoft.com/office/drawing/2017/decorative" val="1"/>
+              </a:ext>
+            </a:extLst>
+          </p:cNvPr>
+          <p:cNvSpPr>
+            <a:spLocks noGrp="1" noRot="1" noChangeAspect="1" noMove="1" noResize="1" noEditPoints="1" noAdjustHandles="1" noChangeArrowheads="1" noChangeShapeType="1" noTextEdit="1"/>
+          </p:cNvSpPr>
+          <p:nvPr>
+            <p:extLst>
+              <p:ext uri="{386F3935-93C4-4BCD-93E2-E3B085C9AB24}">
+                <p16:designElem xmlns:p16="http://schemas.microsoft.com/office/powerpoint/2015/main" val="1"/>
+              </p:ext>
+            </p:extLst>
+          </p:nvPr>
+        </p:nvSpPr>
+        <p:spPr>
+          <a:xfrm>
+            <a:off x="0" y="0"/>
+            <a:ext cx="12192000" cy="6858000"/>
+          </a:xfrm>
+          <a:prstGeom prst="rect">
+            <a:avLst/>
+          </a:prstGeom>
+          <a:ln>
+            <a:noFill/>
+          </a:ln>
+        </p:spPr>
+        <p:style>
+          <a:lnRef idx="2">
+            <a:schemeClr val="accent1">
+              <a:shade val="50000"/>
+            </a:schemeClr>
+          </a:lnRef>
+          <a:fillRef idx="1">
+            <a:schemeClr val="accent1"/>
+          </a:fillRef>
+          <a:effectRef idx="0">
+            <a:schemeClr val="accent1"/>
+          </a:effectRef>
+          <a:fontRef idx="minor">
+            <a:schemeClr val="lt1"/>
+          </a:fontRef>
+        </p:style>
+        <p:txBody>
+          <a:bodyPr rtlCol="0" anchor="ctr"/>
+          <a:lstStyle/>
+          <a:p>
+            <a:pPr algn="ctr"/>
+            <a:endParaRPr lang="en-US"/>
+          </a:p>
+        </p:txBody>
+      </p:sp>
+      <p:sp>
+        <p:nvSpPr>
+          <p:cNvPr id="8" name="TextBox 7"/>
+          <p:cNvSpPr txBox="1"/>
+          <p:nvPr/>
+        </p:nvSpPr>
+        <p:spPr>
+          <a:xfrm>
+            <a:off x="411480" y="991443"/>
+            <a:ext cx="4712970" cy="1087819"/>
+          </a:xfrm>
+          <a:prstGeom prst="rect">
+            <a:avLst/>
+          </a:prstGeom>
+        </p:spPr>
+        <p:txBody>
+          <a:bodyPr vert="horz" lIns="91440" tIns="45720" rIns="91440" bIns="45720" rtlCol="0" anchor="b">
+            <a:normAutofit/>
+          </a:bodyPr>
+          <a:lstStyle/>
+          <a:p>
+            <a:pPr>
+              <a:lnSpc>
+                <a:spcPct val="90000"/>
+              </a:lnSpc>
+              <a:spcBef>
+                <a:spcPct val="0"/>
+              </a:spcBef>
+              <a:spcAft>
+                <a:spcPts val="600"/>
+              </a:spcAft>
+            </a:pPr>
+            <a:r>
+              <a:rPr lang="en-US" sz="3400" b="1">
+                <a:latin typeface="Times New Roman" panose="02020603050405020304" pitchFamily="18" charset="0"/>
+                <a:ea typeface="+mj-ea"/>
+                <a:cs typeface="Times New Roman" panose="02020603050405020304" pitchFamily="18" charset="0"/>
+              </a:rPr>
+              <a:t>Đọc ghi File bất đồng bộ</a:t>
+            </a:r>
+          </a:p>
+        </p:txBody>
+      </p:sp>
+      <p:sp>
+        <p:nvSpPr>
+          <p:cNvPr id="29" name="Rectangle 28">
+            <a:extLst>
+              <a:ext uri="{FF2B5EF4-FFF2-40B4-BE49-F238E27FC236}">
+                <a16:creationId xmlns:a16="http://schemas.microsoft.com/office/drawing/2014/main" id="{33AE4636-AEEC-45D6-84D4-7AC2DA48ECF8}"/>
+              </a:ext>
+              <a:ext uri="{C183D7F6-B498-43B3-948B-1728B52AA6E4}">
+                <adec:decorative xmlns:adec="http://schemas.microsoft.com/office/drawing/2017/decorative" val="1"/>
+              </a:ext>
+            </a:extLst>
+          </p:cNvPr>
+          <p:cNvSpPr>
+            <a:spLocks noGrp="1" noRot="1" noChangeAspect="1" noMove="1" noResize="1" noEditPoints="1" noAdjustHandles="1" noChangeArrowheads="1" noChangeShapeType="1" noTextEdit="1"/>
+          </p:cNvSpPr>
+          <p:nvPr>
+            <p:extLst>
+              <p:ext uri="{386F3935-93C4-4BCD-93E2-E3B085C9AB24}">
+                <p16:designElem xmlns:p16="http://schemas.microsoft.com/office/powerpoint/2015/main" val="1"/>
+              </p:ext>
+            </p:extLst>
+          </p:nvPr>
+        </p:nvSpPr>
+        <p:spPr>
+          <a:xfrm rot="5400000">
+            <a:off x="649223" y="387939"/>
+            <a:ext cx="73152" cy="548640"/>
+          </a:xfrm>
+          <a:prstGeom prst="rect">
+            <a:avLst/>
+          </a:prstGeom>
+          <a:solidFill>
+            <a:schemeClr val="accent2"/>
+          </a:solidFill>
+          <a:ln>
+            <a:noFill/>
+          </a:ln>
+        </p:spPr>
+        <p:style>
+          <a:lnRef idx="2">
+            <a:schemeClr val="accent1">
+              <a:shade val="50000"/>
+            </a:schemeClr>
+          </a:lnRef>
+          <a:fillRef idx="1">
+            <a:schemeClr val="accent1"/>
+          </a:fillRef>
+          <a:effectRef idx="0">
+            <a:schemeClr val="accent1"/>
+          </a:effectRef>
+          <a:fontRef idx="minor">
+            <a:schemeClr val="lt1"/>
+          </a:fontRef>
+        </p:style>
+        <p:txBody>
+          <a:bodyPr rtlCol="0" anchor="ctr"/>
+          <a:lstStyle/>
+          <a:p>
+            <a:pPr algn="ctr"/>
+            <a:endParaRPr lang="en-US">
+              <a:solidFill>
+                <a:prstClr val="white"/>
+              </a:solidFill>
+              <a:latin typeface="Calibri" panose="020F0502020204030204"/>
+            </a:endParaRPr>
+          </a:p>
+        </p:txBody>
+      </p:sp>
+      <p:sp>
+        <p:nvSpPr>
+          <p:cNvPr id="31" name="Rectangle 30">
+            <a:extLst>
+              <a:ext uri="{FF2B5EF4-FFF2-40B4-BE49-F238E27FC236}">
+                <a16:creationId xmlns:a16="http://schemas.microsoft.com/office/drawing/2014/main" id="{8D9CE0F4-2EB2-4F1F-8AAC-DB3571D9FE10}"/>
+              </a:ext>
+              <a:ext uri="{C183D7F6-B498-43B3-948B-1728B52AA6E4}">
+                <adec:decorative xmlns:adec="http://schemas.microsoft.com/office/drawing/2017/decorative" val="1"/>
+              </a:ext>
+            </a:extLst>
+          </p:cNvPr>
+          <p:cNvSpPr>
+            <a:spLocks noGrp="1" noRot="1" noChangeAspect="1" noMove="1" noResize="1" noEditPoints="1" noAdjustHandles="1" noChangeArrowheads="1" noChangeShapeType="1" noTextEdit="1"/>
+          </p:cNvSpPr>
+          <p:nvPr>
+            <p:extLst>
+              <p:ext uri="{386F3935-93C4-4BCD-93E2-E3B085C9AB24}">
+                <p16:designElem xmlns:p16="http://schemas.microsoft.com/office/powerpoint/2015/main" val="1"/>
+              </p:ext>
+            </p:extLst>
+          </p:nvPr>
+        </p:nvSpPr>
+        <p:spPr>
+          <a:xfrm>
+            <a:off x="411480" y="2285541"/>
+            <a:ext cx="4389120" cy="18288"/>
+          </a:xfrm>
+          <a:prstGeom prst="rect">
+            <a:avLst/>
+          </a:prstGeom>
+          <a:solidFill>
+            <a:srgbClr val="D5D5D5"/>
+          </a:solidFill>
+          <a:ln w="3175">
+            <a:noFill/>
+          </a:ln>
+          <a:effectLst/>
+        </p:spPr>
+        <p:style>
+          <a:lnRef idx="2">
+            <a:schemeClr val="accent1">
+              <a:shade val="50000"/>
+            </a:schemeClr>
+          </a:lnRef>
+          <a:fillRef idx="1">
+            <a:schemeClr val="accent1"/>
+          </a:fillRef>
+          <a:effectRef idx="0">
+            <a:schemeClr val="accent1"/>
+          </a:effectRef>
+          <a:fontRef idx="minor">
+            <a:schemeClr val="lt1"/>
+          </a:fontRef>
+        </p:style>
+        <p:txBody>
+          <a:bodyPr rtlCol="0" anchor="ctr"/>
+          <a:lstStyle/>
+          <a:p>
+            <a:pPr algn="ctr"/>
+            <a:endParaRPr lang="en-US">
+              <a:solidFill>
+                <a:prstClr val="white"/>
+              </a:solidFill>
+              <a:latin typeface="Calibri" panose="020F0502020204030204"/>
+            </a:endParaRPr>
+          </a:p>
+        </p:txBody>
+      </p:sp>
+      <p:sp>
+        <p:nvSpPr>
+          <p:cNvPr id="15" name="TextBox 14"/>
+          <p:cNvSpPr txBox="1"/>
+          <p:nvPr/>
+        </p:nvSpPr>
+        <p:spPr>
+          <a:xfrm>
             <a:off x="230610" y="2510108"/>
             <a:ext cx="3741420" cy="3492868"/>
           </a:xfrm>
@@ -14588,7 +20894,7 @@
 </p:sld>
 </file>
 
-<file path=ppt/slides/slide14.xml><?xml version="1.0" encoding="utf-8"?>
+<file path=ppt/slides/slide19.xml><?xml version="1.0" encoding="utf-8"?>
 <p:sld xmlns:a="http://schemas.openxmlformats.org/drawingml/2006/main" xmlns:r="http://schemas.openxmlformats.org/officeDocument/2006/relationships" xmlns:p="http://schemas.openxmlformats.org/presentationml/2006/main">
   <p:cSld>
     <p:bg>
@@ -15354,7 +21660,623 @@
 </p:sld>
 </file>
 
-<file path=ppt/slides/slide15.xml><?xml version="1.0" encoding="utf-8"?>
+<file path=ppt/slides/slide2.xml><?xml version="1.0" encoding="utf-8"?>
+<p:sld xmlns:a="http://schemas.openxmlformats.org/drawingml/2006/main" xmlns:r="http://schemas.openxmlformats.org/officeDocument/2006/relationships" xmlns:p="http://schemas.openxmlformats.org/presentationml/2006/main">
+  <p:cSld>
+    <p:bg>
+      <p:bgPr>
+        <a:solidFill>
+          <a:schemeClr val="bg1"/>
+        </a:solidFill>
+        <a:effectLst/>
+      </p:bgPr>
+    </p:bg>
+    <p:spTree>
+      <p:nvGrpSpPr>
+        <p:cNvPr id="1" name=""/>
+        <p:cNvGrpSpPr/>
+        <p:nvPr/>
+      </p:nvGrpSpPr>
+      <p:grpSpPr>
+        <a:xfrm>
+          <a:off x="0" y="0"/>
+          <a:ext cx="0" cy="0"/>
+          <a:chOff x="0" y="0"/>
+          <a:chExt cx="0" cy="0"/>
+        </a:xfrm>
+      </p:grpSpPr>
+      <p:sp useBgFill="1">
+        <p:nvSpPr>
+          <p:cNvPr id="39" name="Rectangle 38">
+            <a:extLst>
+              <a:ext uri="{FF2B5EF4-FFF2-40B4-BE49-F238E27FC236}">
+                <a16:creationId xmlns:a16="http://schemas.microsoft.com/office/drawing/2014/main" id="{7517A47C-B2E5-4B79-8061-D74B1311AF6E}"/>
+              </a:ext>
+              <a:ext uri="{C183D7F6-B498-43B3-948B-1728B52AA6E4}">
+                <adec:decorative xmlns:adec="http://schemas.microsoft.com/office/drawing/2017/decorative" val="1"/>
+              </a:ext>
+            </a:extLst>
+          </p:cNvPr>
+          <p:cNvSpPr>
+            <a:spLocks noGrp="1" noRot="1" noChangeAspect="1" noMove="1" noResize="1" noEditPoints="1" noAdjustHandles="1" noChangeArrowheads="1" noChangeShapeType="1" noTextEdit="1"/>
+          </p:cNvSpPr>
+          <p:nvPr>
+            <p:extLst>
+              <p:ext uri="{386F3935-93C4-4BCD-93E2-E3B085C9AB24}">
+                <p16:designElem xmlns:p16="http://schemas.microsoft.com/office/powerpoint/2015/main" val="1"/>
+              </p:ext>
+            </p:extLst>
+          </p:nvPr>
+        </p:nvSpPr>
+        <p:spPr>
+          <a:xfrm>
+            <a:off x="0" y="0"/>
+            <a:ext cx="12192000" cy="6858000"/>
+          </a:xfrm>
+          <a:prstGeom prst="rect">
+            <a:avLst/>
+          </a:prstGeom>
+          <a:ln>
+            <a:noFill/>
+          </a:ln>
+        </p:spPr>
+        <p:style>
+          <a:lnRef idx="2">
+            <a:schemeClr val="accent1">
+              <a:shade val="50000"/>
+            </a:schemeClr>
+          </a:lnRef>
+          <a:fillRef idx="1">
+            <a:schemeClr val="accent1"/>
+          </a:fillRef>
+          <a:effectRef idx="0">
+            <a:schemeClr val="accent1"/>
+          </a:effectRef>
+          <a:fontRef idx="minor">
+            <a:schemeClr val="lt1"/>
+          </a:fontRef>
+        </p:style>
+        <p:txBody>
+          <a:bodyPr rtlCol="0" anchor="ctr"/>
+          <a:lstStyle/>
+          <a:p>
+            <a:pPr algn="ctr"/>
+            <a:endParaRPr lang="en-US"/>
+          </a:p>
+        </p:txBody>
+      </p:sp>
+      <p:sp useBgFill="1">
+        <p:nvSpPr>
+          <p:cNvPr id="41" name="Freeform: Shape 40">
+            <a:extLst>
+              <a:ext uri="{FF2B5EF4-FFF2-40B4-BE49-F238E27FC236}">
+                <a16:creationId xmlns:a16="http://schemas.microsoft.com/office/drawing/2014/main" id="{C505E780-2083-4CB5-A42A-5E0E2908ECC3}"/>
+              </a:ext>
+              <a:ext uri="{C183D7F6-B498-43B3-948B-1728B52AA6E4}">
+                <adec:decorative xmlns:adec="http://schemas.microsoft.com/office/drawing/2017/decorative" val="1"/>
+              </a:ext>
+            </a:extLst>
+          </p:cNvPr>
+          <p:cNvSpPr>
+            <a:spLocks noGrp="1" noRot="1" noChangeAspect="1" noMove="1" noResize="1" noEditPoints="1" noAdjustHandles="1" noChangeArrowheads="1" noChangeShapeType="1" noTextEdit="1"/>
+          </p:cNvSpPr>
+          <p:nvPr>
+            <p:extLst>
+              <p:ext uri="{386F3935-93C4-4BCD-93E2-E3B085C9AB24}">
+                <p16:designElem xmlns:p16="http://schemas.microsoft.com/office/powerpoint/2015/main" val="1"/>
+              </p:ext>
+            </p:extLst>
+          </p:nvPr>
+        </p:nvSpPr>
+        <p:spPr>
+          <a:xfrm>
+            <a:off x="-1" y="0"/>
+            <a:ext cx="4818889" cy="6858000"/>
+          </a:xfrm>
+          <a:custGeom>
+            <a:avLst/>
+            <a:gdLst>
+              <a:gd name="connsiteX0" fmla="*/ 0 w 4818889"/>
+              <a:gd name="connsiteY0" fmla="*/ 0 h 6858000"/>
+              <a:gd name="connsiteX1" fmla="*/ 3605911 w 4818889"/>
+              <a:gd name="connsiteY1" fmla="*/ 0 h 6858000"/>
+              <a:gd name="connsiteX2" fmla="*/ 3668894 w 4818889"/>
+              <a:gd name="connsiteY2" fmla="*/ 69271 h 6858000"/>
+              <a:gd name="connsiteX3" fmla="*/ 4818889 w 4818889"/>
+              <a:gd name="connsiteY3" fmla="*/ 3429000 h 6858000"/>
+              <a:gd name="connsiteX4" fmla="*/ 3668894 w 4818889"/>
+              <a:gd name="connsiteY4" fmla="*/ 6788730 h 6858000"/>
+              <a:gd name="connsiteX5" fmla="*/ 3605911 w 4818889"/>
+              <a:gd name="connsiteY5" fmla="*/ 6858000 h 6858000"/>
+              <a:gd name="connsiteX6" fmla="*/ 0 w 4818889"/>
+              <a:gd name="connsiteY6" fmla="*/ 6858000 h 6858000"/>
+            </a:gdLst>
+            <a:ahLst/>
+            <a:cxnLst>
+              <a:cxn ang="0">
+                <a:pos x="connsiteX0" y="connsiteY0"/>
+              </a:cxn>
+              <a:cxn ang="0">
+                <a:pos x="connsiteX1" y="connsiteY1"/>
+              </a:cxn>
+              <a:cxn ang="0">
+                <a:pos x="connsiteX2" y="connsiteY2"/>
+              </a:cxn>
+              <a:cxn ang="0">
+                <a:pos x="connsiteX3" y="connsiteY3"/>
+              </a:cxn>
+              <a:cxn ang="0">
+                <a:pos x="connsiteX4" y="connsiteY4"/>
+              </a:cxn>
+              <a:cxn ang="0">
+                <a:pos x="connsiteX5" y="connsiteY5"/>
+              </a:cxn>
+              <a:cxn ang="0">
+                <a:pos x="connsiteX6" y="connsiteY6"/>
+              </a:cxn>
+            </a:cxnLst>
+            <a:rect l="l" t="t" r="r" b="b"/>
+            <a:pathLst>
+              <a:path w="4818889" h="6858000">
+                <a:moveTo>
+                  <a:pt x="0" y="0"/>
+                </a:moveTo>
+                <a:lnTo>
+                  <a:pt x="3605911" y="0"/>
+                </a:lnTo>
+                <a:lnTo>
+                  <a:pt x="3668894" y="69271"/>
+                </a:lnTo>
+                <a:cubicBezTo>
+                  <a:pt x="4379420" y="929100"/>
+                  <a:pt x="4818889" y="2116944"/>
+                  <a:pt x="4818889" y="3429000"/>
+                </a:cubicBezTo>
+                <a:cubicBezTo>
+                  <a:pt x="4818889" y="4741056"/>
+                  <a:pt x="4379420" y="5928900"/>
+                  <a:pt x="3668894" y="6788730"/>
+                </a:cubicBezTo>
+                <a:lnTo>
+                  <a:pt x="3605911" y="6858000"/>
+                </a:lnTo>
+                <a:lnTo>
+                  <a:pt x="0" y="6858000"/>
+                </a:lnTo>
+                <a:close/>
+              </a:path>
+            </a:pathLst>
+          </a:custGeom>
+          <a:ln w="9525">
+            <a:solidFill>
+              <a:srgbClr val="EFEFEF"/>
+            </a:solidFill>
+          </a:ln>
+          <a:effectLst>
+            <a:outerShdw blurRad="88900" dist="38100" algn="l" rotWithShape="0">
+              <a:schemeClr val="bg1">
+                <a:lumMod val="85000"/>
+                <a:alpha val="50000"/>
+              </a:schemeClr>
+            </a:outerShdw>
+          </a:effectLst>
+        </p:spPr>
+        <p:style>
+          <a:lnRef idx="2">
+            <a:schemeClr val="accent1">
+              <a:shade val="50000"/>
+            </a:schemeClr>
+          </a:lnRef>
+          <a:fillRef idx="1">
+            <a:schemeClr val="accent1"/>
+          </a:fillRef>
+          <a:effectRef idx="0">
+            <a:schemeClr val="accent1"/>
+          </a:effectRef>
+          <a:fontRef idx="minor">
+            <a:schemeClr val="lt1"/>
+          </a:fontRef>
+        </p:style>
+        <p:txBody>
+          <a:bodyPr wrap="square" rtlCol="0" anchor="ctr">
+            <a:noAutofit/>
+          </a:bodyPr>
+          <a:lstStyle/>
+          <a:p>
+            <a:pPr marL="0" marR="0" lvl="0" indent="0" algn="ctr" defTabSz="914400" rtl="0" eaLnBrk="1" fontAlgn="auto" latinLnBrk="0" hangingPunct="1">
+              <a:lnSpc>
+                <a:spcPct val="100000"/>
+              </a:lnSpc>
+              <a:spcBef>
+                <a:spcPts val="0"/>
+              </a:spcBef>
+              <a:spcAft>
+                <a:spcPts val="0"/>
+              </a:spcAft>
+              <a:buClrTx/>
+              <a:buSzTx/>
+              <a:buFontTx/>
+              <a:buNone/>
+              <a:tabLst/>
+              <a:defRPr/>
+            </a:pPr>
+            <a:endParaRPr kumimoji="0" lang="en-US" sz="1800" b="0" i="0" u="none" strike="noStrike" kern="1200" cap="none" spc="0" normalizeH="0" baseline="0" noProof="0">
+              <a:ln>
+                <a:noFill/>
+              </a:ln>
+              <a:solidFill>
+                <a:prstClr val="white"/>
+              </a:solidFill>
+              <a:effectLst/>
+              <a:uLnTx/>
+              <a:uFillTx/>
+              <a:latin typeface="Calibri" panose="020F0502020204030204"/>
+              <a:ea typeface="+mn-ea"/>
+              <a:cs typeface="+mn-cs"/>
+            </a:endParaRPr>
+          </a:p>
+        </p:txBody>
+      </p:sp>
+      <p:sp useBgFill="1">
+        <p:nvSpPr>
+          <p:cNvPr id="43" name="Freeform: Shape 42">
+            <a:extLst>
+              <a:ext uri="{FF2B5EF4-FFF2-40B4-BE49-F238E27FC236}">
+                <a16:creationId xmlns:a16="http://schemas.microsoft.com/office/drawing/2014/main" id="{D2C0AE1C-0118-41AE-8A10-7CDCBF10E96F}"/>
+              </a:ext>
+              <a:ext uri="{C183D7F6-B498-43B3-948B-1728B52AA6E4}">
+                <adec:decorative xmlns:adec="http://schemas.microsoft.com/office/drawing/2017/decorative" val="1"/>
+              </a:ext>
+            </a:extLst>
+          </p:cNvPr>
+          <p:cNvSpPr>
+            <a:spLocks noGrp="1" noRot="1" noChangeAspect="1" noMove="1" noResize="1" noEditPoints="1" noAdjustHandles="1" noChangeArrowheads="1" noChangeShapeType="1" noTextEdit="1"/>
+          </p:cNvSpPr>
+          <p:nvPr>
+            <p:extLst>
+              <p:ext uri="{386F3935-93C4-4BCD-93E2-E3B085C9AB24}">
+                <p16:designElem xmlns:p16="http://schemas.microsoft.com/office/powerpoint/2015/main" val="1"/>
+              </p:ext>
+            </p:extLst>
+          </p:nvPr>
+        </p:nvSpPr>
+        <p:spPr>
+          <a:xfrm>
+            <a:off x="1" y="0"/>
+            <a:ext cx="4811477" cy="6858000"/>
+          </a:xfrm>
+          <a:custGeom>
+            <a:avLst/>
+            <a:gdLst>
+              <a:gd name="connsiteX0" fmla="*/ 0 w 4811477"/>
+              <a:gd name="connsiteY0" fmla="*/ 0 h 6858000"/>
+              <a:gd name="connsiteX1" fmla="*/ 3598499 w 4811477"/>
+              <a:gd name="connsiteY1" fmla="*/ 0 h 6858000"/>
+              <a:gd name="connsiteX2" fmla="*/ 3661482 w 4811477"/>
+              <a:gd name="connsiteY2" fmla="*/ 69271 h 6858000"/>
+              <a:gd name="connsiteX3" fmla="*/ 4811477 w 4811477"/>
+              <a:gd name="connsiteY3" fmla="*/ 3429000 h 6858000"/>
+              <a:gd name="connsiteX4" fmla="*/ 3661482 w 4811477"/>
+              <a:gd name="connsiteY4" fmla="*/ 6788730 h 6858000"/>
+              <a:gd name="connsiteX5" fmla="*/ 3598499 w 4811477"/>
+              <a:gd name="connsiteY5" fmla="*/ 6858000 h 6858000"/>
+              <a:gd name="connsiteX6" fmla="*/ 0 w 4811477"/>
+              <a:gd name="connsiteY6" fmla="*/ 6858000 h 6858000"/>
+            </a:gdLst>
+            <a:ahLst/>
+            <a:cxnLst>
+              <a:cxn ang="0">
+                <a:pos x="connsiteX0" y="connsiteY0"/>
+              </a:cxn>
+              <a:cxn ang="0">
+                <a:pos x="connsiteX1" y="connsiteY1"/>
+              </a:cxn>
+              <a:cxn ang="0">
+                <a:pos x="connsiteX2" y="connsiteY2"/>
+              </a:cxn>
+              <a:cxn ang="0">
+                <a:pos x="connsiteX3" y="connsiteY3"/>
+              </a:cxn>
+              <a:cxn ang="0">
+                <a:pos x="connsiteX4" y="connsiteY4"/>
+              </a:cxn>
+              <a:cxn ang="0">
+                <a:pos x="connsiteX5" y="connsiteY5"/>
+              </a:cxn>
+              <a:cxn ang="0">
+                <a:pos x="connsiteX6" y="connsiteY6"/>
+              </a:cxn>
+            </a:cxnLst>
+            <a:rect l="l" t="t" r="r" b="b"/>
+            <a:pathLst>
+              <a:path w="4811477" h="6858000">
+                <a:moveTo>
+                  <a:pt x="0" y="0"/>
+                </a:moveTo>
+                <a:lnTo>
+                  <a:pt x="3598499" y="0"/>
+                </a:lnTo>
+                <a:lnTo>
+                  <a:pt x="3661482" y="69271"/>
+                </a:lnTo>
+                <a:cubicBezTo>
+                  <a:pt x="4372008" y="929100"/>
+                  <a:pt x="4811477" y="2116944"/>
+                  <a:pt x="4811477" y="3429000"/>
+                </a:cubicBezTo>
+                <a:cubicBezTo>
+                  <a:pt x="4811477" y="4741056"/>
+                  <a:pt x="4372008" y="5928900"/>
+                  <a:pt x="3661482" y="6788730"/>
+                </a:cubicBezTo>
+                <a:lnTo>
+                  <a:pt x="3598499" y="6858000"/>
+                </a:lnTo>
+                <a:lnTo>
+                  <a:pt x="0" y="6858000"/>
+                </a:lnTo>
+                <a:close/>
+              </a:path>
+            </a:pathLst>
+          </a:custGeom>
+          <a:ln w="9525">
+            <a:noFill/>
+          </a:ln>
+          <a:effectLst/>
+        </p:spPr>
+        <p:style>
+          <a:lnRef idx="2">
+            <a:schemeClr val="accent1">
+              <a:shade val="50000"/>
+            </a:schemeClr>
+          </a:lnRef>
+          <a:fillRef idx="1">
+            <a:schemeClr val="accent1"/>
+          </a:fillRef>
+          <a:effectRef idx="0">
+            <a:schemeClr val="accent1"/>
+          </a:effectRef>
+          <a:fontRef idx="minor">
+            <a:schemeClr val="lt1"/>
+          </a:fontRef>
+        </p:style>
+        <p:txBody>
+          <a:bodyPr wrap="square" rtlCol="0" anchor="ctr">
+            <a:noAutofit/>
+          </a:bodyPr>
+          <a:lstStyle/>
+          <a:p>
+            <a:pPr marL="0" marR="0" lvl="0" indent="0" algn="ctr" defTabSz="914400" rtl="0" eaLnBrk="1" fontAlgn="auto" latinLnBrk="0" hangingPunct="1">
+              <a:lnSpc>
+                <a:spcPct val="100000"/>
+              </a:lnSpc>
+              <a:spcBef>
+                <a:spcPts val="0"/>
+              </a:spcBef>
+              <a:spcAft>
+                <a:spcPts val="0"/>
+              </a:spcAft>
+              <a:buClrTx/>
+              <a:buSzTx/>
+              <a:buFontTx/>
+              <a:buNone/>
+              <a:tabLst/>
+              <a:defRPr/>
+            </a:pPr>
+            <a:endParaRPr kumimoji="0" lang="en-US" sz="1800" b="0" i="0" u="none" strike="noStrike" kern="1200" cap="none" spc="0" normalizeH="0" baseline="0" noProof="0">
+              <a:ln>
+                <a:noFill/>
+              </a:ln>
+              <a:solidFill>
+                <a:prstClr val="white"/>
+              </a:solidFill>
+              <a:effectLst/>
+              <a:uLnTx/>
+              <a:uFillTx/>
+              <a:latin typeface="Calibri" panose="020F0502020204030204"/>
+              <a:ea typeface="+mn-ea"/>
+              <a:cs typeface="+mn-cs"/>
+            </a:endParaRPr>
+          </a:p>
+        </p:txBody>
+      </p:sp>
+      <p:sp>
+        <p:nvSpPr>
+          <p:cNvPr id="5" name="TextBox 4"/>
+          <p:cNvSpPr txBox="1"/>
+          <p:nvPr/>
+        </p:nvSpPr>
+        <p:spPr>
+          <a:xfrm>
+            <a:off x="621792" y="1161288"/>
+            <a:ext cx="3602736" cy="4526280"/>
+          </a:xfrm>
+          <a:prstGeom prst="rect">
+            <a:avLst/>
+          </a:prstGeom>
+        </p:spPr>
+        <p:txBody>
+          <a:bodyPr vert="horz" lIns="91440" tIns="45720" rIns="91440" bIns="45720" rtlCol="0" anchor="ctr">
+            <a:normAutofit/>
+          </a:bodyPr>
+          <a:lstStyle/>
+          <a:p>
+            <a:pPr>
+              <a:lnSpc>
+                <a:spcPct val="90000"/>
+              </a:lnSpc>
+              <a:spcBef>
+                <a:spcPct val="0"/>
+              </a:spcBef>
+              <a:spcAft>
+                <a:spcPts val="600"/>
+              </a:spcAft>
+            </a:pPr>
+            <a:r>
+              <a:rPr lang="en-US" sz="4000" b="1" kern="1200">
+                <a:solidFill>
+                  <a:schemeClr val="tx1"/>
+                </a:solidFill>
+                <a:latin typeface="Times New Roman" panose="02020603050405020304" pitchFamily="18" charset="0"/>
+                <a:ea typeface="+mj-ea"/>
+                <a:cs typeface="Times New Roman" panose="02020603050405020304" pitchFamily="18" charset="0"/>
+              </a:rPr>
+              <a:t>Agenda</a:t>
+            </a:r>
+          </a:p>
+        </p:txBody>
+      </p:sp>
+      <p:sp>
+        <p:nvSpPr>
+          <p:cNvPr id="45" name="Rectangle 44">
+            <a:extLst>
+              <a:ext uri="{FF2B5EF4-FFF2-40B4-BE49-F238E27FC236}">
+                <a16:creationId xmlns:a16="http://schemas.microsoft.com/office/drawing/2014/main" id="{463EEC44-1BA3-44ED-81FC-A644B04B2A44}"/>
+              </a:ext>
+              <a:ext uri="{C183D7F6-B498-43B3-948B-1728B52AA6E4}">
+                <adec:decorative xmlns:adec="http://schemas.microsoft.com/office/drawing/2017/decorative" val="1"/>
+              </a:ext>
+            </a:extLst>
+          </p:cNvPr>
+          <p:cNvSpPr>
+            <a:spLocks noGrp="1" noRot="1" noChangeAspect="1" noMove="1" noResize="1" noEditPoints="1" noAdjustHandles="1" noChangeArrowheads="1" noChangeShapeType="1" noTextEdit="1"/>
+          </p:cNvSpPr>
+          <p:nvPr>
+            <p:extLst>
+              <p:ext uri="{386F3935-93C4-4BCD-93E2-E3B085C9AB24}">
+                <p16:designElem xmlns:p16="http://schemas.microsoft.com/office/powerpoint/2015/main" val="1"/>
+              </p:ext>
+            </p:extLst>
+          </p:nvPr>
+        </p:nvSpPr>
+        <p:spPr>
+          <a:xfrm>
+            <a:off x="0" y="3081528"/>
+            <a:ext cx="128016" cy="704088"/>
+          </a:xfrm>
+          <a:prstGeom prst="rect">
+            <a:avLst/>
+          </a:prstGeom>
+          <a:solidFill>
+            <a:schemeClr val="accent2"/>
+          </a:solidFill>
+          <a:ln>
+            <a:noFill/>
+          </a:ln>
+        </p:spPr>
+        <p:style>
+          <a:lnRef idx="2">
+            <a:schemeClr val="accent1">
+              <a:shade val="50000"/>
+            </a:schemeClr>
+          </a:lnRef>
+          <a:fillRef idx="1">
+            <a:schemeClr val="accent1"/>
+          </a:fillRef>
+          <a:effectRef idx="0">
+            <a:schemeClr val="accent1"/>
+          </a:effectRef>
+          <a:fontRef idx="minor">
+            <a:schemeClr val="lt1"/>
+          </a:fontRef>
+        </p:style>
+        <p:txBody>
+          <a:bodyPr rtlCol="0" anchor="ctr"/>
+          <a:lstStyle/>
+          <a:p>
+            <a:pPr algn="ctr"/>
+            <a:endParaRPr lang="en-US">
+              <a:solidFill>
+                <a:prstClr val="white"/>
+              </a:solidFill>
+              <a:latin typeface="Calibri" panose="020F0502020204030204"/>
+            </a:endParaRPr>
+          </a:p>
+        </p:txBody>
+      </p:sp>
+      <p:sp>
+        <p:nvSpPr>
+          <p:cNvPr id="9" name="TextBox 8">
+            <a:extLst>
+              <a:ext uri="{FF2B5EF4-FFF2-40B4-BE49-F238E27FC236}">
+                <a16:creationId xmlns:a16="http://schemas.microsoft.com/office/drawing/2014/main" id="{B9BBDF46-D979-4F37-872B-72B6A3EA8EBB}"/>
+              </a:ext>
+            </a:extLst>
+          </p:cNvPr>
+          <p:cNvSpPr txBox="1"/>
+          <p:nvPr/>
+        </p:nvSpPr>
+        <p:spPr>
+          <a:xfrm>
+            <a:off x="0" y="6441516"/>
+            <a:ext cx="12192000" cy="425628"/>
+          </a:xfrm>
+          <a:prstGeom prst="rect">
+            <a:avLst/>
+          </a:prstGeom>
+          <a:solidFill>
+            <a:schemeClr val="accent2">
+              <a:lumMod val="50000"/>
+            </a:schemeClr>
+          </a:solidFill>
+        </p:spPr>
+        <p:txBody>
+          <a:bodyPr wrap="square" rtlCol="0">
+            <a:spAutoFit/>
+          </a:bodyPr>
+          <a:lstStyle/>
+          <a:p>
+            <a:pPr algn="ctr"/>
+            <a:endParaRPr lang="en-US" sz="5400" b="1" dirty="0">
+              <a:solidFill>
+                <a:schemeClr val="bg1"/>
+              </a:solidFill>
+            </a:endParaRPr>
+          </a:p>
+        </p:txBody>
+      </p:sp>
+      <p:graphicFrame>
+        <p:nvGraphicFramePr>
+          <p:cNvPr id="10" name="TextBox 14">
+            <a:extLst>
+              <a:ext uri="{FF2B5EF4-FFF2-40B4-BE49-F238E27FC236}">
+                <a16:creationId xmlns:a16="http://schemas.microsoft.com/office/drawing/2014/main" id="{ED8F1AD5-58C1-4FBA-8C2E-07DB032A463A}"/>
+              </a:ext>
+            </a:extLst>
+          </p:cNvPr>
+          <p:cNvGraphicFramePr/>
+          <p:nvPr>
+            <p:extLst>
+              <p:ext uri="{D42A27DB-BD31-4B8C-83A1-F6EECF244321}">
+                <p14:modId xmlns:p14="http://schemas.microsoft.com/office/powerpoint/2010/main" val="3942361411"/>
+              </p:ext>
+            </p:extLst>
+          </p:nvPr>
+        </p:nvGraphicFramePr>
+        <p:xfrm>
+          <a:off x="5303520" y="676656"/>
+          <a:ext cx="6364224" cy="5513832"/>
+        </p:xfrm>
+        <a:graphic>
+          <a:graphicData uri="http://schemas.openxmlformats.org/drawingml/2006/diagram">
+            <dgm:relIds xmlns:dgm="http://schemas.openxmlformats.org/drawingml/2006/diagram" xmlns:r="http://schemas.openxmlformats.org/officeDocument/2006/relationships" r:dm="rId3" r:lo="rId4" r:qs="rId5" r:cs="rId6"/>
+          </a:graphicData>
+        </a:graphic>
+      </p:graphicFrame>
+    </p:spTree>
+    <p:extLst>
+      <p:ext uri="{BB962C8B-B14F-4D97-AF65-F5344CB8AC3E}">
+        <p14:creationId xmlns:p14="http://schemas.microsoft.com/office/powerpoint/2010/main" val="1253352316"/>
+      </p:ext>
+    </p:extLst>
+  </p:cSld>
+  <p:clrMapOvr>
+    <a:masterClrMapping/>
+  </p:clrMapOvr>
+</p:sld>
+</file>
+
+<file path=ppt/slides/slide20.xml><?xml version="1.0" encoding="utf-8"?>
 <p:sld xmlns:a="http://schemas.openxmlformats.org/drawingml/2006/main" xmlns:r="http://schemas.openxmlformats.org/officeDocument/2006/relationships" xmlns:p="http://schemas.openxmlformats.org/presentationml/2006/main">
   <p:cSld>
     <p:bg>
@@ -15901,7 +22823,7 @@
           <p:nvPr>
             <p:extLst>
               <p:ext uri="{D42A27DB-BD31-4B8C-83A1-F6EECF244321}">
-                <p14:modId xmlns:p14="http://schemas.microsoft.com/office/powerpoint/2010/main" val="2038441271"/>
+                <p14:modId xmlns:p14="http://schemas.microsoft.com/office/powerpoint/2010/main" val="3556396518"/>
               </p:ext>
             </p:extLst>
           </p:nvPr>
@@ -15920,622 +22842,6 @@
     <p:extLst>
       <p:ext uri="{BB962C8B-B14F-4D97-AF65-F5344CB8AC3E}">
         <p14:creationId xmlns:p14="http://schemas.microsoft.com/office/powerpoint/2010/main" val="739649375"/>
-      </p:ext>
-    </p:extLst>
-  </p:cSld>
-  <p:clrMapOvr>
-    <a:masterClrMapping/>
-  </p:clrMapOvr>
-</p:sld>
-</file>
-
-<file path=ppt/slides/slide2.xml><?xml version="1.0" encoding="utf-8"?>
-<p:sld xmlns:a="http://schemas.openxmlformats.org/drawingml/2006/main" xmlns:r="http://schemas.openxmlformats.org/officeDocument/2006/relationships" xmlns:p="http://schemas.openxmlformats.org/presentationml/2006/main">
-  <p:cSld>
-    <p:bg>
-      <p:bgPr>
-        <a:solidFill>
-          <a:schemeClr val="bg1"/>
-        </a:solidFill>
-        <a:effectLst/>
-      </p:bgPr>
-    </p:bg>
-    <p:spTree>
-      <p:nvGrpSpPr>
-        <p:cNvPr id="1" name=""/>
-        <p:cNvGrpSpPr/>
-        <p:nvPr/>
-      </p:nvGrpSpPr>
-      <p:grpSpPr>
-        <a:xfrm>
-          <a:off x="0" y="0"/>
-          <a:ext cx="0" cy="0"/>
-          <a:chOff x="0" y="0"/>
-          <a:chExt cx="0" cy="0"/>
-        </a:xfrm>
-      </p:grpSpPr>
-      <p:sp useBgFill="1">
-        <p:nvSpPr>
-          <p:cNvPr id="39" name="Rectangle 38">
-            <a:extLst>
-              <a:ext uri="{FF2B5EF4-FFF2-40B4-BE49-F238E27FC236}">
-                <a16:creationId xmlns:a16="http://schemas.microsoft.com/office/drawing/2014/main" id="{7517A47C-B2E5-4B79-8061-D74B1311AF6E}"/>
-              </a:ext>
-              <a:ext uri="{C183D7F6-B498-43B3-948B-1728B52AA6E4}">
-                <adec:decorative xmlns:adec="http://schemas.microsoft.com/office/drawing/2017/decorative" val="1"/>
-              </a:ext>
-            </a:extLst>
-          </p:cNvPr>
-          <p:cNvSpPr>
-            <a:spLocks noGrp="1" noRot="1" noChangeAspect="1" noMove="1" noResize="1" noEditPoints="1" noAdjustHandles="1" noChangeArrowheads="1" noChangeShapeType="1" noTextEdit="1"/>
-          </p:cNvSpPr>
-          <p:nvPr>
-            <p:extLst>
-              <p:ext uri="{386F3935-93C4-4BCD-93E2-E3B085C9AB24}">
-                <p16:designElem xmlns:p16="http://schemas.microsoft.com/office/powerpoint/2015/main" val="1"/>
-              </p:ext>
-            </p:extLst>
-          </p:nvPr>
-        </p:nvSpPr>
-        <p:spPr>
-          <a:xfrm>
-            <a:off x="0" y="0"/>
-            <a:ext cx="12192000" cy="6858000"/>
-          </a:xfrm>
-          <a:prstGeom prst="rect">
-            <a:avLst/>
-          </a:prstGeom>
-          <a:ln>
-            <a:noFill/>
-          </a:ln>
-        </p:spPr>
-        <p:style>
-          <a:lnRef idx="2">
-            <a:schemeClr val="accent1">
-              <a:shade val="50000"/>
-            </a:schemeClr>
-          </a:lnRef>
-          <a:fillRef idx="1">
-            <a:schemeClr val="accent1"/>
-          </a:fillRef>
-          <a:effectRef idx="0">
-            <a:schemeClr val="accent1"/>
-          </a:effectRef>
-          <a:fontRef idx="minor">
-            <a:schemeClr val="lt1"/>
-          </a:fontRef>
-        </p:style>
-        <p:txBody>
-          <a:bodyPr rtlCol="0" anchor="ctr"/>
-          <a:lstStyle/>
-          <a:p>
-            <a:pPr algn="ctr"/>
-            <a:endParaRPr lang="en-US"/>
-          </a:p>
-        </p:txBody>
-      </p:sp>
-      <p:sp useBgFill="1">
-        <p:nvSpPr>
-          <p:cNvPr id="41" name="Freeform: Shape 40">
-            <a:extLst>
-              <a:ext uri="{FF2B5EF4-FFF2-40B4-BE49-F238E27FC236}">
-                <a16:creationId xmlns:a16="http://schemas.microsoft.com/office/drawing/2014/main" id="{C505E780-2083-4CB5-A42A-5E0E2908ECC3}"/>
-              </a:ext>
-              <a:ext uri="{C183D7F6-B498-43B3-948B-1728B52AA6E4}">
-                <adec:decorative xmlns:adec="http://schemas.microsoft.com/office/drawing/2017/decorative" val="1"/>
-              </a:ext>
-            </a:extLst>
-          </p:cNvPr>
-          <p:cNvSpPr>
-            <a:spLocks noGrp="1" noRot="1" noChangeAspect="1" noMove="1" noResize="1" noEditPoints="1" noAdjustHandles="1" noChangeArrowheads="1" noChangeShapeType="1" noTextEdit="1"/>
-          </p:cNvSpPr>
-          <p:nvPr>
-            <p:extLst>
-              <p:ext uri="{386F3935-93C4-4BCD-93E2-E3B085C9AB24}">
-                <p16:designElem xmlns:p16="http://schemas.microsoft.com/office/powerpoint/2015/main" val="1"/>
-              </p:ext>
-            </p:extLst>
-          </p:nvPr>
-        </p:nvSpPr>
-        <p:spPr>
-          <a:xfrm>
-            <a:off x="-1" y="0"/>
-            <a:ext cx="4818889" cy="6858000"/>
-          </a:xfrm>
-          <a:custGeom>
-            <a:avLst/>
-            <a:gdLst>
-              <a:gd name="connsiteX0" fmla="*/ 0 w 4818889"/>
-              <a:gd name="connsiteY0" fmla="*/ 0 h 6858000"/>
-              <a:gd name="connsiteX1" fmla="*/ 3605911 w 4818889"/>
-              <a:gd name="connsiteY1" fmla="*/ 0 h 6858000"/>
-              <a:gd name="connsiteX2" fmla="*/ 3668894 w 4818889"/>
-              <a:gd name="connsiteY2" fmla="*/ 69271 h 6858000"/>
-              <a:gd name="connsiteX3" fmla="*/ 4818889 w 4818889"/>
-              <a:gd name="connsiteY3" fmla="*/ 3429000 h 6858000"/>
-              <a:gd name="connsiteX4" fmla="*/ 3668894 w 4818889"/>
-              <a:gd name="connsiteY4" fmla="*/ 6788730 h 6858000"/>
-              <a:gd name="connsiteX5" fmla="*/ 3605911 w 4818889"/>
-              <a:gd name="connsiteY5" fmla="*/ 6858000 h 6858000"/>
-              <a:gd name="connsiteX6" fmla="*/ 0 w 4818889"/>
-              <a:gd name="connsiteY6" fmla="*/ 6858000 h 6858000"/>
-            </a:gdLst>
-            <a:ahLst/>
-            <a:cxnLst>
-              <a:cxn ang="0">
-                <a:pos x="connsiteX0" y="connsiteY0"/>
-              </a:cxn>
-              <a:cxn ang="0">
-                <a:pos x="connsiteX1" y="connsiteY1"/>
-              </a:cxn>
-              <a:cxn ang="0">
-                <a:pos x="connsiteX2" y="connsiteY2"/>
-              </a:cxn>
-              <a:cxn ang="0">
-                <a:pos x="connsiteX3" y="connsiteY3"/>
-              </a:cxn>
-              <a:cxn ang="0">
-                <a:pos x="connsiteX4" y="connsiteY4"/>
-              </a:cxn>
-              <a:cxn ang="0">
-                <a:pos x="connsiteX5" y="connsiteY5"/>
-              </a:cxn>
-              <a:cxn ang="0">
-                <a:pos x="connsiteX6" y="connsiteY6"/>
-              </a:cxn>
-            </a:cxnLst>
-            <a:rect l="l" t="t" r="r" b="b"/>
-            <a:pathLst>
-              <a:path w="4818889" h="6858000">
-                <a:moveTo>
-                  <a:pt x="0" y="0"/>
-                </a:moveTo>
-                <a:lnTo>
-                  <a:pt x="3605911" y="0"/>
-                </a:lnTo>
-                <a:lnTo>
-                  <a:pt x="3668894" y="69271"/>
-                </a:lnTo>
-                <a:cubicBezTo>
-                  <a:pt x="4379420" y="929100"/>
-                  <a:pt x="4818889" y="2116944"/>
-                  <a:pt x="4818889" y="3429000"/>
-                </a:cubicBezTo>
-                <a:cubicBezTo>
-                  <a:pt x="4818889" y="4741056"/>
-                  <a:pt x="4379420" y="5928900"/>
-                  <a:pt x="3668894" y="6788730"/>
-                </a:cubicBezTo>
-                <a:lnTo>
-                  <a:pt x="3605911" y="6858000"/>
-                </a:lnTo>
-                <a:lnTo>
-                  <a:pt x="0" y="6858000"/>
-                </a:lnTo>
-                <a:close/>
-              </a:path>
-            </a:pathLst>
-          </a:custGeom>
-          <a:ln w="9525">
-            <a:solidFill>
-              <a:srgbClr val="EFEFEF"/>
-            </a:solidFill>
-          </a:ln>
-          <a:effectLst>
-            <a:outerShdw blurRad="88900" dist="38100" algn="l" rotWithShape="0">
-              <a:schemeClr val="bg1">
-                <a:lumMod val="85000"/>
-                <a:alpha val="50000"/>
-              </a:schemeClr>
-            </a:outerShdw>
-          </a:effectLst>
-        </p:spPr>
-        <p:style>
-          <a:lnRef idx="2">
-            <a:schemeClr val="accent1">
-              <a:shade val="50000"/>
-            </a:schemeClr>
-          </a:lnRef>
-          <a:fillRef idx="1">
-            <a:schemeClr val="accent1"/>
-          </a:fillRef>
-          <a:effectRef idx="0">
-            <a:schemeClr val="accent1"/>
-          </a:effectRef>
-          <a:fontRef idx="minor">
-            <a:schemeClr val="lt1"/>
-          </a:fontRef>
-        </p:style>
-        <p:txBody>
-          <a:bodyPr wrap="square" rtlCol="0" anchor="ctr">
-            <a:noAutofit/>
-          </a:bodyPr>
-          <a:lstStyle/>
-          <a:p>
-            <a:pPr marL="0" marR="0" lvl="0" indent="0" algn="ctr" defTabSz="914400" rtl="0" eaLnBrk="1" fontAlgn="auto" latinLnBrk="0" hangingPunct="1">
-              <a:lnSpc>
-                <a:spcPct val="100000"/>
-              </a:lnSpc>
-              <a:spcBef>
-                <a:spcPts val="0"/>
-              </a:spcBef>
-              <a:spcAft>
-                <a:spcPts val="0"/>
-              </a:spcAft>
-              <a:buClrTx/>
-              <a:buSzTx/>
-              <a:buFontTx/>
-              <a:buNone/>
-              <a:tabLst/>
-              <a:defRPr/>
-            </a:pPr>
-            <a:endParaRPr kumimoji="0" lang="en-US" sz="1800" b="0" i="0" u="none" strike="noStrike" kern="1200" cap="none" spc="0" normalizeH="0" baseline="0" noProof="0">
-              <a:ln>
-                <a:noFill/>
-              </a:ln>
-              <a:solidFill>
-                <a:prstClr val="white"/>
-              </a:solidFill>
-              <a:effectLst/>
-              <a:uLnTx/>
-              <a:uFillTx/>
-              <a:latin typeface="Calibri" panose="020F0502020204030204"/>
-              <a:ea typeface="+mn-ea"/>
-              <a:cs typeface="+mn-cs"/>
-            </a:endParaRPr>
-          </a:p>
-        </p:txBody>
-      </p:sp>
-      <p:sp useBgFill="1">
-        <p:nvSpPr>
-          <p:cNvPr id="43" name="Freeform: Shape 42">
-            <a:extLst>
-              <a:ext uri="{FF2B5EF4-FFF2-40B4-BE49-F238E27FC236}">
-                <a16:creationId xmlns:a16="http://schemas.microsoft.com/office/drawing/2014/main" id="{D2C0AE1C-0118-41AE-8A10-7CDCBF10E96F}"/>
-              </a:ext>
-              <a:ext uri="{C183D7F6-B498-43B3-948B-1728B52AA6E4}">
-                <adec:decorative xmlns:adec="http://schemas.microsoft.com/office/drawing/2017/decorative" val="1"/>
-              </a:ext>
-            </a:extLst>
-          </p:cNvPr>
-          <p:cNvSpPr>
-            <a:spLocks noGrp="1" noRot="1" noChangeAspect="1" noMove="1" noResize="1" noEditPoints="1" noAdjustHandles="1" noChangeArrowheads="1" noChangeShapeType="1" noTextEdit="1"/>
-          </p:cNvSpPr>
-          <p:nvPr>
-            <p:extLst>
-              <p:ext uri="{386F3935-93C4-4BCD-93E2-E3B085C9AB24}">
-                <p16:designElem xmlns:p16="http://schemas.microsoft.com/office/powerpoint/2015/main" val="1"/>
-              </p:ext>
-            </p:extLst>
-          </p:nvPr>
-        </p:nvSpPr>
-        <p:spPr>
-          <a:xfrm>
-            <a:off x="1" y="0"/>
-            <a:ext cx="4811477" cy="6858000"/>
-          </a:xfrm>
-          <a:custGeom>
-            <a:avLst/>
-            <a:gdLst>
-              <a:gd name="connsiteX0" fmla="*/ 0 w 4811477"/>
-              <a:gd name="connsiteY0" fmla="*/ 0 h 6858000"/>
-              <a:gd name="connsiteX1" fmla="*/ 3598499 w 4811477"/>
-              <a:gd name="connsiteY1" fmla="*/ 0 h 6858000"/>
-              <a:gd name="connsiteX2" fmla="*/ 3661482 w 4811477"/>
-              <a:gd name="connsiteY2" fmla="*/ 69271 h 6858000"/>
-              <a:gd name="connsiteX3" fmla="*/ 4811477 w 4811477"/>
-              <a:gd name="connsiteY3" fmla="*/ 3429000 h 6858000"/>
-              <a:gd name="connsiteX4" fmla="*/ 3661482 w 4811477"/>
-              <a:gd name="connsiteY4" fmla="*/ 6788730 h 6858000"/>
-              <a:gd name="connsiteX5" fmla="*/ 3598499 w 4811477"/>
-              <a:gd name="connsiteY5" fmla="*/ 6858000 h 6858000"/>
-              <a:gd name="connsiteX6" fmla="*/ 0 w 4811477"/>
-              <a:gd name="connsiteY6" fmla="*/ 6858000 h 6858000"/>
-            </a:gdLst>
-            <a:ahLst/>
-            <a:cxnLst>
-              <a:cxn ang="0">
-                <a:pos x="connsiteX0" y="connsiteY0"/>
-              </a:cxn>
-              <a:cxn ang="0">
-                <a:pos x="connsiteX1" y="connsiteY1"/>
-              </a:cxn>
-              <a:cxn ang="0">
-                <a:pos x="connsiteX2" y="connsiteY2"/>
-              </a:cxn>
-              <a:cxn ang="0">
-                <a:pos x="connsiteX3" y="connsiteY3"/>
-              </a:cxn>
-              <a:cxn ang="0">
-                <a:pos x="connsiteX4" y="connsiteY4"/>
-              </a:cxn>
-              <a:cxn ang="0">
-                <a:pos x="connsiteX5" y="connsiteY5"/>
-              </a:cxn>
-              <a:cxn ang="0">
-                <a:pos x="connsiteX6" y="connsiteY6"/>
-              </a:cxn>
-            </a:cxnLst>
-            <a:rect l="l" t="t" r="r" b="b"/>
-            <a:pathLst>
-              <a:path w="4811477" h="6858000">
-                <a:moveTo>
-                  <a:pt x="0" y="0"/>
-                </a:moveTo>
-                <a:lnTo>
-                  <a:pt x="3598499" y="0"/>
-                </a:lnTo>
-                <a:lnTo>
-                  <a:pt x="3661482" y="69271"/>
-                </a:lnTo>
-                <a:cubicBezTo>
-                  <a:pt x="4372008" y="929100"/>
-                  <a:pt x="4811477" y="2116944"/>
-                  <a:pt x="4811477" y="3429000"/>
-                </a:cubicBezTo>
-                <a:cubicBezTo>
-                  <a:pt x="4811477" y="4741056"/>
-                  <a:pt x="4372008" y="5928900"/>
-                  <a:pt x="3661482" y="6788730"/>
-                </a:cubicBezTo>
-                <a:lnTo>
-                  <a:pt x="3598499" y="6858000"/>
-                </a:lnTo>
-                <a:lnTo>
-                  <a:pt x="0" y="6858000"/>
-                </a:lnTo>
-                <a:close/>
-              </a:path>
-            </a:pathLst>
-          </a:custGeom>
-          <a:ln w="9525">
-            <a:noFill/>
-          </a:ln>
-          <a:effectLst/>
-        </p:spPr>
-        <p:style>
-          <a:lnRef idx="2">
-            <a:schemeClr val="accent1">
-              <a:shade val="50000"/>
-            </a:schemeClr>
-          </a:lnRef>
-          <a:fillRef idx="1">
-            <a:schemeClr val="accent1"/>
-          </a:fillRef>
-          <a:effectRef idx="0">
-            <a:schemeClr val="accent1"/>
-          </a:effectRef>
-          <a:fontRef idx="minor">
-            <a:schemeClr val="lt1"/>
-          </a:fontRef>
-        </p:style>
-        <p:txBody>
-          <a:bodyPr wrap="square" rtlCol="0" anchor="ctr">
-            <a:noAutofit/>
-          </a:bodyPr>
-          <a:lstStyle/>
-          <a:p>
-            <a:pPr marL="0" marR="0" lvl="0" indent="0" algn="ctr" defTabSz="914400" rtl="0" eaLnBrk="1" fontAlgn="auto" latinLnBrk="0" hangingPunct="1">
-              <a:lnSpc>
-                <a:spcPct val="100000"/>
-              </a:lnSpc>
-              <a:spcBef>
-                <a:spcPts val="0"/>
-              </a:spcBef>
-              <a:spcAft>
-                <a:spcPts val="0"/>
-              </a:spcAft>
-              <a:buClrTx/>
-              <a:buSzTx/>
-              <a:buFontTx/>
-              <a:buNone/>
-              <a:tabLst/>
-              <a:defRPr/>
-            </a:pPr>
-            <a:endParaRPr kumimoji="0" lang="en-US" sz="1800" b="0" i="0" u="none" strike="noStrike" kern="1200" cap="none" spc="0" normalizeH="0" baseline="0" noProof="0">
-              <a:ln>
-                <a:noFill/>
-              </a:ln>
-              <a:solidFill>
-                <a:prstClr val="white"/>
-              </a:solidFill>
-              <a:effectLst/>
-              <a:uLnTx/>
-              <a:uFillTx/>
-              <a:latin typeface="Calibri" panose="020F0502020204030204"/>
-              <a:ea typeface="+mn-ea"/>
-              <a:cs typeface="+mn-cs"/>
-            </a:endParaRPr>
-          </a:p>
-        </p:txBody>
-      </p:sp>
-      <p:sp>
-        <p:nvSpPr>
-          <p:cNvPr id="5" name="TextBox 4"/>
-          <p:cNvSpPr txBox="1"/>
-          <p:nvPr/>
-        </p:nvSpPr>
-        <p:spPr>
-          <a:xfrm>
-            <a:off x="621792" y="1161288"/>
-            <a:ext cx="3602736" cy="4526280"/>
-          </a:xfrm>
-          <a:prstGeom prst="rect">
-            <a:avLst/>
-          </a:prstGeom>
-        </p:spPr>
-        <p:txBody>
-          <a:bodyPr vert="horz" lIns="91440" tIns="45720" rIns="91440" bIns="45720" rtlCol="0" anchor="ctr">
-            <a:normAutofit/>
-          </a:bodyPr>
-          <a:lstStyle/>
-          <a:p>
-            <a:pPr>
-              <a:lnSpc>
-                <a:spcPct val="90000"/>
-              </a:lnSpc>
-              <a:spcBef>
-                <a:spcPct val="0"/>
-              </a:spcBef>
-              <a:spcAft>
-                <a:spcPts val="600"/>
-              </a:spcAft>
-            </a:pPr>
-            <a:r>
-              <a:rPr lang="en-US" sz="4000" b="1" kern="1200">
-                <a:solidFill>
-                  <a:schemeClr val="tx1"/>
-                </a:solidFill>
-                <a:latin typeface="Times New Roman" panose="02020603050405020304" pitchFamily="18" charset="0"/>
-                <a:ea typeface="+mj-ea"/>
-                <a:cs typeface="Times New Roman" panose="02020603050405020304" pitchFamily="18" charset="0"/>
-              </a:rPr>
-              <a:t>Agenda</a:t>
-            </a:r>
-          </a:p>
-        </p:txBody>
-      </p:sp>
-      <p:sp>
-        <p:nvSpPr>
-          <p:cNvPr id="45" name="Rectangle 44">
-            <a:extLst>
-              <a:ext uri="{FF2B5EF4-FFF2-40B4-BE49-F238E27FC236}">
-                <a16:creationId xmlns:a16="http://schemas.microsoft.com/office/drawing/2014/main" id="{463EEC44-1BA3-44ED-81FC-A644B04B2A44}"/>
-              </a:ext>
-              <a:ext uri="{C183D7F6-B498-43B3-948B-1728B52AA6E4}">
-                <adec:decorative xmlns:adec="http://schemas.microsoft.com/office/drawing/2017/decorative" val="1"/>
-              </a:ext>
-            </a:extLst>
-          </p:cNvPr>
-          <p:cNvSpPr>
-            <a:spLocks noGrp="1" noRot="1" noChangeAspect="1" noMove="1" noResize="1" noEditPoints="1" noAdjustHandles="1" noChangeArrowheads="1" noChangeShapeType="1" noTextEdit="1"/>
-          </p:cNvSpPr>
-          <p:nvPr>
-            <p:extLst>
-              <p:ext uri="{386F3935-93C4-4BCD-93E2-E3B085C9AB24}">
-                <p16:designElem xmlns:p16="http://schemas.microsoft.com/office/powerpoint/2015/main" val="1"/>
-              </p:ext>
-            </p:extLst>
-          </p:nvPr>
-        </p:nvSpPr>
-        <p:spPr>
-          <a:xfrm>
-            <a:off x="0" y="3081528"/>
-            <a:ext cx="128016" cy="704088"/>
-          </a:xfrm>
-          <a:prstGeom prst="rect">
-            <a:avLst/>
-          </a:prstGeom>
-          <a:solidFill>
-            <a:schemeClr val="accent2"/>
-          </a:solidFill>
-          <a:ln>
-            <a:noFill/>
-          </a:ln>
-        </p:spPr>
-        <p:style>
-          <a:lnRef idx="2">
-            <a:schemeClr val="accent1">
-              <a:shade val="50000"/>
-            </a:schemeClr>
-          </a:lnRef>
-          <a:fillRef idx="1">
-            <a:schemeClr val="accent1"/>
-          </a:fillRef>
-          <a:effectRef idx="0">
-            <a:schemeClr val="accent1"/>
-          </a:effectRef>
-          <a:fontRef idx="minor">
-            <a:schemeClr val="lt1"/>
-          </a:fontRef>
-        </p:style>
-        <p:txBody>
-          <a:bodyPr rtlCol="0" anchor="ctr"/>
-          <a:lstStyle/>
-          <a:p>
-            <a:pPr algn="ctr"/>
-            <a:endParaRPr lang="en-US">
-              <a:solidFill>
-                <a:prstClr val="white"/>
-              </a:solidFill>
-              <a:latin typeface="Calibri" panose="020F0502020204030204"/>
-            </a:endParaRPr>
-          </a:p>
-        </p:txBody>
-      </p:sp>
-      <p:sp>
-        <p:nvSpPr>
-          <p:cNvPr id="9" name="TextBox 8">
-            <a:extLst>
-              <a:ext uri="{FF2B5EF4-FFF2-40B4-BE49-F238E27FC236}">
-                <a16:creationId xmlns:a16="http://schemas.microsoft.com/office/drawing/2014/main" id="{B9BBDF46-D979-4F37-872B-72B6A3EA8EBB}"/>
-              </a:ext>
-            </a:extLst>
-          </p:cNvPr>
-          <p:cNvSpPr txBox="1"/>
-          <p:nvPr/>
-        </p:nvSpPr>
-        <p:spPr>
-          <a:xfrm>
-            <a:off x="0" y="6443866"/>
-            <a:ext cx="12192000" cy="425628"/>
-          </a:xfrm>
-          <a:prstGeom prst="rect">
-            <a:avLst/>
-          </a:prstGeom>
-          <a:solidFill>
-            <a:schemeClr val="accent2">
-              <a:lumMod val="50000"/>
-            </a:schemeClr>
-          </a:solidFill>
-        </p:spPr>
-        <p:txBody>
-          <a:bodyPr wrap="square" rtlCol="0">
-            <a:spAutoFit/>
-          </a:bodyPr>
-          <a:lstStyle/>
-          <a:p>
-            <a:pPr algn="ctr"/>
-            <a:endParaRPr lang="en-US" sz="5400" b="1" dirty="0">
-              <a:solidFill>
-                <a:schemeClr val="bg1"/>
-              </a:solidFill>
-            </a:endParaRPr>
-          </a:p>
-        </p:txBody>
-      </p:sp>
-      <p:graphicFrame>
-        <p:nvGraphicFramePr>
-          <p:cNvPr id="10" name="TextBox 14">
-            <a:extLst>
-              <a:ext uri="{FF2B5EF4-FFF2-40B4-BE49-F238E27FC236}">
-                <a16:creationId xmlns:a16="http://schemas.microsoft.com/office/drawing/2014/main" id="{ED8F1AD5-58C1-4FBA-8C2E-07DB032A463A}"/>
-              </a:ext>
-            </a:extLst>
-          </p:cNvPr>
-          <p:cNvGraphicFramePr/>
-          <p:nvPr>
-            <p:extLst>
-              <p:ext uri="{D42A27DB-BD31-4B8C-83A1-F6EECF244321}">
-                <p14:modId xmlns:p14="http://schemas.microsoft.com/office/powerpoint/2010/main" val="2949829141"/>
-              </p:ext>
-            </p:extLst>
-          </p:nvPr>
-        </p:nvGraphicFramePr>
-        <p:xfrm>
-          <a:off x="5303520" y="676656"/>
-          <a:ext cx="6364224" cy="5513832"/>
-        </p:xfrm>
-        <a:graphic>
-          <a:graphicData uri="http://schemas.openxmlformats.org/drawingml/2006/diagram">
-            <dgm:relIds xmlns:dgm="http://schemas.openxmlformats.org/drawingml/2006/diagram" xmlns:r="http://schemas.openxmlformats.org/officeDocument/2006/relationships" r:dm="rId3" r:lo="rId4" r:qs="rId5" r:cs="rId6"/>
-          </a:graphicData>
-        </a:graphic>
-      </p:graphicFrame>
-    </p:spTree>
-    <p:extLst>
-      <p:ext uri="{BB962C8B-B14F-4D97-AF65-F5344CB8AC3E}">
-        <p14:creationId xmlns:p14="http://schemas.microsoft.com/office/powerpoint/2010/main" val="1253352316"/>
       </p:ext>
     </p:extLst>
   </p:cSld>
@@ -16671,7 +22977,7 @@
                 <a:ea typeface="+mj-ea"/>
                 <a:cs typeface="Times New Roman" panose="02020603050405020304" pitchFamily="18" charset="0"/>
               </a:rPr>
-              <a:t>Tổng quan về File trên Linux</a:t>
+              <a:t>1. Tổng quan về File trên Linux</a:t>
             </a:r>
           </a:p>
         </p:txBody>
@@ -17497,7 +23803,7 @@
                 <a:ea typeface="+mj-ea"/>
                 <a:cs typeface="Times New Roman" panose="02020603050405020304" pitchFamily="18" charset="0"/>
               </a:rPr>
-              <a:t>Tổng quan về File trên Linux</a:t>
+              <a:t>2. Tổng quan về File trên Linux</a:t>
             </a:r>
           </a:p>
         </p:txBody>
@@ -17927,7 +24233,7 @@
                 <a:ea typeface="+mj-ea"/>
                 <a:cs typeface="Times New Roman" panose="02020603050405020304" pitchFamily="18" charset="0"/>
               </a:rPr>
-              <a:t>Đọc ghi File trong Linux</a:t>
+              <a:t>2. Đọc ghi File trong Linux</a:t>
             </a:r>
             <a:endParaRPr lang="en-US" sz="3400" b="1" kern="1200">
               <a:solidFill>
@@ -18623,7 +24929,7 @@
             </a:pPr>
             <a:r>
               <a:rPr lang="en-US" sz="2000"/>
-              <a:t>close</a:t>
+              <a:t>close()</a:t>
             </a:r>
           </a:p>
         </p:txBody>
@@ -19549,7 +25855,7 @@
               </a:pPr>
               <a:r>
                 <a:rPr lang="en-US" sz="2000" b="0" kern="1200"/>
-                <a:t>1-1000000 vào hai file riêng fileA.txt và fileB.txt. Tính toán thời gian thực hiện.</a:t>
+                <a:t>1-50000 vào hai file riêng fileA.txt và fileB.txt. Tính toán thời gian thực hiện.</a:t>
               </a:r>
             </a:p>
           </p:txBody>
@@ -19825,6 +26131,14 @@
               </a:spcAft>
             </a:pPr>
             <a:r>
+              <a:rPr lang="en-US" sz="3400" b="1">
+                <a:latin typeface="Times New Roman" panose="02020603050405020304" pitchFamily="18" charset="0"/>
+                <a:ea typeface="+mj-ea"/>
+                <a:cs typeface="Times New Roman" panose="02020603050405020304" pitchFamily="18" charset="0"/>
+              </a:rPr>
+              <a:t>3</a:t>
+            </a:r>
+            <a:r>
               <a:rPr lang="en-US" sz="3400" b="1" kern="1200">
                 <a:solidFill>
                   <a:schemeClr val="tx1"/>
@@ -19833,7 +26147,7 @@
                 <a:ea typeface="+mj-ea"/>
                 <a:cs typeface="Times New Roman" panose="02020603050405020304" pitchFamily="18" charset="0"/>
               </a:rPr>
-              <a:t>Quản lý File trong Linux</a:t>
+              <a:t>. Quản lý File trong Linux</a:t>
             </a:r>
           </a:p>
         </p:txBody>
@@ -20390,6 +26704,14 @@
               </a:spcAft>
             </a:pPr>
             <a:r>
+              <a:rPr lang="en-US" sz="3400" b="1">
+                <a:latin typeface="Times New Roman" panose="02020603050405020304" pitchFamily="18" charset="0"/>
+                <a:ea typeface="+mj-ea"/>
+                <a:cs typeface="Times New Roman" panose="02020603050405020304" pitchFamily="18" charset="0"/>
+              </a:rPr>
+              <a:t>3</a:t>
+            </a:r>
+            <a:r>
               <a:rPr lang="en-US" sz="3400" b="1" kern="1200">
                 <a:solidFill>
                   <a:schemeClr val="tx1"/>
@@ -20398,7 +26720,7 @@
                 <a:ea typeface="+mj-ea"/>
                 <a:cs typeface="Times New Roman" panose="02020603050405020304" pitchFamily="18" charset="0"/>
               </a:rPr>
-              <a:t>Quản lý File trong Linux</a:t>
+              <a:t>. Quản lý File trong Linux</a:t>
             </a:r>
           </a:p>
         </p:txBody>
@@ -20912,7 +27234,7 @@
                 <a:ea typeface="+mj-ea"/>
                 <a:cs typeface="Times New Roman" panose="02020603050405020304" pitchFamily="18" charset="0"/>
               </a:rPr>
-              <a:t>Quản lý File trong Linux</a:t>
+              <a:t>3. Quản lý File trong Linux</a:t>
             </a:r>
           </a:p>
         </p:txBody>
